--- a/Documents/PosterPresentation.pptx
+++ b/Documents/PosterPresentation.pptx
@@ -215,7 +215,7 @@
           <a:p>
             <a:fld id="{8A27B708-2555-834C-97B8-35CDF758D659}" type="datetimeFigureOut">
               <a:rPr lang="en-US" smtClean="0"/>
-              <a:t>11/19/22</a:t>
+              <a:t>11/22/22</a:t>
             </a:fld>
             <a:endParaRPr lang="en-US"/>
           </a:p>
@@ -380,7 +380,7 @@
           <a:p>
             <a:fld id="{EF175FB9-2012-4DBF-A192-38187E85331C}" type="datetimeFigureOut">
               <a:rPr lang="en-US" smtClean="0"/>
-              <a:t>11/19/22</a:t>
+              <a:t>11/22/22</a:t>
             </a:fld>
             <a:endParaRPr lang="en-US"/>
           </a:p>
@@ -2871,7 +2871,7 @@
         </p:nvSpPr>
         <p:spPr>
           <a:xfrm>
-            <a:off x="733868" y="5475566"/>
+            <a:off x="733868" y="5391629"/>
             <a:ext cx="13778969" cy="6822086"/>
           </a:xfrm>
           <a:ln>
@@ -2897,7 +2897,7 @@
                 <a:latin typeface="Arial" panose="020B0604020202020204" pitchFamily="34" charset="0"/>
                 <a:cs typeface="Arial" panose="020B0604020202020204" pitchFamily="34" charset="0"/>
               </a:rPr>
-              <a:t>Self-perceived health has been found to be a strong predictor of overall mortality [2]. To date, most self-perceived studies have been conducted in adults. Several studies have been done to predict self-perceived health in young people [1,4,6,7] revealing a high percentage of students reporting having good or excellent health, but none have been conducted in the United States. </a:t>
+              <a:t>Self-perceived health has been found to be a strong predictor of overall mortality [2]. To date, most self-perceived studies have been conducted in adults. Several studies have been done to predict self-perceived health in young people [1] revealing a high percentage of students reporting having good or excellent health, but none have been conducted in the United States. </a:t>
             </a:r>
           </a:p>
           <a:p>
@@ -2961,7 +2961,7 @@
                 <a:latin typeface="Arial" panose="020B0604020202020204" pitchFamily="34" charset="0"/>
                 <a:cs typeface="Arial" panose="020B0604020202020204" pitchFamily="34" charset="0"/>
               </a:rPr>
-              <a:t>We hypothesize psychological health and social support will be the most important predictors of self-perceived health. </a:t>
+              <a:t>We hypothesize psychological health and social support will be the most important predictors of self-perceived health (SPH). </a:t>
             </a:r>
             <a:endParaRPr lang="en-US" sz="3600" b="1" dirty="0">
               <a:latin typeface="Arial" panose="020B0604020202020204" pitchFamily="34" charset="0"/>
@@ -3020,7 +3020,7 @@
         </p:nvSpPr>
         <p:spPr>
           <a:xfrm>
-            <a:off x="660368" y="21253517"/>
+            <a:off x="660368" y="20964551"/>
             <a:ext cx="13585370" cy="1066800"/>
           </a:xfrm>
           <a:solidFill>
@@ -3092,8 +3092,8 @@
         </p:nvSpPr>
         <p:spPr>
           <a:xfrm>
-            <a:off x="29609145" y="27081108"/>
-            <a:ext cx="13585370" cy="7315200"/>
+            <a:off x="29727525" y="27885342"/>
+            <a:ext cx="14197727" cy="4447404"/>
           </a:xfrm>
         </p:spPr>
         <p:txBody>
@@ -3104,146 +3104,10 @@
               <a:buFont typeface="+mj-lt"/>
               <a:buAutoNum type="arabicPeriod"/>
             </a:pPr>
-            <a:r>
-              <a:rPr lang="en-US" sz="3400" dirty="0">
-                <a:effectLst/>
-                <a:latin typeface="Arial"/>
-                <a:cs typeface="Times New Roman"/>
-              </a:rPr>
-              <a:t>Mishra, </a:t>
-            </a:r>
-            <a:r>
-              <a:rPr lang="en-US" sz="3400" dirty="0" err="1">
-                <a:effectLst/>
-                <a:latin typeface="Arial"/>
-                <a:cs typeface="Times New Roman"/>
-              </a:rPr>
-              <a:t>Tejaswini</a:t>
-            </a:r>
-            <a:r>
-              <a:rPr lang="en-US" sz="3400" dirty="0">
-                <a:effectLst/>
-                <a:latin typeface="Arial"/>
-                <a:cs typeface="Times New Roman"/>
-              </a:rPr>
-              <a:t>, Meng Wang, Ahmed A. </a:t>
-            </a:r>
-            <a:r>
-              <a:rPr lang="en-US" sz="3400" dirty="0" err="1">
-                <a:effectLst/>
-                <a:latin typeface="Arial"/>
-                <a:cs typeface="Times New Roman"/>
-              </a:rPr>
-              <a:t>Metwally</a:t>
-            </a:r>
-            <a:r>
-              <a:rPr lang="en-US" sz="3400" dirty="0">
-                <a:effectLst/>
-                <a:latin typeface="Arial"/>
-                <a:cs typeface="Times New Roman"/>
-              </a:rPr>
-              <a:t>, </a:t>
-            </a:r>
-            <a:r>
-              <a:rPr lang="en-US" sz="3400" dirty="0" err="1">
-                <a:effectLst/>
-                <a:latin typeface="Arial"/>
-                <a:cs typeface="Times New Roman"/>
-              </a:rPr>
-              <a:t>Gireesh</a:t>
-            </a:r>
-            <a:r>
-              <a:rPr lang="en-US" sz="3400" dirty="0">
-                <a:effectLst/>
-                <a:latin typeface="Arial"/>
-                <a:cs typeface="Times New Roman"/>
-              </a:rPr>
-              <a:t> K. </a:t>
-            </a:r>
-            <a:r>
-              <a:rPr lang="en-US" sz="3400" dirty="0" err="1">
-                <a:effectLst/>
-                <a:latin typeface="Arial"/>
-                <a:cs typeface="Times New Roman"/>
-              </a:rPr>
-              <a:t>Bogu</a:t>
-            </a:r>
-            <a:r>
-              <a:rPr lang="en-US" sz="3400" dirty="0">
-                <a:effectLst/>
-                <a:latin typeface="Arial"/>
-                <a:cs typeface="Times New Roman"/>
-              </a:rPr>
-              <a:t>, Andrew W. Brooks, Amir Bahmani, </a:t>
-            </a:r>
-            <a:r>
-              <a:rPr lang="en-US" sz="3400" dirty="0" err="1">
-                <a:effectLst/>
-                <a:latin typeface="Arial"/>
-                <a:cs typeface="Times New Roman"/>
-              </a:rPr>
-              <a:t>Arash</a:t>
-            </a:r>
-            <a:r>
-              <a:rPr lang="en-US" sz="3400" dirty="0">
-                <a:effectLst/>
-                <a:latin typeface="Arial"/>
-                <a:cs typeface="Times New Roman"/>
-              </a:rPr>
-              <a:t> </a:t>
-            </a:r>
-            <a:r>
-              <a:rPr lang="en-US" sz="3400" dirty="0" err="1">
-                <a:effectLst/>
-                <a:latin typeface="Arial"/>
-                <a:cs typeface="Times New Roman"/>
-              </a:rPr>
-              <a:t>Alavi</a:t>
-            </a:r>
-            <a:r>
-              <a:rPr lang="en-US" sz="3400" dirty="0">
-                <a:effectLst/>
-                <a:latin typeface="Arial"/>
-                <a:cs typeface="Times New Roman"/>
-              </a:rPr>
-              <a:t>, et al. “Early Detection Of COVID-19 Using A Smartwatch.” </a:t>
-            </a:r>
-            <a:r>
-              <a:rPr lang="en-US" sz="3400" i="1" dirty="0" err="1">
-                <a:effectLst/>
-                <a:latin typeface="Arial"/>
-                <a:cs typeface="Times New Roman"/>
-              </a:rPr>
-              <a:t>MedRxiv</a:t>
-            </a:r>
-            <a:r>
-              <a:rPr lang="en-US" sz="3400" dirty="0">
-                <a:effectLst/>
-                <a:latin typeface="Arial"/>
-                <a:cs typeface="Times New Roman"/>
-              </a:rPr>
-              <a:t>, July 7, 2020, 2020.07.06.20147512. </a:t>
-            </a:r>
-            <a:r>
-              <a:rPr lang="en-US" sz="3400" dirty="0">
-                <a:effectLst/>
-                <a:latin typeface="Arial"/>
-                <a:cs typeface="Times New Roman"/>
-                <a:hlinkClick r:id="rId3"/>
-              </a:rPr>
-              <a:t>https://doi.org/10.1101/2020.07.06.20147512</a:t>
-            </a:r>
-            <a:r>
-              <a:rPr lang="en-US" sz="3400" dirty="0">
-                <a:effectLst/>
-                <a:latin typeface="Arial"/>
-                <a:cs typeface="Times New Roman"/>
-              </a:rPr>
-              <a:t>.</a:t>
-            </a:r>
-            <a:endParaRPr lang="en-US" sz="3400" dirty="0">
-              <a:latin typeface="Arial"/>
-              <a:cs typeface="Times New Roman"/>
+            <a:endParaRPr lang="en-US" sz="2600" dirty="0">
+              <a:effectLst/>
+              <a:latin typeface="Arial" panose="020B0604020202020204" pitchFamily="34" charset="0"/>
+              <a:cs typeface="Arial" panose="020B0604020202020204" pitchFamily="34" charset="0"/>
             </a:endParaRPr>
           </a:p>
           <a:p>
@@ -3252,69 +3116,98 @@
               <a:buAutoNum type="arabicPeriod"/>
             </a:pPr>
             <a:r>
-              <a:rPr lang="en-US" sz="3400" dirty="0">
+              <a:rPr lang="en-US" sz="2600" b="0" i="0" dirty="0">
                 <a:effectLst/>
-                <a:latin typeface="Arial"/>
-                <a:cs typeface="Times New Roman"/>
-              </a:rPr>
-              <a:t>Natarajan, Aravind, Hao-Wei </a:t>
-            </a:r>
-            <a:r>
-              <a:rPr lang="en-US" sz="3400" dirty="0" err="1">
+                <a:latin typeface="Arial" panose="020B0604020202020204" pitchFamily="34" charset="0"/>
+                <a:cs typeface="Arial" panose="020B0604020202020204" pitchFamily="34" charset="0"/>
+              </a:rPr>
+              <a:t>Fernandes, G., &amp; </a:t>
+            </a:r>
+            <a:r>
+              <a:rPr lang="en-US" sz="2600" b="0" i="0" dirty="0" err="1">
                 <a:effectLst/>
-                <a:latin typeface="Arial"/>
-                <a:cs typeface="Times New Roman"/>
-              </a:rPr>
-              <a:t>Su</a:t>
-            </a:r>
-            <a:r>
-              <a:rPr lang="en-US" sz="3400" dirty="0">
+                <a:latin typeface="Arial" panose="020B0604020202020204" pitchFamily="34" charset="0"/>
+                <a:cs typeface="Arial" panose="020B0604020202020204" pitchFamily="34" charset="0"/>
+              </a:rPr>
+              <a:t>Lemos</a:t>
+            </a:r>
+            <a:r>
+              <a:rPr lang="en-US" sz="2600" b="0" i="0" dirty="0">
                 <a:effectLst/>
-                <a:latin typeface="Arial"/>
-                <a:cs typeface="Times New Roman"/>
-              </a:rPr>
-              <a:t>, and Conor Heneghan. “Assessment of Physiological Signs Associated with COVID-19 Measured Using Wearable Devices.” </a:t>
-            </a:r>
-            <a:r>
-              <a:rPr lang="en-US" sz="3400" i="1" dirty="0" err="1">
+                <a:latin typeface="Arial" panose="020B0604020202020204" pitchFamily="34" charset="0"/>
+                <a:cs typeface="Arial" panose="020B0604020202020204" pitchFamily="34" charset="0"/>
+              </a:rPr>
+              <a:t>, S. (2022). Quality of life and self-perceived health of </a:t>
+            </a:r>
+            <a:r>
+              <a:rPr lang="en-US" sz="2600" dirty="0">
+                <a:latin typeface="Arial" panose="020B0604020202020204" pitchFamily="34" charset="0"/>
+                <a:cs typeface="Arial" panose="020B0604020202020204" pitchFamily="34" charset="0"/>
+              </a:rPr>
+              <a:t> </a:t>
+            </a:r>
+            <a:r>
+              <a:rPr lang="en-US" sz="2600" b="0" i="0" dirty="0">
                 <a:effectLst/>
-                <a:latin typeface="Arial"/>
-                <a:cs typeface="Times New Roman"/>
-              </a:rPr>
-              <a:t>Npj</a:t>
-            </a:r>
-            <a:r>
-              <a:rPr lang="en-US" sz="3400" i="1" dirty="0">
+                <a:latin typeface="Arial" panose="020B0604020202020204" pitchFamily="34" charset="0"/>
+                <a:cs typeface="Arial" panose="020B0604020202020204" pitchFamily="34" charset="0"/>
+              </a:rPr>
+              <a:t>adolescents in Middle School. </a:t>
+            </a:r>
+            <a:r>
+              <a:rPr lang="en-US" sz="2600" b="0" i="1" dirty="0" err="1">
                 <a:effectLst/>
-                <a:latin typeface="Arial"/>
-                <a:cs typeface="Times New Roman"/>
-              </a:rPr>
-              <a:t> Digital Medicine</a:t>
-            </a:r>
-            <a:r>
-              <a:rPr lang="en-US" sz="3400" dirty="0">
+                <a:latin typeface="Arial" panose="020B0604020202020204" pitchFamily="34" charset="0"/>
+                <a:cs typeface="Arial" panose="020B0604020202020204" pitchFamily="34" charset="0"/>
+              </a:rPr>
+              <a:t>CoDAS</a:t>
+            </a:r>
+            <a:r>
+              <a:rPr lang="en-US" sz="2600" b="0" i="0" dirty="0">
                 <a:effectLst/>
-                <a:latin typeface="Arial"/>
-                <a:cs typeface="Times New Roman"/>
-              </a:rPr>
-              <a:t> 3, no. 1 (November 30, 2020): 1–8. </a:t>
-            </a:r>
-            <a:r>
-              <a:rPr lang="en-US" sz="3400" dirty="0">
+                <a:latin typeface="Arial" panose="020B0604020202020204" pitchFamily="34" charset="0"/>
+                <a:cs typeface="Arial" panose="020B0604020202020204" pitchFamily="34" charset="0"/>
+              </a:rPr>
+              <a:t>, </a:t>
+            </a:r>
+            <a:r>
+              <a:rPr lang="en-US" sz="2600" b="0" i="1" dirty="0">
                 <a:effectLst/>
-                <a:latin typeface="Arial"/>
-                <a:cs typeface="Times New Roman"/>
-                <a:hlinkClick r:id="rId4"/>
-              </a:rPr>
-              <a:t>https://doi.org/10.1038/s41746-020-00363-7</a:t>
-            </a:r>
-            <a:r>
-              <a:rPr lang="en-US" sz="3400" dirty="0">
+                <a:latin typeface="Arial" panose="020B0604020202020204" pitchFamily="34" charset="0"/>
+                <a:cs typeface="Arial" panose="020B0604020202020204" pitchFamily="34" charset="0"/>
+              </a:rPr>
+              <a:t>34</a:t>
+            </a:r>
+            <a:r>
+              <a:rPr lang="en-US" sz="2600" b="0" i="0" dirty="0">
                 <a:effectLst/>
-                <a:latin typeface="Arial"/>
-                <a:cs typeface="Times New Roman"/>
-              </a:rPr>
-              <a:t>.</a:t>
+                <a:latin typeface="Arial" panose="020B0604020202020204" pitchFamily="34" charset="0"/>
+                <a:cs typeface="Arial" panose="020B0604020202020204" pitchFamily="34" charset="0"/>
+              </a:rPr>
+              <a:t>(6), e20210046. </a:t>
+            </a:r>
+            <a:r>
+              <a:rPr lang="en-US" sz="2600" b="0" i="0" strike="noStrike" dirty="0">
+                <a:effectLst/>
+                <a:latin typeface="Arial" panose="020B0604020202020204" pitchFamily="34" charset="0"/>
+                <a:cs typeface="Arial" panose="020B0604020202020204" pitchFamily="34" charset="0"/>
+                <a:hlinkClick r:id="rId3">
+                  <a:extLst>
+                    <a:ext uri="{A12FA001-AC4F-418D-AE19-62706E023703}">
+                      <ahyp:hlinkClr xmlns:ahyp="http://schemas.microsoft.com/office/drawing/2018/hyperlinkcolor" val="tx"/>
+                    </a:ext>
+                  </a:extLst>
+                </a:hlinkClick>
+              </a:rPr>
+              <a:t>https://doi.org/10.1590/2317-1782/20212021046</a:t>
+            </a:r>
+            <a:r>
+              <a:rPr lang="en-US" sz="2600" b="0" i="0" dirty="0">
+                <a:effectLst/>
+                <a:latin typeface="Arial" panose="020B0604020202020204" pitchFamily="34" charset="0"/>
+                <a:cs typeface="Arial" panose="020B0604020202020204" pitchFamily="34" charset="0"/>
+              </a:rPr>
+              <a:t> </a:t>
             </a:r>
           </a:p>
           <a:p>
@@ -3322,20 +3215,235 @@
               <a:buFont typeface="+mj-lt"/>
               <a:buAutoNum type="arabicPeriod"/>
             </a:pPr>
-            <a:endParaRPr lang="en-US" sz="3200" dirty="0">
-              <a:effectLst/>
-              <a:latin typeface="Times New Roman"/>
-              <a:cs typeface="Times New Roman"/>
-            </a:endParaRPr>
+            <a:r>
+              <a:rPr lang="en-US" sz="2600" b="0" i="0" dirty="0" err="1">
+                <a:effectLst/>
+                <a:latin typeface="Arial" panose="020B0604020202020204" pitchFamily="34" charset="0"/>
+                <a:cs typeface="Arial" panose="020B0604020202020204" pitchFamily="34" charset="0"/>
+              </a:rPr>
+              <a:t>Heistaro</a:t>
+            </a:r>
+            <a:r>
+              <a:rPr lang="en-US" sz="2600" b="0" i="0" dirty="0">
+                <a:effectLst/>
+                <a:latin typeface="Arial" panose="020B0604020202020204" pitchFamily="34" charset="0"/>
+                <a:cs typeface="Arial" panose="020B0604020202020204" pitchFamily="34" charset="0"/>
+              </a:rPr>
+              <a:t>, S., </a:t>
+            </a:r>
+            <a:r>
+              <a:rPr lang="en-US" sz="2600" b="0" i="0" dirty="0" err="1">
+                <a:effectLst/>
+                <a:latin typeface="Arial" panose="020B0604020202020204" pitchFamily="34" charset="0"/>
+                <a:cs typeface="Arial" panose="020B0604020202020204" pitchFamily="34" charset="0"/>
+              </a:rPr>
+              <a:t>Jousilahti</a:t>
+            </a:r>
+            <a:r>
+              <a:rPr lang="en-US" sz="2600" b="0" i="0" dirty="0">
+                <a:effectLst/>
+                <a:latin typeface="Arial" panose="020B0604020202020204" pitchFamily="34" charset="0"/>
+                <a:cs typeface="Arial" panose="020B0604020202020204" pitchFamily="34" charset="0"/>
+              </a:rPr>
+              <a:t>, P., </a:t>
+            </a:r>
+            <a:r>
+              <a:rPr lang="en-US" sz="2600" b="0" i="0" dirty="0" err="1">
+                <a:effectLst/>
+                <a:latin typeface="Arial" panose="020B0604020202020204" pitchFamily="34" charset="0"/>
+                <a:cs typeface="Arial" panose="020B0604020202020204" pitchFamily="34" charset="0"/>
+              </a:rPr>
+              <a:t>Lahelma</a:t>
+            </a:r>
+            <a:r>
+              <a:rPr lang="en-US" sz="2600" b="0" i="0" dirty="0">
+                <a:effectLst/>
+                <a:latin typeface="Arial" panose="020B0604020202020204" pitchFamily="34" charset="0"/>
+                <a:cs typeface="Arial" panose="020B0604020202020204" pitchFamily="34" charset="0"/>
+              </a:rPr>
+              <a:t>, E., </a:t>
+            </a:r>
+            <a:r>
+              <a:rPr lang="en-US" sz="2600" b="0" i="0" dirty="0" err="1">
+                <a:effectLst/>
+                <a:latin typeface="Arial" panose="020B0604020202020204" pitchFamily="34" charset="0"/>
+                <a:cs typeface="Arial" panose="020B0604020202020204" pitchFamily="34" charset="0"/>
+              </a:rPr>
+              <a:t>Vartiainen</a:t>
+            </a:r>
+            <a:r>
+              <a:rPr lang="en-US" sz="2600" b="0" i="0" dirty="0">
+                <a:effectLst/>
+                <a:latin typeface="Arial" panose="020B0604020202020204" pitchFamily="34" charset="0"/>
+                <a:cs typeface="Arial" panose="020B0604020202020204" pitchFamily="34" charset="0"/>
+              </a:rPr>
+              <a:t>, E., &amp; </a:t>
+            </a:r>
+            <a:r>
+              <a:rPr lang="en-US" sz="2600" b="0" i="0" dirty="0" err="1">
+                <a:effectLst/>
+                <a:latin typeface="Arial" panose="020B0604020202020204" pitchFamily="34" charset="0"/>
+                <a:cs typeface="Arial" panose="020B0604020202020204" pitchFamily="34" charset="0"/>
+              </a:rPr>
+              <a:t>Puska</a:t>
+            </a:r>
+            <a:r>
+              <a:rPr lang="en-US" sz="2600" b="0" i="0" dirty="0">
+                <a:effectLst/>
+                <a:latin typeface="Arial" panose="020B0604020202020204" pitchFamily="34" charset="0"/>
+                <a:cs typeface="Arial" panose="020B0604020202020204" pitchFamily="34" charset="0"/>
+              </a:rPr>
+              <a:t>, P. (2001). Self rated health and mortality: a long term prospective study in eastern Finland. </a:t>
+            </a:r>
+            <a:r>
+              <a:rPr lang="en-US" sz="2600" b="0" i="1" dirty="0">
+                <a:effectLst/>
+                <a:latin typeface="Arial" panose="020B0604020202020204" pitchFamily="34" charset="0"/>
+                <a:cs typeface="Arial" panose="020B0604020202020204" pitchFamily="34" charset="0"/>
+              </a:rPr>
+              <a:t>Journal of epidemiology and community health</a:t>
+            </a:r>
+            <a:r>
+              <a:rPr lang="en-US" sz="2600" b="0" i="0" dirty="0">
+                <a:effectLst/>
+                <a:latin typeface="Arial" panose="020B0604020202020204" pitchFamily="34" charset="0"/>
+                <a:cs typeface="Arial" panose="020B0604020202020204" pitchFamily="34" charset="0"/>
+              </a:rPr>
+              <a:t>, </a:t>
+            </a:r>
+            <a:r>
+              <a:rPr lang="en-US" sz="2600" b="0" i="1" dirty="0">
+                <a:effectLst/>
+                <a:latin typeface="Arial" panose="020B0604020202020204" pitchFamily="34" charset="0"/>
+                <a:cs typeface="Arial" panose="020B0604020202020204" pitchFamily="34" charset="0"/>
+              </a:rPr>
+              <a:t>55</a:t>
+            </a:r>
+            <a:r>
+              <a:rPr lang="en-US" sz="2600" b="0" i="0" dirty="0">
+                <a:effectLst/>
+                <a:latin typeface="Arial" panose="020B0604020202020204" pitchFamily="34" charset="0"/>
+                <a:cs typeface="Arial" panose="020B0604020202020204" pitchFamily="34" charset="0"/>
+              </a:rPr>
+              <a:t>(4), 227–232. </a:t>
+            </a:r>
+            <a:r>
+              <a:rPr lang="en-US" sz="2600" b="0" i="0" strike="noStrike" dirty="0">
+                <a:effectLst/>
+                <a:latin typeface="Arial" panose="020B0604020202020204" pitchFamily="34" charset="0"/>
+                <a:cs typeface="Arial" panose="020B0604020202020204" pitchFamily="34" charset="0"/>
+                <a:hlinkClick r:id="rId4">
+                  <a:extLst>
+                    <a:ext uri="{A12FA001-AC4F-418D-AE19-62706E023703}">
+                      <ahyp:hlinkClr xmlns:ahyp="http://schemas.microsoft.com/office/drawing/2018/hyperlinkcolor" val="tx"/>
+                    </a:ext>
+                  </a:extLst>
+                </a:hlinkClick>
+              </a:rPr>
+              <a:t>https://doi.org/10.1136/jech.55.4.227</a:t>
+            </a:r>
+            <a:r>
+              <a:rPr lang="en-US" sz="2600" b="0" i="0" dirty="0">
+                <a:effectLst/>
+                <a:latin typeface="Arial" panose="020B0604020202020204" pitchFamily="34" charset="0"/>
+                <a:cs typeface="Arial" panose="020B0604020202020204" pitchFamily="34" charset="0"/>
+              </a:rPr>
+              <a:t> </a:t>
+            </a:r>
           </a:p>
           <a:p>
             <a:pPr marL="742950" indent="-742950">
               <a:buFont typeface="+mj-lt"/>
               <a:buAutoNum type="arabicPeriod"/>
             </a:pPr>
-            <a:endParaRPr lang="en-US" sz="4200" dirty="0">
-              <a:latin typeface="Times New Roman"/>
-              <a:cs typeface="Times New Roman"/>
+            <a:r>
+              <a:rPr lang="en-US" sz="2600" b="0" i="0" dirty="0">
+                <a:effectLst/>
+                <a:latin typeface="Arial" panose="020B0604020202020204" pitchFamily="34" charset="0"/>
+                <a:cs typeface="Arial" panose="020B0604020202020204" pitchFamily="34" charset="0"/>
+              </a:rPr>
+              <a:t>Krause, N. M., &amp; Jay, G. M. (1994).  What Do Global Self-Rated Health Items Measure? </a:t>
+            </a:r>
+            <a:r>
+              <a:rPr lang="en-US" sz="2600" b="0" i="1" dirty="0">
+                <a:effectLst/>
+                <a:latin typeface="Arial" panose="020B0604020202020204" pitchFamily="34" charset="0"/>
+                <a:cs typeface="Arial" panose="020B0604020202020204" pitchFamily="34" charset="0"/>
+              </a:rPr>
+              <a:t>Medical Care</a:t>
+            </a:r>
+            <a:r>
+              <a:rPr lang="en-US" sz="2600" b="0" i="0" dirty="0">
+                <a:effectLst/>
+                <a:latin typeface="Arial" panose="020B0604020202020204" pitchFamily="34" charset="0"/>
+                <a:cs typeface="Arial" panose="020B0604020202020204" pitchFamily="34" charset="0"/>
+              </a:rPr>
+              <a:t>, 32 (9), 930-942.  </a:t>
+            </a:r>
+          </a:p>
+          <a:p>
+            <a:pPr marL="742950" indent="-742950">
+              <a:buFont typeface="+mj-lt"/>
+              <a:buAutoNum type="arabicPeriod"/>
+            </a:pPr>
+            <a:r>
+              <a:rPr lang="en-US" sz="2600" b="0" i="0" strike="noStrike" dirty="0">
+                <a:effectLst/>
+                <a:latin typeface="Arial" panose="020B0604020202020204" pitchFamily="34" charset="0"/>
+                <a:cs typeface="Arial" panose="020B0604020202020204" pitchFamily="34" charset="0"/>
+              </a:rPr>
+              <a:t>Minnesota Student Survey.   </a:t>
+            </a:r>
+            <a:r>
+              <a:rPr lang="en-US" sz="2600" b="0" i="0" dirty="0">
+                <a:effectLst/>
+                <a:latin typeface="Arial" panose="020B0604020202020204" pitchFamily="34" charset="0"/>
+                <a:cs typeface="Arial" panose="020B0604020202020204" pitchFamily="34" charset="0"/>
+                <a:hlinkClick r:id="rId5">
+                  <a:extLst>
+                    <a:ext uri="{A12FA001-AC4F-418D-AE19-62706E023703}">
+                      <ahyp:hlinkClr xmlns:ahyp="http://schemas.microsoft.com/office/drawing/2018/hyperlinkcolor" val="tx"/>
+                    </a:ext>
+                  </a:extLst>
+                </a:hlinkClick>
+              </a:rPr>
+              <a:t>https://education.mn.gov/MDE/dse/health/mss/mde059027</a:t>
+            </a:r>
+            <a:r>
+              <a:rPr lang="en-US" sz="2600" b="0" i="0" strike="noStrike" dirty="0">
+                <a:effectLst/>
+                <a:latin typeface="Arial" panose="020B0604020202020204" pitchFamily="34" charset="0"/>
+                <a:cs typeface="Arial" panose="020B0604020202020204" pitchFamily="34" charset="0"/>
+              </a:rPr>
+              <a:t>.</a:t>
+            </a:r>
+            <a:endParaRPr lang="en-US" sz="2600" dirty="0">
+              <a:latin typeface="Arial" panose="020B0604020202020204" pitchFamily="34" charset="0"/>
+              <a:cs typeface="Arial" panose="020B0604020202020204" pitchFamily="34" charset="0"/>
+            </a:endParaRPr>
+          </a:p>
+          <a:p>
+            <a:pPr marL="742950" indent="-742950">
+              <a:buFont typeface="+mj-lt"/>
+              <a:buAutoNum type="arabicPeriod"/>
+            </a:pPr>
+            <a:endParaRPr lang="en-US" sz="2600" b="0" i="0" dirty="0">
+              <a:solidFill>
+                <a:srgbClr val="000000"/>
+              </a:solidFill>
+              <a:effectLst/>
+              <a:latin typeface="Arial" panose="020B0604020202020204" pitchFamily="34" charset="0"/>
+              <a:cs typeface="Arial" panose="020B0604020202020204" pitchFamily="34" charset="0"/>
+            </a:endParaRPr>
+          </a:p>
+          <a:p>
+            <a:pPr marL="742950" indent="-742950">
+              <a:buFont typeface="+mj-lt"/>
+              <a:buAutoNum type="arabicPeriod"/>
+            </a:pPr>
+            <a:endParaRPr lang="en-US" sz="2600" dirty="0">
+              <a:latin typeface="Arial" panose="020B0604020202020204" pitchFamily="34" charset="0"/>
+              <a:cs typeface="Arial" panose="020B0604020202020204" pitchFamily="34" charset="0"/>
             </a:endParaRPr>
           </a:p>
         </p:txBody>
@@ -3352,7 +3460,7 @@
         </p:nvSpPr>
         <p:spPr>
           <a:xfrm>
-            <a:off x="29609145" y="19013572"/>
+            <a:off x="29609145" y="17832946"/>
             <a:ext cx="13585370" cy="1066800"/>
           </a:xfrm>
           <a:solidFill>
@@ -3390,8 +3498,8 @@
         </p:nvSpPr>
         <p:spPr>
           <a:xfrm>
-            <a:off x="29609145" y="20251357"/>
-            <a:ext cx="13585370" cy="6598549"/>
+            <a:off x="29609145" y="19027972"/>
+            <a:ext cx="13585370" cy="8342965"/>
           </a:xfrm>
         </p:spPr>
         <p:txBody>
@@ -3419,7 +3527,7 @@
                 <a:latin typeface="Arial"/>
                 <a:cs typeface="Times New Roman"/>
               </a:rPr>
-              <a:t>Reduced memory usage of the ETL pipeline</a:t>
+              <a:t>Feeling good about the future has a statistically significant impact on SPH. </a:t>
             </a:r>
           </a:p>
           <a:p>
@@ -3432,7 +3540,7 @@
                 <a:latin typeface="Arial"/>
                 <a:cs typeface="Times New Roman"/>
               </a:rPr>
-              <a:t>Expanded type and resolution of data in storage</a:t>
+              <a:t>Creating clusters that are ~80% accurate for extreme values of SPH.</a:t>
             </a:r>
           </a:p>
           <a:p>
@@ -3445,7 +3553,7 @@
                 <a:latin typeface="Arial"/>
                 <a:cs typeface="Times New Roman"/>
               </a:rPr>
-              <a:t>Created a foundation for future wearable data processing </a:t>
+              <a:t>Random forest, LDA, and Logistic regression models were able to classify at a 73% - 80% classification rate with only 20 predictor variables</a:t>
             </a:r>
           </a:p>
           <a:p>
@@ -3483,7 +3591,7 @@
                 <a:latin typeface="Arial"/>
                 <a:cs typeface="Times New Roman"/>
               </a:rPr>
-              <a:t>Consider using a larger training data set </a:t>
+              <a:t>Repeat analyses with a balanced data set </a:t>
             </a:r>
           </a:p>
           <a:p>
@@ -3513,7 +3621,7 @@
         </p:nvSpPr>
         <p:spPr>
           <a:xfrm>
-            <a:off x="29609145" y="25870086"/>
+            <a:off x="29693473" y="27003065"/>
             <a:ext cx="13585370" cy="1066800"/>
           </a:xfrm>
           <a:solidFill>
@@ -3551,7 +3659,7 @@
         </p:nvSpPr>
         <p:spPr>
           <a:xfrm>
-            <a:off x="15152917" y="5478222"/>
+            <a:off x="15152917" y="5353527"/>
             <a:ext cx="13585370" cy="26670000"/>
           </a:xfrm>
         </p:spPr>
@@ -3599,7 +3707,7 @@
             </a:endParaRPr>
           </a:p>
           <a:p>
-            <a:endParaRPr lang="en-US" sz="900" i="1" dirty="0">
+            <a:endParaRPr lang="en-US" sz="500" i="1" dirty="0">
               <a:latin typeface="Arial"/>
               <a:ea typeface="+mn-lt"/>
               <a:cs typeface="+mn-lt"/>
@@ -3751,67 +3859,74 @@
             </a:endParaRPr>
           </a:p>
           <a:p>
-            <a:endParaRPr lang="en-US" sz="3700" b="1" dirty="0">
+            <a:endParaRPr lang="en-US" sz="100" b="1" dirty="0">
               <a:latin typeface="Arial"/>
               <a:ea typeface="+mn-lt"/>
               <a:cs typeface="+mn-lt"/>
             </a:endParaRPr>
           </a:p>
           <a:p>
+            <a:r>
+              <a:rPr lang="en-US" sz="3700" b="1" dirty="0">
+                <a:latin typeface="Arial"/>
+                <a:ea typeface="+mn-lt"/>
+                <a:cs typeface="+mn-lt"/>
+              </a:rPr>
+              <a:t>2. Supervised Model Development </a:t>
+            </a:r>
             <a:endParaRPr lang="en-US" sz="3700" b="1" dirty="0">
+              <a:latin typeface="Arial"/>
+              <a:cs typeface="Times New Roman"/>
+            </a:endParaRPr>
+          </a:p>
+          <a:p>
+            <a:r>
+              <a:rPr lang="en-US" sz="3700" b="1" dirty="0">
+                <a:latin typeface="Arial"/>
+                <a:ea typeface="+mn-lt"/>
+                <a:cs typeface="+mn-lt"/>
+              </a:rPr>
+              <a:t>Random Forest</a:t>
+            </a:r>
+            <a:r>
+              <a:rPr lang="en-US" sz="3700" dirty="0">
+                <a:latin typeface="Arial"/>
+                <a:ea typeface="+mn-lt"/>
+                <a:cs typeface="+mn-lt"/>
+              </a:rPr>
+              <a:t>: </a:t>
+            </a:r>
+            <a:r>
+              <a:rPr lang="en-US" sz="3600" dirty="0">
+                <a:latin typeface="Arial"/>
+                <a:ea typeface="+mn-lt"/>
+                <a:cs typeface="+mn-lt"/>
+              </a:rPr>
+              <a:t>RF was run containing all predictors. After averaging the impurity metric, there were 20 predictors that decreased the model impurity the most (most important), with these 5 having the greatest contribution. A RF with 5 predictors: </a:t>
+            </a:r>
+            <a:r>
+              <a:rPr lang="en-US" sz="3700" dirty="0">
+                <a:latin typeface="Arial"/>
+                <a:cs typeface="Arial"/>
+              </a:rPr>
+              <a:t>72.8% accuracy rate,15.1% misclassification rate for SPH = good, and 47.2% misclassification for SPH = Poor. </a:t>
+            </a:r>
+          </a:p>
+          <a:p>
+            <a:endParaRPr lang="en-US" sz="3700" dirty="0">
               <a:latin typeface="Arial"/>
               <a:ea typeface="+mn-lt"/>
               <a:cs typeface="+mn-lt"/>
             </a:endParaRPr>
           </a:p>
           <a:p>
-            <a:endParaRPr lang="en-US" sz="3700" b="1" dirty="0">
+            <a:endParaRPr lang="en-US" sz="3700" dirty="0">
               <a:latin typeface="Arial"/>
               <a:ea typeface="+mn-lt"/>
               <a:cs typeface="+mn-lt"/>
             </a:endParaRPr>
           </a:p>
           <a:p>
-            <a:r>
-              <a:rPr lang="en-US" sz="3700" b="1" dirty="0">
-                <a:latin typeface="Arial"/>
-                <a:ea typeface="+mn-lt"/>
-                <a:cs typeface="+mn-lt"/>
-              </a:rPr>
-              <a:t>2. Supervised Model Development </a:t>
-            </a:r>
-            <a:endParaRPr lang="en-US" sz="3700" b="1" dirty="0">
-              <a:latin typeface="Arial"/>
-              <a:cs typeface="Times New Roman"/>
-            </a:endParaRPr>
-          </a:p>
-          <a:p>
-            <a:r>
-              <a:rPr lang="en-US" sz="3700" b="1" dirty="0">
-                <a:latin typeface="Arial"/>
-                <a:ea typeface="+mn-lt"/>
-                <a:cs typeface="+mn-lt"/>
-              </a:rPr>
-              <a:t>Logistic Regression</a:t>
-            </a:r>
-            <a:r>
-              <a:rPr lang="en-US" sz="3700" dirty="0">
-                <a:latin typeface="Arial"/>
-                <a:ea typeface="+mn-lt"/>
-                <a:cs typeface="+mn-lt"/>
-              </a:rPr>
-              <a:t>: </a:t>
-            </a:r>
-          </a:p>
-          <a:p>
-            <a:r>
-              <a:rPr lang="en-US" sz="3700" b="1" dirty="0">
-                <a:latin typeface="Arial"/>
-                <a:ea typeface="+mn-lt"/>
-                <a:cs typeface="+mn-lt"/>
-              </a:rPr>
-              <a:t>Prediction: </a:t>
-            </a:r>
             <a:endParaRPr lang="en-US" sz="3700" dirty="0">
               <a:latin typeface="Arial"/>
               <a:ea typeface="+mn-lt"/>
@@ -3832,34 +3947,6 @@
             </a:endParaRPr>
           </a:p>
           <a:p>
-            <a:r>
-              <a:rPr lang="en-US" sz="3700" b="1" dirty="0">
-                <a:latin typeface="Arial"/>
-                <a:ea typeface="+mn-lt"/>
-                <a:cs typeface="+mn-lt"/>
-              </a:rPr>
-              <a:t>LDA</a:t>
-            </a:r>
-            <a:r>
-              <a:rPr lang="en-US" sz="3700" dirty="0">
-                <a:latin typeface="Arial"/>
-                <a:ea typeface="+mn-lt"/>
-                <a:cs typeface="+mn-lt"/>
-              </a:rPr>
-              <a:t>: </a:t>
-            </a:r>
-          </a:p>
-          <a:p>
-            <a:r>
-              <a:rPr lang="en-US" sz="3700" b="1" dirty="0">
-                <a:latin typeface="Arial"/>
-                <a:ea typeface="+mn-lt"/>
-                <a:cs typeface="+mn-lt"/>
-              </a:rPr>
-              <a:t>Prediction: </a:t>
-            </a:r>
-          </a:p>
-          <a:p>
             <a:endParaRPr lang="en-US" sz="3700" dirty="0">
               <a:latin typeface="Arial"/>
               <a:ea typeface="+mn-lt"/>
@@ -3874,32 +3961,18 @@
             </a:endParaRPr>
           </a:p>
           <a:p>
-            <a:r>
-              <a:rPr lang="en-US" sz="3700" b="1" dirty="0">
-                <a:latin typeface="Arial"/>
-                <a:ea typeface="+mn-lt"/>
-                <a:cs typeface="+mn-lt"/>
-              </a:rPr>
-              <a:t>Random Forest</a:t>
-            </a:r>
-            <a:r>
-              <a:rPr lang="en-US" sz="3700" dirty="0">
-                <a:latin typeface="Arial"/>
-                <a:ea typeface="+mn-lt"/>
-                <a:cs typeface="+mn-lt"/>
-              </a:rPr>
-              <a:t>: </a:t>
-            </a:r>
-          </a:p>
-          <a:p>
-            <a:r>
-              <a:rPr lang="en-US" sz="3700" b="1" dirty="0">
-                <a:latin typeface="Arial"/>
-                <a:ea typeface="+mn-lt"/>
-                <a:cs typeface="+mn-lt"/>
-              </a:rPr>
-              <a:t>Prediction: </a:t>
-            </a:r>
+            <a:endParaRPr lang="en-US" sz="3700" dirty="0">
+              <a:latin typeface="Arial"/>
+              <a:ea typeface="+mn-lt"/>
+              <a:cs typeface="+mn-lt"/>
+            </a:endParaRPr>
+          </a:p>
+          <a:p>
+            <a:endParaRPr lang="en-US" sz="3700" dirty="0">
+              <a:latin typeface="Arial"/>
+              <a:ea typeface="+mn-lt"/>
+              <a:cs typeface="+mn-lt"/>
+            </a:endParaRPr>
           </a:p>
           <a:p>
             <a:endParaRPr lang="en-US" sz="3700" dirty="0">
@@ -4241,10 +4314,10 @@
       </p:sp>
       <p:sp>
         <p:nvSpPr>
-          <p:cNvPr id="6" name="Text Placeholder 20">
+          <p:cNvPr id="7" name="Text Placeholder 20">
             <a:extLst>
               <a:ext uri="{FF2B5EF4-FFF2-40B4-BE49-F238E27FC236}">
-                <a16:creationId xmlns:a16="http://schemas.microsoft.com/office/drawing/2014/main" id="{818D63E3-4384-4A20-BBF8-75A2C3E5132E}"/>
+                <a16:creationId xmlns:a16="http://schemas.microsoft.com/office/drawing/2014/main" id="{699B39CF-910E-4A91-B9D4-92EB42DAA45D}"/>
               </a:ext>
             </a:extLst>
           </p:cNvPr>
@@ -4255,8 +4328,8 @@
         </p:nvSpPr>
         <p:spPr>
           <a:xfrm>
-            <a:off x="29378367" y="4453054"/>
-            <a:ext cx="13585370" cy="8686800"/>
+            <a:off x="29645466" y="4267200"/>
+            <a:ext cx="13800003" cy="14758320"/>
           </a:xfrm>
           <a:prstGeom prst="rect">
             <a:avLst/>
@@ -4402,222 +4475,142 @@
             </a:lvl9pPr>
           </a:lstStyle>
           <a:p>
-            <a:endParaRPr lang="en-US" sz="4200">
-              <a:cs typeface="Times New Roman"/>
-            </a:endParaRPr>
-          </a:p>
-        </p:txBody>
-      </p:sp>
-      <p:pic>
-        <p:nvPicPr>
-          <p:cNvPr id="8" name="Graphic 8">
-            <a:extLst>
-              <a:ext uri="{FF2B5EF4-FFF2-40B4-BE49-F238E27FC236}">
-                <a16:creationId xmlns:a16="http://schemas.microsoft.com/office/drawing/2014/main" id="{21412202-8FD3-4BE4-8327-E7932B8463A5}"/>
-              </a:ext>
-            </a:extLst>
-          </p:cNvPr>
-          <p:cNvPicPr>
-            <a:picLocks noChangeAspect="1"/>
-          </p:cNvPicPr>
-          <p:nvPr/>
-        </p:nvPicPr>
-        <p:blipFill>
-          <a:blip r:embed="rId5">
-            <a:extLst>
-              <a:ext uri="{96DAC541-7B7A-43D3-8B79-37D633B846F1}">
-                <asvg:svgBlip xmlns:asvg="http://schemas.microsoft.com/office/drawing/2016/SVG/main" r:embed="rId6"/>
-              </a:ext>
-            </a:extLst>
-          </a:blip>
-          <a:stretch>
-            <a:fillRect/>
-          </a:stretch>
-        </p:blipFill>
-        <p:spPr>
-          <a:xfrm>
-            <a:off x="30958015" y="9206448"/>
-            <a:ext cx="10397397" cy="8296507"/>
-          </a:xfrm>
-          <a:prstGeom prst="rect">
-            <a:avLst/>
-          </a:prstGeom>
-        </p:spPr>
-      </p:pic>
-      <p:sp>
-        <p:nvSpPr>
-          <p:cNvPr id="7" name="Text Placeholder 20">
-            <a:extLst>
-              <a:ext uri="{FF2B5EF4-FFF2-40B4-BE49-F238E27FC236}">
-                <a16:creationId xmlns:a16="http://schemas.microsoft.com/office/drawing/2014/main" id="{699B39CF-910E-4A91-B9D4-92EB42DAA45D}"/>
-              </a:ext>
-            </a:extLst>
-          </p:cNvPr>
-          <p:cNvSpPr txBox="1">
-            <a:spLocks/>
-          </p:cNvSpPr>
-          <p:nvPr/>
-        </p:nvSpPr>
-        <p:spPr>
-          <a:xfrm>
-            <a:off x="29619233" y="4185427"/>
-            <a:ext cx="13585370" cy="8820611"/>
-          </a:xfrm>
-          <a:prstGeom prst="rect">
-            <a:avLst/>
-          </a:prstGeom>
-        </p:spPr>
-        <p:txBody>
-          <a:bodyPr vert="horz" lIns="78373" tIns="39187" rIns="78373" bIns="39187" anchor="t"/>
-          <a:lstStyle>
-            <a:lvl1pPr marL="0" indent="0" algn="l" defTabSz="3493094" rtl="0" eaLnBrk="1" latinLnBrk="0" hangingPunct="1">
-              <a:spcBef>
-                <a:spcPct val="20000"/>
-              </a:spcBef>
-              <a:buFont typeface="Arial" pitchFamily="34" charset="0"/>
-              <a:buNone/>
-              <a:defRPr sz="2800" kern="1200" baseline="0">
-                <a:solidFill>
-                  <a:schemeClr val="tx1"/>
-                </a:solidFill>
-                <a:latin typeface="+mn-lt"/>
-                <a:ea typeface="+mn-ea"/>
-                <a:cs typeface="+mn-cs"/>
-              </a:defRPr>
-            </a:lvl1pPr>
-            <a:lvl2pPr marL="397308" indent="0" algn="l" defTabSz="3493094" rtl="0" eaLnBrk="1" latinLnBrk="0" hangingPunct="1">
-              <a:spcBef>
-                <a:spcPct val="20000"/>
-              </a:spcBef>
-              <a:buFont typeface="Arial" pitchFamily="34" charset="0"/>
-              <a:buNone/>
-              <a:defRPr sz="2800" kern="1200" baseline="0">
-                <a:solidFill>
-                  <a:schemeClr val="tx1"/>
-                </a:solidFill>
-                <a:latin typeface="+mn-lt"/>
-                <a:ea typeface="+mn-ea"/>
-                <a:cs typeface="+mn-cs"/>
-              </a:defRPr>
-            </a:lvl2pPr>
-            <a:lvl3pPr marL="772848" indent="0" algn="l" defTabSz="3493094" rtl="0" eaLnBrk="1" latinLnBrk="0" hangingPunct="1">
-              <a:spcBef>
-                <a:spcPct val="20000"/>
-              </a:spcBef>
-              <a:buFont typeface="Arial" pitchFamily="34" charset="0"/>
-              <a:buNone/>
-              <a:defRPr sz="2800" kern="1200" baseline="0">
-                <a:solidFill>
-                  <a:schemeClr val="tx1"/>
-                </a:solidFill>
-                <a:latin typeface="+mn-lt"/>
-                <a:ea typeface="+mn-ea"/>
-                <a:cs typeface="+mn-cs"/>
-              </a:defRPr>
-            </a:lvl3pPr>
-            <a:lvl4pPr marL="6112916" indent="-873274" algn="l" defTabSz="3493094" rtl="0" eaLnBrk="1" latinLnBrk="0" hangingPunct="1">
-              <a:spcBef>
-                <a:spcPct val="20000"/>
-              </a:spcBef>
-              <a:buFont typeface="Arial" pitchFamily="34" charset="0"/>
-              <a:buChar char="–"/>
-              <a:defRPr sz="2800" kern="1200">
-                <a:solidFill>
-                  <a:schemeClr val="tx1"/>
-                </a:solidFill>
-                <a:latin typeface="+mn-lt"/>
-                <a:ea typeface="+mn-ea"/>
-                <a:cs typeface="+mn-cs"/>
-              </a:defRPr>
-            </a:lvl4pPr>
-            <a:lvl5pPr marL="7859464" indent="-873274" algn="l" defTabSz="3493094" rtl="0" eaLnBrk="1" latinLnBrk="0" hangingPunct="1">
-              <a:spcBef>
-                <a:spcPct val="20000"/>
-              </a:spcBef>
-              <a:buFont typeface="Arial" pitchFamily="34" charset="0"/>
-              <a:buChar char="»"/>
-              <a:defRPr sz="2800" kern="1200">
-                <a:solidFill>
-                  <a:schemeClr val="tx1"/>
-                </a:solidFill>
-                <a:latin typeface="+mn-lt"/>
-                <a:ea typeface="+mn-ea"/>
-                <a:cs typeface="+mn-cs"/>
-              </a:defRPr>
-            </a:lvl5pPr>
-            <a:lvl6pPr marL="9606010" indent="-873274" algn="l" defTabSz="3493094" rtl="0" eaLnBrk="1" latinLnBrk="0" hangingPunct="1">
-              <a:spcBef>
-                <a:spcPct val="20000"/>
-              </a:spcBef>
-              <a:buFont typeface="Arial" pitchFamily="34" charset="0"/>
-              <a:buChar char="•"/>
-              <a:defRPr sz="7800" kern="1200">
-                <a:solidFill>
-                  <a:schemeClr val="tx1"/>
-                </a:solidFill>
-                <a:latin typeface="+mn-lt"/>
-                <a:ea typeface="+mn-ea"/>
-                <a:cs typeface="+mn-cs"/>
-              </a:defRPr>
-            </a:lvl6pPr>
-            <a:lvl7pPr marL="11352556" indent="-873274" algn="l" defTabSz="3493094" rtl="0" eaLnBrk="1" latinLnBrk="0" hangingPunct="1">
-              <a:spcBef>
-                <a:spcPct val="20000"/>
-              </a:spcBef>
-              <a:buFont typeface="Arial" pitchFamily="34" charset="0"/>
-              <a:buChar char="•"/>
-              <a:defRPr sz="7800" kern="1200">
-                <a:solidFill>
-                  <a:schemeClr val="tx1"/>
-                </a:solidFill>
-                <a:latin typeface="+mn-lt"/>
-                <a:ea typeface="+mn-ea"/>
-                <a:cs typeface="+mn-cs"/>
-              </a:defRPr>
-            </a:lvl7pPr>
-            <a:lvl8pPr marL="13099106" indent="-873274" algn="l" defTabSz="3493094" rtl="0" eaLnBrk="1" latinLnBrk="0" hangingPunct="1">
-              <a:spcBef>
-                <a:spcPct val="20000"/>
-              </a:spcBef>
-              <a:buFont typeface="Arial" pitchFamily="34" charset="0"/>
-              <a:buChar char="•"/>
-              <a:defRPr sz="7800" kern="1200">
-                <a:solidFill>
-                  <a:schemeClr val="tx1"/>
-                </a:solidFill>
-                <a:latin typeface="+mn-lt"/>
-                <a:ea typeface="+mn-ea"/>
-                <a:cs typeface="+mn-cs"/>
-              </a:defRPr>
-            </a:lvl8pPr>
-            <a:lvl9pPr marL="14845652" indent="-873274" algn="l" defTabSz="3493094" rtl="0" eaLnBrk="1" latinLnBrk="0" hangingPunct="1">
-              <a:spcBef>
-                <a:spcPct val="20000"/>
-              </a:spcBef>
-              <a:buFont typeface="Arial" pitchFamily="34" charset="0"/>
-              <a:buChar char="•"/>
-              <a:defRPr sz="7800" kern="1200">
-                <a:solidFill>
-                  <a:schemeClr val="tx1"/>
-                </a:solidFill>
-                <a:latin typeface="+mn-lt"/>
-                <a:ea typeface="+mn-ea"/>
-                <a:cs typeface="+mn-cs"/>
-              </a:defRPr>
-            </a:lvl9pPr>
-          </a:lstStyle>
+            <a:r>
+              <a:rPr lang="en-US" sz="3600" u="sng" dirty="0">
+                <a:latin typeface="Arial"/>
+                <a:cs typeface="Arial"/>
+              </a:rPr>
+              <a:t>Top 5 Predictors: </a:t>
+            </a:r>
+          </a:p>
+          <a:p>
+            <a:r>
+              <a:rPr lang="en-US" sz="3400" dirty="0">
+                <a:latin typeface="Arial"/>
+                <a:cs typeface="Arial"/>
+              </a:rPr>
+              <a:t>P49f: I feel confident about the future.	</a:t>
+            </a:r>
+          </a:p>
+          <a:p>
+            <a:r>
+              <a:rPr lang="en-US" sz="3400" dirty="0">
+                <a:latin typeface="Arial"/>
+                <a:cs typeface="Arial"/>
+              </a:rPr>
+              <a:t>P49l: I feel valued and appreciated by others.</a:t>
+            </a:r>
+          </a:p>
+          <a:p>
+            <a:r>
+              <a:rPr lang="en-US" sz="3400" dirty="0">
+                <a:latin typeface="Arial"/>
+                <a:cs typeface="Arial"/>
+              </a:rPr>
+              <a:t>P26a: Community or school offers sports teams </a:t>
+            </a:r>
+          </a:p>
+          <a:p>
+            <a:r>
+              <a:rPr lang="en-US" sz="3400" dirty="0">
+                <a:latin typeface="Arial"/>
+                <a:cs typeface="Arial"/>
+              </a:rPr>
+              <a:t>P45: Hours of Sleep</a:t>
+            </a:r>
+          </a:p>
+          <a:p>
+            <a:r>
+              <a:rPr lang="en-US" sz="3400" dirty="0">
+                <a:latin typeface="Arial"/>
+                <a:cs typeface="Arial"/>
+              </a:rPr>
+              <a:t>P37: Total minutes of physically activity</a:t>
+            </a:r>
+          </a:p>
+          <a:p>
+            <a:endParaRPr lang="en-US" sz="1000" b="1" dirty="0">
+              <a:latin typeface="Arial"/>
+              <a:cs typeface="Arial"/>
+            </a:endParaRPr>
+          </a:p>
           <a:p>
             <a:r>
               <a:rPr lang="en-US" sz="3700" b="1" dirty="0">
                 <a:latin typeface="Arial"/>
                 <a:cs typeface="Arial"/>
               </a:rPr>
-              <a:t>3. Predictions</a:t>
-            </a:r>
+              <a:t>Logistic Regression:</a:t>
+            </a:r>
+            <a:r>
+              <a:rPr lang="en-US" sz="3700" b="1" dirty="0">
+                <a:latin typeface="Arial"/>
+                <a:ea typeface="+mn-lt"/>
+                <a:cs typeface="+mn-lt"/>
+              </a:rPr>
+              <a:t> </a:t>
+            </a:r>
+            <a:r>
+              <a:rPr lang="en-US" sz="3600" dirty="0">
+                <a:latin typeface="Arial"/>
+                <a:ea typeface="+mn-lt"/>
+                <a:cs typeface="+mn-lt"/>
+              </a:rPr>
+              <a:t>LR were built using all 126 predictors, 20 of the most important predictors, 5 of the most important predictor variables, and 1 important predictor that were identified in the Random Forest. </a:t>
+            </a:r>
+          </a:p>
+          <a:p>
             <a:endParaRPr lang="en-US" sz="3700" dirty="0">
               <a:latin typeface="Arial"/>
-              <a:ea typeface="+mn-lt"/>
-              <a:cs typeface="+mn-lt"/>
+              <a:cs typeface="Arial"/>
+            </a:endParaRPr>
+          </a:p>
+          <a:p>
+            <a:endParaRPr lang="en-US" sz="3700" dirty="0">
+              <a:latin typeface="Arial"/>
+              <a:cs typeface="Arial"/>
+            </a:endParaRPr>
+          </a:p>
+          <a:p>
+            <a:endParaRPr lang="en-US" sz="3700" dirty="0">
+              <a:latin typeface="Arial"/>
+              <a:cs typeface="Arial"/>
+            </a:endParaRPr>
+          </a:p>
+          <a:p>
+            <a:endParaRPr lang="en-US" sz="3700" dirty="0">
+              <a:latin typeface="Arial"/>
+              <a:cs typeface="Arial"/>
+            </a:endParaRPr>
+          </a:p>
+          <a:p>
+            <a:endParaRPr lang="en-US" sz="3700" dirty="0">
+              <a:latin typeface="Arial"/>
+              <a:cs typeface="Arial"/>
+            </a:endParaRPr>
+          </a:p>
+          <a:p>
+            <a:endParaRPr lang="en-US" sz="3700" dirty="0">
+              <a:latin typeface="Arial"/>
+              <a:cs typeface="Arial"/>
+            </a:endParaRPr>
+          </a:p>
+          <a:p>
+            <a:endParaRPr lang="en-US" sz="700" b="1" dirty="0">
+              <a:latin typeface="Arial"/>
+              <a:cs typeface="Arial"/>
+            </a:endParaRPr>
+          </a:p>
+          <a:p>
+            <a:endParaRPr lang="en-US" sz="1000" b="1" dirty="0">
+              <a:latin typeface="Arial"/>
+              <a:cs typeface="Arial"/>
+            </a:endParaRPr>
+          </a:p>
+          <a:p>
+            <a:endParaRPr lang="en-US" sz="1000" b="1" dirty="0">
+              <a:latin typeface="Arial"/>
+              <a:cs typeface="Arial"/>
             </a:endParaRPr>
           </a:p>
           <a:p>
@@ -4626,56 +4619,20 @@
                 <a:latin typeface="Arial"/>
                 <a:cs typeface="Arial"/>
               </a:rPr>
-              <a:t>Problem</a:t>
+              <a:t>LDA: </a:t>
             </a:r>
             <a:r>
               <a:rPr lang="en-US" sz="3700" dirty="0">
                 <a:latin typeface="Arial"/>
                 <a:cs typeface="Arial"/>
               </a:rPr>
-              <a:t>: </a:t>
-            </a:r>
-            <a:r>
-              <a:rPr lang="en-US" sz="3700" dirty="0" err="1">
-                <a:latin typeface="Arial"/>
-                <a:cs typeface="Arial"/>
-              </a:rPr>
-              <a:t>CovIdentify's</a:t>
-            </a:r>
-            <a:r>
-              <a:rPr lang="en-US" sz="3700" dirty="0">
-                <a:latin typeface="Arial"/>
-                <a:cs typeface="Arial"/>
-              </a:rPr>
-              <a:t> smartwatch data currently unassessed in terms of users’ daily and inter-day adherence to recording data and is thus incomparable to other studies. </a:t>
-            </a:r>
-          </a:p>
-          <a:p>
-            <a:r>
-              <a:rPr lang="en-US" sz="3700" b="1" dirty="0">
-                <a:latin typeface="Arial"/>
-                <a:cs typeface="Arial"/>
-              </a:rPr>
-              <a:t>Solution</a:t>
-            </a:r>
-            <a:r>
-              <a:rPr lang="en-US" sz="3700" dirty="0">
-                <a:latin typeface="Arial"/>
-                <a:cs typeface="Arial"/>
-              </a:rPr>
-              <a:t>: Created SQL scripts to subset data by users’ adherence to devices. Can now set and monitor thresholds for minimum recording adherence for daily and inter-day timespans. </a:t>
-            </a:r>
-            <a:r>
-              <a:rPr lang="en-US" sz="3700" dirty="0">
-                <a:latin typeface="Arial"/>
-                <a:ea typeface="Times New Roman"/>
-                <a:cs typeface="Times New Roman"/>
-              </a:rPr>
-              <a:t>​</a:t>
-            </a:r>
+              <a:t>LDA identified 40 predictors that would best classify students into good or fair SPH. Utilizing the algorithms most accurate cutoff LDA produced a ROC curve of 72.2% and an accuracy rate of 75.6%. </a:t>
+            </a:r>
+          </a:p>
+          <a:p>
             <a:endParaRPr lang="en-US" sz="3700" dirty="0">
               <a:latin typeface="Arial"/>
-              <a:cs typeface="Times New Roman"/>
+              <a:cs typeface="Arial"/>
             </a:endParaRPr>
           </a:p>
         </p:txBody>
@@ -4694,8 +4651,8 @@
         </p:nvSpPr>
         <p:spPr>
           <a:xfrm>
-            <a:off x="29619869" y="17461692"/>
-            <a:ext cx="13127216" cy="1384995"/>
+            <a:off x="30067299" y="14425598"/>
+            <a:ext cx="13127216" cy="523220"/>
           </a:xfrm>
           <a:prstGeom prst="rect">
             <a:avLst/>
@@ -4717,7 +4674,7 @@
                 <a:ea typeface="+mn-lt"/>
                 <a:cs typeface="+mn-lt"/>
               </a:rPr>
-              <a:t>For four thresholds (2, 4, 6, and 8 hours), the number of days with data collected for longer than threshold is calculated for five selected participants.  </a:t>
+              <a:t>Table 1. Breakdown of LR model results. </a:t>
             </a:r>
             <a:endParaRPr lang="en-US" sz="2800" dirty="0">
               <a:latin typeface="Arial"/>
@@ -4740,7 +4697,7 @@
           <p:nvPr/>
         </p:nvPicPr>
         <p:blipFill>
-          <a:blip r:embed="rId7">
+          <a:blip r:embed="rId6">
             <a:extLst>
               <a:ext uri="{28A0092B-C50C-407E-A947-70E740481C1C}">
                 <a14:useLocalDpi xmlns:a14="http://schemas.microsoft.com/office/drawing/2010/main" val="0"/>
@@ -4994,7 +4951,7 @@
         </p:nvSpPr>
         <p:spPr>
           <a:xfrm>
-            <a:off x="710175" y="15694978"/>
+            <a:off x="696687" y="15639557"/>
             <a:ext cx="13585370" cy="5198754"/>
           </a:xfrm>
           <a:prstGeom prst="rect">
@@ -5153,7 +5110,28 @@
                 <a:latin typeface="Arial" panose="020B0604020202020204" pitchFamily="34" charset="0"/>
                 <a:cs typeface="Arial" panose="020B0604020202020204" pitchFamily="34" charset="0"/>
               </a:rPr>
-              <a:t>The Minnesota Student Survey is one of the longest-running youth surveys in the U.S. and it is administered every three years to middle and high school students (81% participation rate).</a:t>
+              <a:t>The Minnesota Student Survey is one of the longest-running youth surveys in the U.S. and it is administered every three years to middle and high school students (81% participation rate) [</a:t>
+            </a:r>
+            <a:r>
+              <a:rPr lang="en-US" sz="3600" dirty="0">
+                <a:solidFill>
+                  <a:srgbClr val="000000"/>
+                </a:solidFill>
+                <a:latin typeface="Arial" panose="020B0604020202020204" pitchFamily="34" charset="0"/>
+                <a:cs typeface="Arial" panose="020B0604020202020204" pitchFamily="34" charset="0"/>
+              </a:rPr>
+              <a:t>4</a:t>
+            </a:r>
+            <a:r>
+              <a:rPr lang="en-US" sz="3600" b="0" i="0" dirty="0">
+                <a:solidFill>
+                  <a:srgbClr val="000000"/>
+                </a:solidFill>
+                <a:effectLst/>
+                <a:latin typeface="Arial" panose="020B0604020202020204" pitchFamily="34" charset="0"/>
+                <a:cs typeface="Arial" panose="020B0604020202020204" pitchFamily="34" charset="0"/>
+              </a:rPr>
+              <a:t>].</a:t>
             </a:r>
             <a:r>
               <a:rPr lang="en-US" sz="3600" dirty="0">
@@ -5249,8 +5227,8 @@
         </p:nvSpPr>
         <p:spPr>
           <a:xfrm>
-            <a:off x="15611071" y="21172572"/>
-            <a:ext cx="13127216" cy="1815882"/>
+            <a:off x="15126684" y="20353637"/>
+            <a:ext cx="13556308" cy="1384995"/>
           </a:xfrm>
           <a:prstGeom prst="rect">
             <a:avLst/>
@@ -5275,7 +5253,7 @@
                 <a:latin typeface="Arial" panose="020B0604020202020204" pitchFamily="34" charset="0"/>
                 <a:cs typeface="Arial" panose="020B0604020202020204" pitchFamily="34" charset="0"/>
               </a:rPr>
-              <a:t>Figure 2: Psychological health clustering results by self-perceived health dichotomized (left) and on the five-point scale (right). The plot on the right shows the clustering groups are more accurate for more extreme values of self-perceived health.</a:t>
+              <a:t>Figure 1: Psychological health clustering results by SPH dichotomized (left) and on the five-point scale (right). The plot on the right shows the clustering groups are more accurate for more extreme values of self-perceived health.</a:t>
             </a:r>
             <a:endParaRPr lang="en-US" sz="2800" b="1" dirty="0">
               <a:latin typeface="Arial" panose="020B0604020202020204" pitchFamily="34" charset="0"/>
@@ -5286,15 +5264,50 @@
       </p:sp>
       <p:pic>
         <p:nvPicPr>
-          <p:cNvPr id="1028" name="Picture 4">
+          <p:cNvPr id="38" name="Picture 37" descr="Chart, bar chart&#10;&#10;Description automatically generated">
             <a:extLst>
               <a:ext uri="{FF2B5EF4-FFF2-40B4-BE49-F238E27FC236}">
-                <a16:creationId xmlns:a16="http://schemas.microsoft.com/office/drawing/2014/main" id="{DDD09E62-BF29-1C0E-913E-74AB701A2C9D}"/>
+                <a16:creationId xmlns:a16="http://schemas.microsoft.com/office/drawing/2014/main" id="{551AD4B7-C981-B406-4792-EEE33F0F205F}"/>
               </a:ext>
             </a:extLst>
           </p:cNvPr>
           <p:cNvPicPr>
-            <a:picLocks noChangeAspect="1" noChangeArrowheads="1"/>
+            <a:picLocks noChangeAspect="1"/>
+          </p:cNvPicPr>
+          <p:nvPr/>
+        </p:nvPicPr>
+        <p:blipFill rotWithShape="1">
+          <a:blip r:embed="rId7">
+            <a:extLst>
+              <a:ext uri="{28A0092B-C50C-407E-A947-70E740481C1C}">
+                <a14:useLocalDpi xmlns:a14="http://schemas.microsoft.com/office/drawing/2010/main" val="0"/>
+              </a:ext>
+            </a:extLst>
+          </a:blip>
+          <a:srcRect t="4977" r="29816"/>
+          <a:stretch/>
+        </p:blipFill>
+        <p:spPr>
+          <a:xfrm>
+            <a:off x="14912051" y="12198976"/>
+            <a:ext cx="6030262" cy="8164322"/>
+          </a:xfrm>
+          <a:prstGeom prst="rect">
+            <a:avLst/>
+          </a:prstGeom>
+        </p:spPr>
+      </p:pic>
+      <p:pic>
+        <p:nvPicPr>
+          <p:cNvPr id="40" name="Picture 39" descr="Chart, treemap chart&#10;&#10;Description automatically generated">
+            <a:extLst>
+              <a:ext uri="{FF2B5EF4-FFF2-40B4-BE49-F238E27FC236}">
+                <a16:creationId xmlns:a16="http://schemas.microsoft.com/office/drawing/2014/main" id="{CA8FB25E-2BD4-9315-0FB1-0A25F05DC1AF}"/>
+              </a:ext>
+            </a:extLst>
+          </p:cNvPr>
+          <p:cNvPicPr>
+            <a:picLocks noChangeAspect="1"/>
           </p:cNvPicPr>
           <p:nvPr/>
         </p:nvPicPr>
@@ -5306,80 +5319,120 @@
               </a:ext>
             </a:extLst>
           </a:blip>
-          <a:srcRect l="1623" t="3067" r="58397" b="2875"/>
+          <a:srcRect t="4977"/>
           <a:stretch/>
         </p:blipFill>
-        <p:spPr bwMode="auto">
+        <p:spPr>
           <a:xfrm>
-            <a:off x="15965473" y="12800118"/>
-            <a:ext cx="5406675" cy="7839053"/>
+            <a:off x="21027246" y="12198976"/>
+            <a:ext cx="8591987" cy="8164322"/>
+          </a:xfrm>
+          <a:prstGeom prst="rect">
+            <a:avLst/>
+          </a:prstGeom>
+        </p:spPr>
+      </p:pic>
+      <p:sp>
+        <p:nvSpPr>
+          <p:cNvPr id="42" name="TextBox 41">
+            <a:extLst>
+              <a:ext uri="{FF2B5EF4-FFF2-40B4-BE49-F238E27FC236}">
+                <a16:creationId xmlns:a16="http://schemas.microsoft.com/office/drawing/2014/main" id="{CDA231EF-B3FB-6773-F4E4-7C3603ECC3B9}"/>
+              </a:ext>
+            </a:extLst>
+          </p:cNvPr>
+          <p:cNvSpPr txBox="1"/>
+          <p:nvPr/>
+        </p:nvSpPr>
+        <p:spPr>
+          <a:xfrm>
+            <a:off x="15618328" y="11804543"/>
+            <a:ext cx="11635872" cy="523220"/>
           </a:xfrm>
           <a:prstGeom prst="rect">
             <a:avLst/>
           </a:prstGeom>
           <a:noFill/>
-          <a:extLst>
-            <a:ext uri="{909E8E84-426E-40DD-AFC4-6F175D3DCCD1}">
-              <a14:hiddenFill xmlns:a14="http://schemas.microsoft.com/office/drawing/2010/main">
+        </p:spPr>
+        <p:txBody>
+          <a:bodyPr wrap="square">
+            <a:spAutoFit/>
+          </a:bodyPr>
+          <a:lstStyle/>
+          <a:p>
+            <a:r>
+              <a:rPr lang="en-US" sz="2700" i="0" dirty="0">
                 <a:solidFill>
-                  <a:srgbClr val="FFFFFF"/>
+                  <a:srgbClr val="000000"/>
                 </a:solidFill>
-              </a14:hiddenFill>
-            </a:ext>
-          </a:extLst>
-        </p:spPr>
-      </p:pic>
-      <p:pic>
-        <p:nvPicPr>
-          <p:cNvPr id="10" name="Picture 4">
+                <a:effectLst/>
+                <a:latin typeface="Arial" panose="020B0604020202020204" pitchFamily="34" charset="0"/>
+                <a:cs typeface="Arial" panose="020B0604020202020204" pitchFamily="34" charset="0"/>
+              </a:rPr>
+              <a:t>Prop. Psychological Health Cluster in Self-Perceived Health Groups</a:t>
+            </a:r>
+            <a:endParaRPr lang="en-US" sz="2700" dirty="0"/>
+          </a:p>
+        </p:txBody>
+      </p:sp>
+      <p:sp>
+        <p:nvSpPr>
+          <p:cNvPr id="16" name="Rectangle 15">
             <a:extLst>
               <a:ext uri="{FF2B5EF4-FFF2-40B4-BE49-F238E27FC236}">
-                <a16:creationId xmlns:a16="http://schemas.microsoft.com/office/drawing/2014/main" id="{24BC0295-3042-8CC1-9621-E8502217371E}"/>
+                <a16:creationId xmlns:a16="http://schemas.microsoft.com/office/drawing/2014/main" id="{C20ABE28-A593-6390-AD78-29AC1573E79E}"/>
               </a:ext>
             </a:extLst>
           </p:cNvPr>
-          <p:cNvPicPr>
-            <a:picLocks noChangeAspect="1" noChangeArrowheads="1"/>
-          </p:cNvPicPr>
+          <p:cNvSpPr/>
           <p:nvPr/>
-        </p:nvPicPr>
-        <p:blipFill rotWithShape="1">
-          <a:blip r:embed="rId8">
-            <a:extLst>
-              <a:ext uri="{28A0092B-C50C-407E-A947-70E740481C1C}">
-                <a14:useLocalDpi xmlns:a14="http://schemas.microsoft.com/office/drawing/2010/main" val="0"/>
-              </a:ext>
-            </a:extLst>
-          </a:blip>
-          <a:srcRect l="51715" t="3067" r="9000" b="2541"/>
-          <a:stretch/>
-        </p:blipFill>
-        <p:spPr bwMode="auto">
+        </p:nvSpPr>
+        <p:spPr>
           <a:xfrm>
-            <a:off x="22157929" y="12772238"/>
-            <a:ext cx="5312781" cy="7866934"/>
+            <a:off x="39670892" y="32148222"/>
+            <a:ext cx="4220308" cy="770178"/>
           </a:xfrm>
           <a:prstGeom prst="rect">
             <a:avLst/>
           </a:prstGeom>
-          <a:noFill/>
-          <a:extLst>
-            <a:ext uri="{909E8E84-426E-40DD-AFC4-6F175D3DCCD1}">
-              <a14:hiddenFill xmlns:a14="http://schemas.microsoft.com/office/drawing/2010/main">
-                <a:solidFill>
-                  <a:srgbClr val="FFFFFF"/>
-                </a:solidFill>
-              </a14:hiddenFill>
-            </a:ext>
-          </a:extLst>
+          <a:solidFill>
+            <a:schemeClr val="bg1"/>
+          </a:solidFill>
+          <a:ln>
+            <a:noFill/>
+          </a:ln>
         </p:spPr>
-      </p:pic>
+        <p:style>
+          <a:lnRef idx="2">
+            <a:schemeClr val="accent1">
+              <a:shade val="50000"/>
+            </a:schemeClr>
+          </a:lnRef>
+          <a:fillRef idx="1">
+            <a:schemeClr val="accent1"/>
+          </a:fillRef>
+          <a:effectRef idx="0">
+            <a:schemeClr val="accent1"/>
+          </a:effectRef>
+          <a:fontRef idx="minor">
+            <a:schemeClr val="lt1"/>
+          </a:fontRef>
+        </p:style>
+        <p:txBody>
+          <a:bodyPr rtlCol="0" anchor="ctr"/>
+          <a:lstStyle/>
+          <a:p>
+            <a:pPr algn="ctr"/>
+            <a:endParaRPr lang="en-US"/>
+          </a:p>
+        </p:txBody>
+      </p:sp>
       <p:pic>
         <p:nvPicPr>
-          <p:cNvPr id="17" name="Picture 16">
+          <p:cNvPr id="37" name="Picture 36" descr="Diagram&#10;&#10;Description automatically generated">
             <a:extLst>
               <a:ext uri="{FF2B5EF4-FFF2-40B4-BE49-F238E27FC236}">
-                <a16:creationId xmlns:a16="http://schemas.microsoft.com/office/drawing/2014/main" id="{624A0C77-45C4-BB8A-39A5-772B609A3164}"/>
+                <a16:creationId xmlns:a16="http://schemas.microsoft.com/office/drawing/2014/main" id="{E33D7BE0-48FC-B7DA-388C-166C18ED38D4}"/>
               </a:ext>
             </a:extLst>
           </p:cNvPr>
@@ -5396,19 +5449,714 @@
               </a:ext>
             </a:extLst>
           </a:blip>
-          <a:srcRect l="1495" t="3884" r="38797" b="9027"/>
+          <a:srcRect l="1639" t="3957" r="38516" b="9540"/>
           <a:stretch/>
         </p:blipFill>
         <p:spPr>
           <a:xfrm>
-            <a:off x="3051352" y="22453006"/>
-            <a:ext cx="9144000" cy="10003043"/>
+            <a:off x="2632404" y="22247318"/>
+            <a:ext cx="9524697" cy="10317039"/>
           </a:xfrm>
           <a:prstGeom prst="rect">
             <a:avLst/>
           </a:prstGeom>
         </p:spPr>
       </p:pic>
+      <p:graphicFrame>
+        <p:nvGraphicFramePr>
+          <p:cNvPr id="39" name="Table 32">
+            <a:extLst>
+              <a:ext uri="{FF2B5EF4-FFF2-40B4-BE49-F238E27FC236}">
+                <a16:creationId xmlns:a16="http://schemas.microsoft.com/office/drawing/2014/main" id="{1FF9E2B0-D3A0-A0A0-B7D0-DD13245C004F}"/>
+              </a:ext>
+            </a:extLst>
+          </p:cNvPr>
+          <p:cNvGraphicFramePr>
+            <a:graphicFrameLocks noGrp="1"/>
+          </p:cNvGraphicFramePr>
+          <p:nvPr>
+            <p:extLst>
+              <p:ext uri="{D42A27DB-BD31-4B8C-83A1-F6EECF244321}">
+                <p14:modId xmlns:p14="http://schemas.microsoft.com/office/powerpoint/2010/main" val="1820331786"/>
+              </p:ext>
+            </p:extLst>
+          </p:nvPr>
+        </p:nvGraphicFramePr>
+        <p:xfrm>
+          <a:off x="30130085" y="10743706"/>
+          <a:ext cx="12081933" cy="3638702"/>
+        </p:xfrm>
+        <a:graphic>
+          <a:graphicData uri="http://schemas.openxmlformats.org/drawingml/2006/table">
+            <a:tbl>
+              <a:tblPr firstRow="1" bandRow="1">
+                <a:tableStyleId>{5C22544A-7EE6-4342-B048-85BDC9FD1C3A}</a:tableStyleId>
+              </a:tblPr>
+              <a:tblGrid>
+                <a:gridCol w="3277822">
+                  <a:extLst>
+                    <a:ext uri="{9D8B030D-6E8A-4147-A177-3AD203B41FA5}">
+                      <a16:colId xmlns:a16="http://schemas.microsoft.com/office/drawing/2014/main" val="35782900"/>
+                    </a:ext>
+                  </a:extLst>
+                </a:gridCol>
+                <a:gridCol w="2921468">
+                  <a:extLst>
+                    <a:ext uri="{9D8B030D-6E8A-4147-A177-3AD203B41FA5}">
+                      <a16:colId xmlns:a16="http://schemas.microsoft.com/office/drawing/2014/main" val="2326338913"/>
+                    </a:ext>
+                  </a:extLst>
+                </a:gridCol>
+                <a:gridCol w="3178273">
+                  <a:extLst>
+                    <a:ext uri="{9D8B030D-6E8A-4147-A177-3AD203B41FA5}">
+                      <a16:colId xmlns:a16="http://schemas.microsoft.com/office/drawing/2014/main" val="1673451824"/>
+                    </a:ext>
+                  </a:extLst>
+                </a:gridCol>
+                <a:gridCol w="2704370">
+                  <a:extLst>
+                    <a:ext uri="{9D8B030D-6E8A-4147-A177-3AD203B41FA5}">
+                      <a16:colId xmlns:a16="http://schemas.microsoft.com/office/drawing/2014/main" val="861938138"/>
+                    </a:ext>
+                  </a:extLst>
+                </a:gridCol>
+              </a:tblGrid>
+              <a:tr h="370840">
+                <a:tc>
+                  <a:txBody>
+                    <a:bodyPr/>
+                    <a:lstStyle/>
+                    <a:p>
+                      <a:pPr algn="r"/>
+                      <a:endParaRPr lang="en-US" sz="3200" dirty="0">
+                        <a:latin typeface="Arial" panose="020B0604020202020204" pitchFamily="34" charset="0"/>
+                        <a:cs typeface="Arial" panose="020B0604020202020204" pitchFamily="34" charset="0"/>
+                      </a:endParaRPr>
+                    </a:p>
+                  </a:txBody>
+                  <a:tcPr anchor="ctr"/>
+                </a:tc>
+                <a:tc>
+                  <a:txBody>
+                    <a:bodyPr/>
+                    <a:lstStyle/>
+                    <a:p>
+                      <a:pPr algn="ctr"/>
+                      <a:r>
+                        <a:rPr lang="en-US" sz="3200" b="1" dirty="0">
+                          <a:solidFill>
+                            <a:schemeClr val="bg1"/>
+                          </a:solidFill>
+                          <a:latin typeface="Arial" panose="020B0604020202020204" pitchFamily="34" charset="0"/>
+                          <a:cs typeface="Arial" panose="020B0604020202020204" pitchFamily="34" charset="0"/>
+                        </a:rPr>
+                        <a:t>Accuracy</a:t>
+                      </a:r>
+                    </a:p>
+                  </a:txBody>
+                  <a:tcPr anchor="ctr"/>
+                </a:tc>
+                <a:tc>
+                  <a:txBody>
+                    <a:bodyPr/>
+                    <a:lstStyle/>
+                    <a:p>
+                      <a:pPr algn="ctr"/>
+                      <a:r>
+                        <a:rPr lang="en-US" sz="3200" b="1" dirty="0">
+                          <a:solidFill>
+                            <a:schemeClr val="bg1"/>
+                          </a:solidFill>
+                          <a:latin typeface="Arial" panose="020B0604020202020204" pitchFamily="34" charset="0"/>
+                          <a:cs typeface="Arial" panose="020B0604020202020204" pitchFamily="34" charset="0"/>
+                        </a:rPr>
+                        <a:t>Sensitivity</a:t>
+                      </a:r>
+                    </a:p>
+                  </a:txBody>
+                  <a:tcPr anchor="ctr"/>
+                </a:tc>
+                <a:tc>
+                  <a:txBody>
+                    <a:bodyPr/>
+                    <a:lstStyle/>
+                    <a:p>
+                      <a:pPr algn="ctr"/>
+                      <a:r>
+                        <a:rPr lang="en-US" sz="3200" b="1" dirty="0">
+                          <a:solidFill>
+                            <a:schemeClr val="bg1"/>
+                          </a:solidFill>
+                          <a:latin typeface="Arial" panose="020B0604020202020204" pitchFamily="34" charset="0"/>
+                          <a:cs typeface="Arial" panose="020B0604020202020204" pitchFamily="34" charset="0"/>
+                        </a:rPr>
+                        <a:t>Specificity</a:t>
+                      </a:r>
+                    </a:p>
+                  </a:txBody>
+                  <a:tcPr anchor="ctr"/>
+                </a:tc>
+                <a:extLst>
+                  <a:ext uri="{0D108BD9-81ED-4DB2-BD59-A6C34878D82A}">
+                    <a16:rowId xmlns:a16="http://schemas.microsoft.com/office/drawing/2014/main" val="3905098576"/>
+                  </a:ext>
+                </a:extLst>
+              </a:tr>
+              <a:tr h="661111">
+                <a:tc>
+                  <a:txBody>
+                    <a:bodyPr/>
+                    <a:lstStyle/>
+                    <a:p>
+                      <a:pPr algn="l"/>
+                      <a:r>
+                        <a:rPr lang="en-US" sz="3200" b="1" dirty="0">
+                          <a:latin typeface="Arial" panose="020B0604020202020204" pitchFamily="34" charset="0"/>
+                          <a:cs typeface="Arial" panose="020B0604020202020204" pitchFamily="34" charset="0"/>
+                        </a:rPr>
+                        <a:t>126 Predictors</a:t>
+                      </a:r>
+                    </a:p>
+                  </a:txBody>
+                  <a:tcPr anchor="ctr"/>
+                </a:tc>
+                <a:tc>
+                  <a:txBody>
+                    <a:bodyPr/>
+                    <a:lstStyle/>
+                    <a:p>
+                      <a:pPr algn="ctr"/>
+                      <a:r>
+                        <a:rPr lang="en-US" sz="3200" dirty="0">
+                          <a:latin typeface="Arial" panose="020B0604020202020204" pitchFamily="34" charset="0"/>
+                          <a:cs typeface="Arial" panose="020B0604020202020204" pitchFamily="34" charset="0"/>
+                        </a:rPr>
+                        <a:t>76.1%</a:t>
+                      </a:r>
+                    </a:p>
+                  </a:txBody>
+                  <a:tcPr anchor="ctr"/>
+                </a:tc>
+                <a:tc>
+                  <a:txBody>
+                    <a:bodyPr/>
+                    <a:lstStyle/>
+                    <a:p>
+                      <a:pPr algn="ctr"/>
+                      <a:r>
+                        <a:rPr lang="en-US" sz="3200" dirty="0">
+                          <a:latin typeface="Arial" panose="020B0604020202020204" pitchFamily="34" charset="0"/>
+                          <a:cs typeface="Arial" panose="020B0604020202020204" pitchFamily="34" charset="0"/>
+                        </a:rPr>
+                        <a:t>59.9%</a:t>
+                      </a:r>
+                    </a:p>
+                  </a:txBody>
+                  <a:tcPr anchor="ctr"/>
+                </a:tc>
+                <a:tc>
+                  <a:txBody>
+                    <a:bodyPr/>
+                    <a:lstStyle/>
+                    <a:p>
+                      <a:pPr algn="ctr"/>
+                      <a:r>
+                        <a:rPr lang="en-US" sz="3200" dirty="0">
+                          <a:latin typeface="Arial" panose="020B0604020202020204" pitchFamily="34" charset="0"/>
+                          <a:cs typeface="Arial" panose="020B0604020202020204" pitchFamily="34" charset="0"/>
+                        </a:rPr>
+                        <a:t>85.3%</a:t>
+                      </a:r>
+                    </a:p>
+                  </a:txBody>
+                  <a:tcPr anchor="ctr"/>
+                </a:tc>
+                <a:extLst>
+                  <a:ext uri="{0D108BD9-81ED-4DB2-BD59-A6C34878D82A}">
+                    <a16:rowId xmlns:a16="http://schemas.microsoft.com/office/drawing/2014/main" val="1776449090"/>
+                  </a:ext>
+                </a:extLst>
+              </a:tr>
+              <a:tr h="661111">
+                <a:tc>
+                  <a:txBody>
+                    <a:bodyPr/>
+                    <a:lstStyle/>
+                    <a:p>
+                      <a:pPr algn="l"/>
+                      <a:r>
+                        <a:rPr lang="en-US" sz="3200" b="1" dirty="0">
+                          <a:latin typeface="Arial" panose="020B0604020202020204" pitchFamily="34" charset="0"/>
+                          <a:cs typeface="Arial" panose="020B0604020202020204" pitchFamily="34" charset="0"/>
+                        </a:rPr>
+                        <a:t>20 Predictors</a:t>
+                      </a:r>
+                    </a:p>
+                  </a:txBody>
+                  <a:tcPr anchor="ctr"/>
+                </a:tc>
+                <a:tc>
+                  <a:txBody>
+                    <a:bodyPr/>
+                    <a:lstStyle/>
+                    <a:p>
+                      <a:pPr algn="ctr"/>
+                      <a:r>
+                        <a:rPr lang="en-US" sz="3200" dirty="0">
+                          <a:latin typeface="Arial" panose="020B0604020202020204" pitchFamily="34" charset="0"/>
+                          <a:cs typeface="Arial" panose="020B0604020202020204" pitchFamily="34" charset="0"/>
+                        </a:rPr>
+                        <a:t>75.0%</a:t>
+                      </a:r>
+                    </a:p>
+                  </a:txBody>
+                  <a:tcPr anchor="ctr"/>
+                </a:tc>
+                <a:tc>
+                  <a:txBody>
+                    <a:bodyPr/>
+                    <a:lstStyle/>
+                    <a:p>
+                      <a:pPr algn="ctr"/>
+                      <a:r>
+                        <a:rPr lang="en-US" sz="3200" dirty="0">
+                          <a:latin typeface="Arial" panose="020B0604020202020204" pitchFamily="34" charset="0"/>
+                          <a:cs typeface="Arial" panose="020B0604020202020204" pitchFamily="34" charset="0"/>
+                        </a:rPr>
+                        <a:t>57.9%</a:t>
+                      </a:r>
+                    </a:p>
+                  </a:txBody>
+                  <a:tcPr anchor="ctr"/>
+                </a:tc>
+                <a:tc>
+                  <a:txBody>
+                    <a:bodyPr/>
+                    <a:lstStyle/>
+                    <a:p>
+                      <a:pPr algn="ctr"/>
+                      <a:r>
+                        <a:rPr lang="en-US" sz="3200" dirty="0">
+                          <a:latin typeface="Arial" panose="020B0604020202020204" pitchFamily="34" charset="0"/>
+                          <a:cs typeface="Arial" panose="020B0604020202020204" pitchFamily="34" charset="0"/>
+                        </a:rPr>
+                        <a:t>84.8%</a:t>
+                      </a:r>
+                    </a:p>
+                  </a:txBody>
+                  <a:tcPr anchor="ctr"/>
+                </a:tc>
+                <a:extLst>
+                  <a:ext uri="{0D108BD9-81ED-4DB2-BD59-A6C34878D82A}">
+                    <a16:rowId xmlns:a16="http://schemas.microsoft.com/office/drawing/2014/main" val="716548440"/>
+                  </a:ext>
+                </a:extLst>
+              </a:tr>
+              <a:tr h="370840">
+                <a:tc>
+                  <a:txBody>
+                    <a:bodyPr/>
+                    <a:lstStyle/>
+                    <a:p>
+                      <a:pPr algn="l"/>
+                      <a:r>
+                        <a:rPr lang="en-US" sz="3200" b="1" dirty="0">
+                          <a:latin typeface="Arial" panose="020B0604020202020204" pitchFamily="34" charset="0"/>
+                          <a:cs typeface="Arial" panose="020B0604020202020204" pitchFamily="34" charset="0"/>
+                        </a:rPr>
+                        <a:t>5 Predictors</a:t>
+                      </a:r>
+                    </a:p>
+                  </a:txBody>
+                  <a:tcPr anchor="ctr"/>
+                </a:tc>
+                <a:tc>
+                  <a:txBody>
+                    <a:bodyPr/>
+                    <a:lstStyle/>
+                    <a:p>
+                      <a:pPr algn="ctr"/>
+                      <a:r>
+                        <a:rPr lang="en-US" sz="3200" dirty="0">
+                          <a:latin typeface="Arial" panose="020B0604020202020204" pitchFamily="34" charset="0"/>
+                          <a:cs typeface="Arial" panose="020B0604020202020204" pitchFamily="34" charset="0"/>
+                        </a:rPr>
+                        <a:t>70.2%</a:t>
+                      </a:r>
+                    </a:p>
+                  </a:txBody>
+                  <a:tcPr anchor="ctr"/>
+                </a:tc>
+                <a:tc>
+                  <a:txBody>
+                    <a:bodyPr/>
+                    <a:lstStyle/>
+                    <a:p>
+                      <a:pPr algn="ctr"/>
+                      <a:r>
+                        <a:rPr lang="en-US" sz="3200" dirty="0">
+                          <a:latin typeface="Arial" panose="020B0604020202020204" pitchFamily="34" charset="0"/>
+                          <a:cs typeface="Arial" panose="020B0604020202020204" pitchFamily="34" charset="0"/>
+                        </a:rPr>
+                        <a:t>55.2%</a:t>
+                      </a:r>
+                    </a:p>
+                  </a:txBody>
+                  <a:tcPr anchor="ctr"/>
+                </a:tc>
+                <a:tc>
+                  <a:txBody>
+                    <a:bodyPr/>
+                    <a:lstStyle/>
+                    <a:p>
+                      <a:pPr algn="ctr"/>
+                      <a:r>
+                        <a:rPr lang="en-US" sz="3200" dirty="0">
+                          <a:latin typeface="Arial" panose="020B0604020202020204" pitchFamily="34" charset="0"/>
+                          <a:cs typeface="Arial" panose="020B0604020202020204" pitchFamily="34" charset="0"/>
+                        </a:rPr>
+                        <a:t>78.9%</a:t>
+                      </a:r>
+                    </a:p>
+                  </a:txBody>
+                  <a:tcPr anchor="ctr"/>
+                </a:tc>
+                <a:extLst>
+                  <a:ext uri="{0D108BD9-81ED-4DB2-BD59-A6C34878D82A}">
+                    <a16:rowId xmlns:a16="http://schemas.microsoft.com/office/drawing/2014/main" val="4162689415"/>
+                  </a:ext>
+                </a:extLst>
+              </a:tr>
+              <a:tr h="370840">
+                <a:tc>
+                  <a:txBody>
+                    <a:bodyPr/>
+                    <a:lstStyle/>
+                    <a:p>
+                      <a:pPr algn="l"/>
+                      <a:r>
+                        <a:rPr lang="en-US" sz="3200" b="1" dirty="0">
+                          <a:latin typeface="Arial" panose="020B0604020202020204" pitchFamily="34" charset="0"/>
+                          <a:cs typeface="Arial" panose="020B0604020202020204" pitchFamily="34" charset="0"/>
+                        </a:rPr>
+                        <a:t>2 Predictors</a:t>
+                      </a:r>
+                    </a:p>
+                  </a:txBody>
+                  <a:tcPr anchor="ctr"/>
+                </a:tc>
+                <a:tc>
+                  <a:txBody>
+                    <a:bodyPr/>
+                    <a:lstStyle/>
+                    <a:p>
+                      <a:pPr algn="ctr"/>
+                      <a:r>
+                        <a:rPr lang="en-US" sz="3200" dirty="0">
+                          <a:latin typeface="Arial" panose="020B0604020202020204" pitchFamily="34" charset="0"/>
+                          <a:cs typeface="Arial" panose="020B0604020202020204" pitchFamily="34" charset="0"/>
+                        </a:rPr>
+                        <a:t>71.8%</a:t>
+                      </a:r>
+                    </a:p>
+                  </a:txBody>
+                  <a:tcPr anchor="ctr"/>
+                </a:tc>
+                <a:tc>
+                  <a:txBody>
+                    <a:bodyPr/>
+                    <a:lstStyle/>
+                    <a:p>
+                      <a:pPr algn="ctr"/>
+                      <a:r>
+                        <a:rPr lang="en-US" sz="3200" dirty="0">
+                          <a:latin typeface="Arial" panose="020B0604020202020204" pitchFamily="34" charset="0"/>
+                          <a:cs typeface="Arial" panose="020B0604020202020204" pitchFamily="34" charset="0"/>
+                        </a:rPr>
+                        <a:t>46.6%</a:t>
+                      </a:r>
+                    </a:p>
+                  </a:txBody>
+                  <a:tcPr anchor="ctr"/>
+                </a:tc>
+                <a:tc>
+                  <a:txBody>
+                    <a:bodyPr/>
+                    <a:lstStyle/>
+                    <a:p>
+                      <a:pPr algn="ctr"/>
+                      <a:r>
+                        <a:rPr lang="en-US" sz="3200" dirty="0">
+                          <a:latin typeface="Arial" panose="020B0604020202020204" pitchFamily="34" charset="0"/>
+                          <a:cs typeface="Arial" panose="020B0604020202020204" pitchFamily="34" charset="0"/>
+                        </a:rPr>
+                        <a:t>86.3%</a:t>
+                      </a:r>
+                    </a:p>
+                  </a:txBody>
+                  <a:tcPr anchor="ctr"/>
+                </a:tc>
+                <a:extLst>
+                  <a:ext uri="{0D108BD9-81ED-4DB2-BD59-A6C34878D82A}">
+                    <a16:rowId xmlns:a16="http://schemas.microsoft.com/office/drawing/2014/main" val="1551476524"/>
+                  </a:ext>
+                </a:extLst>
+              </a:tr>
+              <a:tr h="370840">
+                <a:tc>
+                  <a:txBody>
+                    <a:bodyPr/>
+                    <a:lstStyle/>
+                    <a:p>
+                      <a:pPr algn="l"/>
+                      <a:r>
+                        <a:rPr lang="en-US" sz="3200" b="1" dirty="0">
+                          <a:latin typeface="Arial" panose="020B0604020202020204" pitchFamily="34" charset="0"/>
+                          <a:cs typeface="Arial" panose="020B0604020202020204" pitchFamily="34" charset="0"/>
+                        </a:rPr>
+                        <a:t>1 Predictor</a:t>
+                      </a:r>
+                    </a:p>
+                  </a:txBody>
+                  <a:tcPr anchor="ctr"/>
+                </a:tc>
+                <a:tc>
+                  <a:txBody>
+                    <a:bodyPr/>
+                    <a:lstStyle/>
+                    <a:p>
+                      <a:pPr algn="ctr"/>
+                      <a:r>
+                        <a:rPr lang="en-US" sz="3200" dirty="0">
+                          <a:latin typeface="Arial" panose="020B0604020202020204" pitchFamily="34" charset="0"/>
+                          <a:cs typeface="Arial" panose="020B0604020202020204" pitchFamily="34" charset="0"/>
+                        </a:rPr>
+                        <a:t>70.2%</a:t>
+                      </a:r>
+                    </a:p>
+                  </a:txBody>
+                  <a:tcPr anchor="ctr"/>
+                </a:tc>
+                <a:tc>
+                  <a:txBody>
+                    <a:bodyPr/>
+                    <a:lstStyle/>
+                    <a:p>
+                      <a:pPr algn="ctr"/>
+                      <a:r>
+                        <a:rPr lang="en-US" sz="3200" dirty="0">
+                          <a:latin typeface="Arial" panose="020B0604020202020204" pitchFamily="34" charset="0"/>
+                          <a:cs typeface="Arial" panose="020B0604020202020204" pitchFamily="34" charset="0"/>
+                        </a:rPr>
+                        <a:t>55.2%</a:t>
+                      </a:r>
+                    </a:p>
+                  </a:txBody>
+                  <a:tcPr anchor="ctr"/>
+                </a:tc>
+                <a:tc>
+                  <a:txBody>
+                    <a:bodyPr/>
+                    <a:lstStyle/>
+                    <a:p>
+                      <a:pPr algn="ctr"/>
+                      <a:r>
+                        <a:rPr lang="en-US" sz="3200" dirty="0">
+                          <a:latin typeface="Arial" panose="020B0604020202020204" pitchFamily="34" charset="0"/>
+                          <a:cs typeface="Arial" panose="020B0604020202020204" pitchFamily="34" charset="0"/>
+                        </a:rPr>
+                        <a:t>78.9%</a:t>
+                      </a:r>
+                    </a:p>
+                  </a:txBody>
+                  <a:tcPr anchor="ctr"/>
+                </a:tc>
+                <a:extLst>
+                  <a:ext uri="{0D108BD9-81ED-4DB2-BD59-A6C34878D82A}">
+                    <a16:rowId xmlns:a16="http://schemas.microsoft.com/office/drawing/2014/main" val="1940787544"/>
+                  </a:ext>
+                </a:extLst>
+              </a:tr>
+            </a:tbl>
+          </a:graphicData>
+        </a:graphic>
+      </p:graphicFrame>
+      <p:pic>
+        <p:nvPicPr>
+          <p:cNvPr id="47" name="Picture 46" descr="Chart, bar chart&#10;&#10;Description automatically generated">
+            <a:extLst>
+              <a:ext uri="{FF2B5EF4-FFF2-40B4-BE49-F238E27FC236}">
+                <a16:creationId xmlns:a16="http://schemas.microsoft.com/office/drawing/2014/main" id="{5A9EA086-D8BF-C678-53C0-5AE5FCDB5509}"/>
+              </a:ext>
+            </a:extLst>
+          </p:cNvPr>
+          <p:cNvPicPr>
+            <a:picLocks noChangeAspect="1"/>
+          </p:cNvPicPr>
+          <p:nvPr/>
+        </p:nvPicPr>
+        <p:blipFill rotWithShape="1">
+          <a:blip r:embed="rId10">
+            <a:extLst>
+              <a:ext uri="{28A0092B-C50C-407E-A947-70E740481C1C}">
+                <a14:useLocalDpi xmlns:a14="http://schemas.microsoft.com/office/drawing/2010/main" val="0"/>
+              </a:ext>
+            </a:extLst>
+          </a:blip>
+          <a:srcRect t="5102" r="3672"/>
+          <a:stretch/>
+        </p:blipFill>
+        <p:spPr>
+          <a:xfrm>
+            <a:off x="15873331" y="26457236"/>
+            <a:ext cx="10137964" cy="6112476"/>
+          </a:xfrm>
+          <a:prstGeom prst="rect">
+            <a:avLst/>
+          </a:prstGeom>
+        </p:spPr>
+      </p:pic>
+      <p:sp>
+        <p:nvSpPr>
+          <p:cNvPr id="48" name="TextBox 47">
+            <a:extLst>
+              <a:ext uri="{FF2B5EF4-FFF2-40B4-BE49-F238E27FC236}">
+                <a16:creationId xmlns:a16="http://schemas.microsoft.com/office/drawing/2014/main" id="{4CA7EF85-C412-CA94-EFA1-E363D3EC6F0F}"/>
+              </a:ext>
+            </a:extLst>
+          </p:cNvPr>
+          <p:cNvSpPr txBox="1"/>
+          <p:nvPr/>
+        </p:nvSpPr>
+        <p:spPr>
+          <a:xfrm>
+            <a:off x="17102415" y="25966862"/>
+            <a:ext cx="11635872" cy="523220"/>
+          </a:xfrm>
+          <a:prstGeom prst="rect">
+            <a:avLst/>
+          </a:prstGeom>
+          <a:noFill/>
+        </p:spPr>
+        <p:txBody>
+          <a:bodyPr wrap="square">
+            <a:spAutoFit/>
+          </a:bodyPr>
+          <a:lstStyle/>
+          <a:p>
+            <a:r>
+              <a:rPr lang="en-US" sz="2700" dirty="0">
+                <a:solidFill>
+                  <a:srgbClr val="000000"/>
+                </a:solidFill>
+                <a:latin typeface="Arial" panose="020B0604020202020204" pitchFamily="34" charset="0"/>
+                <a:cs typeface="Arial" panose="020B0604020202020204" pitchFamily="34" charset="0"/>
+              </a:rPr>
+              <a:t>Random Forest Variable Importance</a:t>
+            </a:r>
+            <a:endParaRPr lang="en-US" sz="2700" dirty="0"/>
+          </a:p>
+        </p:txBody>
+      </p:sp>
+      <p:sp>
+        <p:nvSpPr>
+          <p:cNvPr id="51" name="TextBox 50">
+            <a:extLst>
+              <a:ext uri="{FF2B5EF4-FFF2-40B4-BE49-F238E27FC236}">
+                <a16:creationId xmlns:a16="http://schemas.microsoft.com/office/drawing/2014/main" id="{48EF423C-3819-5324-ADF8-563F19BAFDCA}"/>
+              </a:ext>
+            </a:extLst>
+          </p:cNvPr>
+          <p:cNvSpPr txBox="1"/>
+          <p:nvPr/>
+        </p:nvSpPr>
+        <p:spPr>
+          <a:xfrm>
+            <a:off x="15126684" y="32308800"/>
+            <a:ext cx="13556308" cy="523220"/>
+          </a:xfrm>
+          <a:prstGeom prst="rect">
+            <a:avLst/>
+          </a:prstGeom>
+          <a:noFill/>
+        </p:spPr>
+        <p:txBody>
+          <a:bodyPr rot="0" spcFirstLastPara="0" vertOverflow="overflow" horzOverflow="overflow" vert="horz" wrap="square" lIns="91440" tIns="45720" rIns="91440" bIns="45720" numCol="1" spcCol="0" rtlCol="0" fromWordArt="0" anchor="t" anchorCtr="0" forceAA="0" compatLnSpc="1">
+            <a:prstTxWarp prst="textNoShape">
+              <a:avLst/>
+            </a:prstTxWarp>
+            <a:spAutoFit/>
+          </a:bodyPr>
+          <a:lstStyle/>
+          <a:p>
+            <a:r>
+              <a:rPr lang="en-US" sz="2800" b="1" i="0" dirty="0">
+                <a:solidFill>
+                  <a:srgbClr val="000000"/>
+                </a:solidFill>
+                <a:effectLst/>
+                <a:latin typeface="Arial" panose="020B0604020202020204" pitchFamily="34" charset="0"/>
+                <a:cs typeface="Arial" panose="020B0604020202020204" pitchFamily="34" charset="0"/>
+              </a:rPr>
+              <a:t>Figure </a:t>
+            </a:r>
+            <a:r>
+              <a:rPr lang="en-US" sz="2800" b="1" dirty="0">
+                <a:solidFill>
+                  <a:srgbClr val="000000"/>
+                </a:solidFill>
+                <a:latin typeface="Arial" panose="020B0604020202020204" pitchFamily="34" charset="0"/>
+                <a:cs typeface="Arial" panose="020B0604020202020204" pitchFamily="34" charset="0"/>
+              </a:rPr>
+              <a:t>2</a:t>
+            </a:r>
+            <a:r>
+              <a:rPr lang="en-US" sz="2800" b="1" i="0" dirty="0">
+                <a:solidFill>
+                  <a:srgbClr val="000000"/>
+                </a:solidFill>
+                <a:effectLst/>
+                <a:latin typeface="Arial" panose="020B0604020202020204" pitchFamily="34" charset="0"/>
+                <a:cs typeface="Arial" panose="020B0604020202020204" pitchFamily="34" charset="0"/>
+              </a:rPr>
+              <a:t>: Variable importance according to mean decrease in Gini Index. </a:t>
+            </a:r>
+          </a:p>
+        </p:txBody>
+      </p:sp>
+      <p:sp>
+        <p:nvSpPr>
+          <p:cNvPr id="52" name="TextBox 51">
+            <a:extLst>
+              <a:ext uri="{FF2B5EF4-FFF2-40B4-BE49-F238E27FC236}">
+                <a16:creationId xmlns:a16="http://schemas.microsoft.com/office/drawing/2014/main" id="{4A313B24-0E04-BC2F-B00B-9C28AC704174}"/>
+              </a:ext>
+            </a:extLst>
+          </p:cNvPr>
+          <p:cNvSpPr txBox="1"/>
+          <p:nvPr/>
+        </p:nvSpPr>
+        <p:spPr>
+          <a:xfrm>
+            <a:off x="32113728" y="28291536"/>
+            <a:ext cx="184731" cy="1138773"/>
+          </a:xfrm>
+          <a:prstGeom prst="rect">
+            <a:avLst/>
+          </a:prstGeom>
+          <a:noFill/>
+        </p:spPr>
+        <p:txBody>
+          <a:bodyPr wrap="none" rtlCol="0">
+            <a:spAutoFit/>
+          </a:bodyPr>
+          <a:lstStyle/>
+          <a:p>
+            <a:endParaRPr lang="en-US" dirty="0"/>
+          </a:p>
+        </p:txBody>
+      </p:sp>
     </p:spTree>
   </p:cSld>
   <p:clrMapOvr>
@@ -9128,15 +9876,6 @@
 </file>
 
 <file path=customXml/item2.xml><?xml version="1.0" encoding="utf-8"?>
-<?mso-contentType ?>
-<FormTemplates xmlns="http://schemas.microsoft.com/sharepoint/v3/contenttype/forms">
-  <Display>DocumentLibraryForm</Display>
-  <Edit>DocumentLibraryForm</Edit>
-  <New>DocumentLibraryForm</New>
-</FormTemplates>
-</file>
-
-<file path=customXml/item3.xml><?xml version="1.0" encoding="utf-8"?>
 <ct:contentTypeSchema xmlns:ct="http://schemas.microsoft.com/office/2006/metadata/contentType" xmlns:ma="http://schemas.microsoft.com/office/2006/metadata/properties/metaAttributes" ct:_="" ma:_="" ma:contentTypeName="Document" ma:contentTypeID="0x01010040C0573D451389478D071ED69F950D05" ma:contentTypeVersion="7" ma:contentTypeDescription="Create a new document." ma:contentTypeScope="" ma:versionID="dfc8d1046dc9a0a0ca1ccad4854daea3">
   <xsd:schema xmlns:xsd="http://www.w3.org/2001/XMLSchema" xmlns:xs="http://www.w3.org/2001/XMLSchema" xmlns:p="http://schemas.microsoft.com/office/2006/metadata/properties" xmlns:ns3="245286d6-ca1e-4f0e-8c79-12db02d5542a" xmlns:ns4="e0ad1755-6d7c-4bfc-bbbb-14f2c67b4daf" targetNamespace="http://schemas.microsoft.com/office/2006/metadata/properties" ma:root="true" ma:fieldsID="bb8de4af8b0c04f7d0f855658f6a8a54" ns3:_="" ns4:_="">
     <xsd:import namespace="245286d6-ca1e-4f0e-8c79-12db02d5542a"/>
@@ -9321,6 +10060,15 @@
 </ct:contentTypeSchema>
 </file>
 
+<file path=customXml/item3.xml><?xml version="1.0" encoding="utf-8"?>
+<?mso-contentType ?>
+<FormTemplates xmlns="http://schemas.microsoft.com/sharepoint/v3/contenttype/forms">
+  <Display>DocumentLibraryForm</Display>
+  <Edit>DocumentLibraryForm</Edit>
+  <New>DocumentLibraryForm</New>
+</FormTemplates>
+</file>
+
 <file path=customXml/itemProps1.xml><?xml version="1.0" encoding="utf-8"?>
 <ds:datastoreItem xmlns:ds="http://schemas.openxmlformats.org/officeDocument/2006/customXml" ds:itemID="{EF364131-D24C-403E-884D-E36F69FCD0FB}">
   <ds:schemaRefs>
@@ -9339,14 +10087,6 @@
 </file>
 
 <file path=customXml/itemProps2.xml><?xml version="1.0" encoding="utf-8"?>
-<ds:datastoreItem xmlns:ds="http://schemas.openxmlformats.org/officeDocument/2006/customXml" ds:itemID="{D4781661-AC2E-4F0F-AB30-9889357224B1}">
-  <ds:schemaRefs>
-    <ds:schemaRef ds:uri="http://schemas.microsoft.com/sharepoint/v3/contenttype/forms"/>
-  </ds:schemaRefs>
-</ds:datastoreItem>
-</file>
-
-<file path=customXml/itemProps3.xml><?xml version="1.0" encoding="utf-8"?>
 <ds:datastoreItem xmlns:ds="http://schemas.openxmlformats.org/officeDocument/2006/customXml" ds:itemID="{C9E8422E-BBBE-4621-92A5-3F6338502613}">
   <ds:schemaRefs>
     <ds:schemaRef ds:uri="245286d6-ca1e-4f0e-8c79-12db02d5542a"/>
@@ -9363,4 +10103,12 @@
     <ds:schemaRef ds:uri="http://www.w3.org/2001/XMLSchema"/>
   </ds:schemaRefs>
 </ds:datastoreItem>
+</file>
+
+<file path=customXml/itemProps3.xml><?xml version="1.0" encoding="utf-8"?>
+<ds:datastoreItem xmlns:ds="http://schemas.openxmlformats.org/officeDocument/2006/customXml" ds:itemID="{D4781661-AC2E-4F0F-AB30-9889357224B1}">
+  <ds:schemaRefs>
+    <ds:schemaRef ds:uri="http://schemas.microsoft.com/sharepoint/v3/contenttype/forms"/>
+  </ds:schemaRefs>
+</ds:datastoreItem>
 </file>
--- a/Documents/PosterPresentation.pptx
+++ b/Documents/PosterPresentation.pptx
@@ -5,17 +5,13 @@
     <p:sldMasterId id="2147483648" r:id="rId4"/>
   </p:sldMasterIdLst>
   <p:notesMasterIdLst>
-    <p:notesMasterId r:id="rId10"/>
+    <p:notesMasterId r:id="rId6"/>
   </p:notesMasterIdLst>
   <p:handoutMasterIdLst>
-    <p:handoutMasterId r:id="rId11"/>
+    <p:handoutMasterId r:id="rId7"/>
   </p:handoutMasterIdLst>
   <p:sldIdLst>
     <p:sldId id="258" r:id="rId5"/>
-    <p:sldId id="262" r:id="rId6"/>
-    <p:sldId id="259" r:id="rId7"/>
-    <p:sldId id="260" r:id="rId8"/>
-    <p:sldId id="261" r:id="rId9"/>
   </p:sldIdLst>
   <p:sldSz cx="43891200" cy="32918400"/>
   <p:notesSz cx="6858000" cy="9144000"/>
@@ -1066,434 +1062,6 @@
     <p:extLst>
       <p:ext uri="{BB962C8B-B14F-4D97-AF65-F5344CB8AC3E}">
         <p14:creationId xmlns:p14="http://schemas.microsoft.com/office/powerpoint/2010/main" val="3734993514"/>
-      </p:ext>
-    </p:extLst>
-  </p:cSld>
-  <p:clrMapOvr>
-    <a:masterClrMapping/>
-  </p:clrMapOvr>
-</p:notes>
-</file>
-
-<file path=ppt/notesSlides/notesSlide2.xml><?xml version="1.0" encoding="utf-8"?>
-<p:notes xmlns:a="http://schemas.openxmlformats.org/drawingml/2006/main" xmlns:r="http://schemas.openxmlformats.org/officeDocument/2006/relationships" xmlns:p="http://schemas.openxmlformats.org/presentationml/2006/main">
-  <p:cSld>
-    <p:spTree>
-      <p:nvGrpSpPr>
-        <p:cNvPr id="1" name=""/>
-        <p:cNvGrpSpPr/>
-        <p:nvPr/>
-      </p:nvGrpSpPr>
-      <p:grpSpPr>
-        <a:xfrm>
-          <a:off x="0" y="0"/>
-          <a:ext cx="0" cy="0"/>
-          <a:chOff x="0" y="0"/>
-          <a:chExt cx="0" cy="0"/>
-        </a:xfrm>
-      </p:grpSpPr>
-      <p:sp>
-        <p:nvSpPr>
-          <p:cNvPr id="2" name="Slide Image Placeholder 1"/>
-          <p:cNvSpPr>
-            <a:spLocks noGrp="1" noRot="1" noChangeAspect="1"/>
-          </p:cNvSpPr>
-          <p:nvPr>
-            <p:ph type="sldImg"/>
-          </p:nvPr>
-        </p:nvSpPr>
-        <p:spPr/>
-      </p:sp>
-      <p:sp>
-        <p:nvSpPr>
-          <p:cNvPr id="3" name="Notes Placeholder 2"/>
-          <p:cNvSpPr>
-            <a:spLocks noGrp="1"/>
-          </p:cNvSpPr>
-          <p:nvPr>
-            <p:ph type="body" idx="1"/>
-          </p:nvPr>
-        </p:nvSpPr>
-        <p:spPr/>
-        <p:txBody>
-          <a:bodyPr/>
-          <a:lstStyle/>
-          <a:p>
-            <a:r>
-              <a:rPr lang="en-US"/>
-              <a:t>2020 Posters and Presentations: </a:t>
-            </a:r>
-            <a:r>
-              <a:rPr lang="en-US">
-                <a:hlinkClick r:id="rId3"/>
-              </a:rPr>
-              <a:t>Data+ (2020) | Duke Bass Connections</a:t>
-            </a:r>
-            <a:endParaRPr lang="en-US"/>
-          </a:p>
-          <a:p>
-            <a:pPr marL="0" marR="0">
-              <a:lnSpc>
-                <a:spcPct val="107000"/>
-              </a:lnSpc>
-              <a:spcBef>
-                <a:spcPts val="0"/>
-              </a:spcBef>
-              <a:spcAft>
-                <a:spcPts val="600"/>
-              </a:spcAft>
-            </a:pPr>
-            <a:r>
-              <a:rPr lang="en-US" sz="1800" b="1">
-                <a:effectLst/>
-                <a:latin typeface="Calibri" panose="020F0502020204030204" pitchFamily="34" charset="0"/>
-                <a:ea typeface="Calibri" panose="020F0502020204030204" pitchFamily="34" charset="0"/>
-                <a:cs typeface="Calibri" panose="020F0502020204030204" pitchFamily="34" charset="0"/>
-              </a:rPr>
-              <a:t>Poster Design Guidance</a:t>
-            </a:r>
-            <a:endParaRPr lang="en-US" sz="1800">
-              <a:effectLst/>
-              <a:latin typeface="Calibri" panose="020F0502020204030204" pitchFamily="34" charset="0"/>
-              <a:ea typeface="Calibri" panose="020F0502020204030204" pitchFamily="34" charset="0"/>
-              <a:cs typeface="Times New Roman" panose="02020603050405020304" pitchFamily="18" charset="0"/>
-            </a:endParaRPr>
-          </a:p>
-          <a:p>
-            <a:pPr marL="342900" marR="0" lvl="0" indent="-342900">
-              <a:lnSpc>
-                <a:spcPct val="107000"/>
-              </a:lnSpc>
-              <a:spcBef>
-                <a:spcPts val="0"/>
-              </a:spcBef>
-              <a:spcAft>
-                <a:spcPts val="600"/>
-              </a:spcAft>
-              <a:buFont typeface="Symbol" panose="05050102010706020507" pitchFamily="18" charset="2"/>
-              <a:buChar char=""/>
-            </a:pPr>
-            <a:r>
-              <a:rPr lang="en-US" sz="1800">
-                <a:effectLst/>
-                <a:latin typeface="Calibri" panose="020F0502020204030204" pitchFamily="34" charset="0"/>
-                <a:ea typeface="Calibri" panose="020F0502020204030204" pitchFamily="34" charset="0"/>
-                <a:cs typeface="Calibri" panose="020F0502020204030204" pitchFamily="34" charset="0"/>
-              </a:rPr>
-              <a:t>Keep the design simple, with plenty of blank space for breathing room</a:t>
-            </a:r>
-            <a:endParaRPr lang="en-US" sz="1800">
-              <a:effectLst/>
-              <a:latin typeface="Calibri" panose="020F0502020204030204" pitchFamily="34" charset="0"/>
-              <a:ea typeface="Calibri" panose="020F0502020204030204" pitchFamily="34" charset="0"/>
-              <a:cs typeface="Times New Roman" panose="02020603050405020304" pitchFamily="18" charset="0"/>
-            </a:endParaRPr>
-          </a:p>
-          <a:p>
-            <a:pPr marL="342900" marR="0" lvl="0" indent="-342900">
-              <a:lnSpc>
-                <a:spcPct val="107000"/>
-              </a:lnSpc>
-              <a:spcBef>
-                <a:spcPts val="0"/>
-              </a:spcBef>
-              <a:spcAft>
-                <a:spcPts val="600"/>
-              </a:spcAft>
-              <a:buFont typeface="Symbol" panose="05050102010706020507" pitchFamily="18" charset="2"/>
-              <a:buChar char=""/>
-            </a:pPr>
-            <a:r>
-              <a:rPr lang="en-US" sz="1800">
-                <a:effectLst/>
-                <a:latin typeface="Calibri" panose="020F0502020204030204" pitchFamily="34" charset="0"/>
-                <a:ea typeface="Calibri" panose="020F0502020204030204" pitchFamily="34" charset="0"/>
-                <a:cs typeface="Calibri" panose="020F0502020204030204" pitchFamily="34" charset="0"/>
-              </a:rPr>
-              <a:t>Use graphics and photos whenever possible to illustrate your points, and keep text to a minimum</a:t>
-            </a:r>
-            <a:endParaRPr lang="en-US" sz="1800">
-              <a:effectLst/>
-              <a:latin typeface="Calibri" panose="020F0502020204030204" pitchFamily="34" charset="0"/>
-              <a:ea typeface="Calibri" panose="020F0502020204030204" pitchFamily="34" charset="0"/>
-              <a:cs typeface="Times New Roman" panose="02020603050405020304" pitchFamily="18" charset="0"/>
-            </a:endParaRPr>
-          </a:p>
-          <a:p>
-            <a:pPr marL="342900" marR="0" lvl="0" indent="-342900">
-              <a:lnSpc>
-                <a:spcPct val="107000"/>
-              </a:lnSpc>
-              <a:spcBef>
-                <a:spcPts val="0"/>
-              </a:spcBef>
-              <a:spcAft>
-                <a:spcPts val="600"/>
-              </a:spcAft>
-              <a:buFont typeface="Symbol" panose="05050102010706020507" pitchFamily="18" charset="2"/>
-              <a:buChar char=""/>
-            </a:pPr>
-            <a:r>
-              <a:rPr lang="en-US" sz="1800">
-                <a:effectLst/>
-                <a:latin typeface="Calibri" panose="020F0502020204030204" pitchFamily="34" charset="0"/>
-                <a:ea typeface="Calibri" panose="020F0502020204030204" pitchFamily="34" charset="0"/>
-                <a:cs typeface="Calibri" panose="020F0502020204030204" pitchFamily="34" charset="0"/>
-              </a:rPr>
-              <a:t>Use headings to break up the sections of your poster (recommended font size for headings is 48, bold) </a:t>
-            </a:r>
-            <a:endParaRPr lang="en-US" sz="1800">
-              <a:effectLst/>
-              <a:latin typeface="Calibri" panose="020F0502020204030204" pitchFamily="34" charset="0"/>
-              <a:ea typeface="Calibri" panose="020F0502020204030204" pitchFamily="34" charset="0"/>
-              <a:cs typeface="Times New Roman" panose="02020603050405020304" pitchFamily="18" charset="0"/>
-            </a:endParaRPr>
-          </a:p>
-          <a:p>
-            <a:pPr marL="342900" marR="0" lvl="0" indent="-342900">
-              <a:lnSpc>
-                <a:spcPct val="107000"/>
-              </a:lnSpc>
-              <a:spcBef>
-                <a:spcPts val="0"/>
-              </a:spcBef>
-              <a:spcAft>
-                <a:spcPts val="600"/>
-              </a:spcAft>
-              <a:buFont typeface="Symbol" panose="05050102010706020507" pitchFamily="18" charset="2"/>
-              <a:buChar char=""/>
-            </a:pPr>
-            <a:r>
-              <a:rPr lang="en-US" sz="1800">
-                <a:effectLst/>
-                <a:latin typeface="Calibri" panose="020F0502020204030204" pitchFamily="34" charset="0"/>
-                <a:ea typeface="Calibri" panose="020F0502020204030204" pitchFamily="34" charset="0"/>
-                <a:cs typeface="Calibri" panose="020F0502020204030204" pitchFamily="34" charset="0"/>
-              </a:rPr>
-              <a:t>Aim for a font size of 36 to 40 for main text</a:t>
-            </a:r>
-            <a:endParaRPr lang="en-US" sz="1800">
-              <a:effectLst/>
-              <a:latin typeface="Calibri" panose="020F0502020204030204" pitchFamily="34" charset="0"/>
-              <a:ea typeface="Calibri" panose="020F0502020204030204" pitchFamily="34" charset="0"/>
-              <a:cs typeface="Times New Roman" panose="02020603050405020304" pitchFamily="18" charset="0"/>
-            </a:endParaRPr>
-          </a:p>
-          <a:p>
-            <a:pPr marL="342900" marR="0" lvl="0" indent="-342900">
-              <a:lnSpc>
-                <a:spcPct val="107000"/>
-              </a:lnSpc>
-              <a:spcBef>
-                <a:spcPts val="0"/>
-              </a:spcBef>
-              <a:spcAft>
-                <a:spcPts val="600"/>
-              </a:spcAft>
-              <a:buFont typeface="Symbol" panose="05050102010706020507" pitchFamily="18" charset="2"/>
-              <a:buChar char=""/>
-            </a:pPr>
-            <a:r>
-              <a:rPr lang="en-US" sz="1800">
-                <a:effectLst/>
-                <a:latin typeface="Calibri" panose="020F0502020204030204" pitchFamily="34" charset="0"/>
-                <a:ea typeface="Calibri" panose="020F0502020204030204" pitchFamily="34" charset="0"/>
-                <a:cs typeface="Calibri" panose="020F0502020204030204" pitchFamily="34" charset="0"/>
-              </a:rPr>
-              <a:t>Use graphics that are at least 300 dpi or vector-based so that they do not become distorted when enlarged</a:t>
-            </a:r>
-            <a:endParaRPr lang="en-US" sz="1800">
-              <a:effectLst/>
-              <a:latin typeface="Calibri" panose="020F0502020204030204" pitchFamily="34" charset="0"/>
-              <a:ea typeface="Calibri" panose="020F0502020204030204" pitchFamily="34" charset="0"/>
-              <a:cs typeface="Times New Roman" panose="02020603050405020304" pitchFamily="18" charset="0"/>
-            </a:endParaRPr>
-          </a:p>
-          <a:p>
-            <a:pPr marL="342900" marR="0" lvl="0" indent="-342900">
-              <a:lnSpc>
-                <a:spcPct val="107000"/>
-              </a:lnSpc>
-              <a:spcBef>
-                <a:spcPts val="0"/>
-              </a:spcBef>
-              <a:spcAft>
-                <a:spcPts val="600"/>
-              </a:spcAft>
-              <a:buFont typeface="Symbol" panose="05050102010706020507" pitchFamily="18" charset="2"/>
-              <a:buChar char=""/>
-            </a:pPr>
-            <a:r>
-              <a:rPr lang="en-US" sz="1800">
-                <a:effectLst/>
-                <a:latin typeface="Calibri" panose="020F0502020204030204" pitchFamily="34" charset="0"/>
-                <a:ea typeface="Calibri" panose="020F0502020204030204" pitchFamily="34" charset="0"/>
-                <a:cs typeface="Calibri" panose="020F0502020204030204" pitchFamily="34" charset="0"/>
-              </a:rPr>
-              <a:t>Try to avoid too much information, small fonts, confusing graphics that are unlabeled or have hard-to-read labels, too many different colors or fonts, big blocks of text</a:t>
-            </a:r>
-            <a:endParaRPr lang="en-US" sz="1800">
-              <a:effectLst/>
-              <a:latin typeface="Calibri" panose="020F0502020204030204" pitchFamily="34" charset="0"/>
-              <a:ea typeface="Calibri" panose="020F0502020204030204" pitchFamily="34" charset="0"/>
-              <a:cs typeface="Times New Roman" panose="02020603050405020304" pitchFamily="18" charset="0"/>
-            </a:endParaRPr>
-          </a:p>
-          <a:p>
-            <a:pPr marL="342900" marR="0" lvl="0" indent="-342900">
-              <a:lnSpc>
-                <a:spcPct val="107000"/>
-              </a:lnSpc>
-              <a:spcBef>
-                <a:spcPts val="0"/>
-              </a:spcBef>
-              <a:spcAft>
-                <a:spcPts val="600"/>
-              </a:spcAft>
-              <a:buFont typeface="Symbol" panose="05050102010706020507" pitchFamily="18" charset="2"/>
-              <a:buChar char=""/>
-            </a:pPr>
-            <a:r>
-              <a:rPr lang="en-US" sz="1800">
-                <a:effectLst/>
-                <a:latin typeface="Calibri" panose="020F0502020204030204" pitchFamily="34" charset="0"/>
-                <a:ea typeface="Calibri" panose="020F0502020204030204" pitchFamily="34" charset="0"/>
-                <a:cs typeface="Calibri" panose="020F0502020204030204" pitchFamily="34" charset="0"/>
-              </a:rPr>
-              <a:t>Many posters typically include sections on Introduction, Methods and Data, Results, Conclusion, Next Steps, but these are not required; your poster should reflect your unique project team (for example, an infographic may be more appropriate)</a:t>
-            </a:r>
-            <a:endParaRPr lang="en-US" sz="1800">
-              <a:effectLst/>
-              <a:latin typeface="Calibri" panose="020F0502020204030204" pitchFamily="34" charset="0"/>
-              <a:ea typeface="Calibri" panose="020F0502020204030204" pitchFamily="34" charset="0"/>
-              <a:cs typeface="Times New Roman" panose="02020603050405020304" pitchFamily="18" charset="0"/>
-            </a:endParaRPr>
-          </a:p>
-          <a:p>
-            <a:pPr marL="342900" marR="0" lvl="0" indent="-342900">
-              <a:lnSpc>
-                <a:spcPct val="107000"/>
-              </a:lnSpc>
-              <a:spcBef>
-                <a:spcPts val="0"/>
-              </a:spcBef>
-              <a:spcAft>
-                <a:spcPts val="600"/>
-              </a:spcAft>
-              <a:buFont typeface="Symbol" panose="05050102010706020507" pitchFamily="18" charset="2"/>
-              <a:buChar char=""/>
-            </a:pPr>
-            <a:r>
-              <a:rPr lang="en-US" sz="1800">
-                <a:effectLst/>
-                <a:latin typeface="Calibri" panose="020F0502020204030204" pitchFamily="34" charset="0"/>
-                <a:ea typeface="Calibri" panose="020F0502020204030204" pitchFamily="34" charset="0"/>
-                <a:cs typeface="Calibri" panose="020F0502020204030204" pitchFamily="34" charset="0"/>
-              </a:rPr>
-              <a:t>Check at 400% before finalizing; everything should look crisp and clear</a:t>
-            </a:r>
-            <a:endParaRPr lang="en-US" sz="1800">
-              <a:effectLst/>
-              <a:latin typeface="Calibri" panose="020F0502020204030204" pitchFamily="34" charset="0"/>
-              <a:ea typeface="Calibri" panose="020F0502020204030204" pitchFamily="34" charset="0"/>
-              <a:cs typeface="Times New Roman" panose="02020603050405020304" pitchFamily="18" charset="0"/>
-            </a:endParaRPr>
-          </a:p>
-          <a:p>
-            <a:pPr marL="342900" marR="0" lvl="0" indent="-342900">
-              <a:lnSpc>
-                <a:spcPct val="107000"/>
-              </a:lnSpc>
-              <a:spcBef>
-                <a:spcPts val="0"/>
-              </a:spcBef>
-              <a:spcAft>
-                <a:spcPts val="600"/>
-              </a:spcAft>
-              <a:buFont typeface="Symbol" panose="05050102010706020507" pitchFamily="18" charset="2"/>
-              <a:buChar char=""/>
-            </a:pPr>
-            <a:r>
-              <a:rPr lang="en-US" sz="1800">
-                <a:effectLst/>
-                <a:latin typeface="Calibri" panose="020F0502020204030204" pitchFamily="34" charset="0"/>
-                <a:ea typeface="Calibri" panose="020F0502020204030204" pitchFamily="34" charset="0"/>
-                <a:cs typeface="Calibri" panose="020F0502020204030204" pitchFamily="34" charset="0"/>
-              </a:rPr>
-              <a:t>Print it out on a regular 8.5x11 sheet of paper and hold it at arm’s length to make sure it’s readable at that distance</a:t>
-            </a:r>
-            <a:endParaRPr lang="en-US" sz="1800">
-              <a:effectLst/>
-              <a:latin typeface="Calibri" panose="020F0502020204030204" pitchFamily="34" charset="0"/>
-              <a:ea typeface="Calibri" panose="020F0502020204030204" pitchFamily="34" charset="0"/>
-              <a:cs typeface="Times New Roman" panose="02020603050405020304" pitchFamily="18" charset="0"/>
-            </a:endParaRPr>
-          </a:p>
-          <a:p>
-            <a:pPr marL="342900" marR="0" lvl="0" indent="-342900">
-              <a:lnSpc>
-                <a:spcPct val="107000"/>
-              </a:lnSpc>
-              <a:spcBef>
-                <a:spcPts val="0"/>
-              </a:spcBef>
-              <a:spcAft>
-                <a:spcPts val="600"/>
-              </a:spcAft>
-              <a:buFont typeface="Symbol" panose="05050102010706020507" pitchFamily="18" charset="2"/>
-              <a:buChar char=""/>
-            </a:pPr>
-            <a:r>
-              <a:rPr lang="en-US" sz="1800">
-                <a:effectLst/>
-                <a:latin typeface="Calibri" panose="020F0502020204030204" pitchFamily="34" charset="0"/>
-                <a:ea typeface="Calibri" panose="020F0502020204030204" pitchFamily="34" charset="0"/>
-                <a:cs typeface="Calibri" panose="020F0502020204030204" pitchFamily="34" charset="0"/>
-              </a:rPr>
-              <a:t>Save your poster as a PDF</a:t>
-            </a:r>
-            <a:endParaRPr lang="en-US" sz="1800">
-              <a:effectLst/>
-              <a:latin typeface="Calibri" panose="020F0502020204030204" pitchFamily="34" charset="0"/>
-              <a:ea typeface="Calibri" panose="020F0502020204030204" pitchFamily="34" charset="0"/>
-              <a:cs typeface="Times New Roman" panose="02020603050405020304" pitchFamily="18" charset="0"/>
-            </a:endParaRPr>
-          </a:p>
-          <a:p>
-            <a:endParaRPr lang="en-US"/>
-          </a:p>
-          <a:p>
-            <a:endParaRPr lang="en-US"/>
-          </a:p>
-        </p:txBody>
-      </p:sp>
-      <p:sp>
-        <p:nvSpPr>
-          <p:cNvPr id="4" name="Slide Number Placeholder 3"/>
-          <p:cNvSpPr>
-            <a:spLocks noGrp="1"/>
-          </p:cNvSpPr>
-          <p:nvPr>
-            <p:ph type="sldNum" sz="quarter" idx="5"/>
-          </p:nvPr>
-        </p:nvSpPr>
-        <p:spPr/>
-        <p:txBody>
-          <a:bodyPr/>
-          <a:lstStyle/>
-          <a:p>
-            <a:fld id="{42C7EFEE-A59F-429F-B663-0B880CEB9012}" type="slidenum">
-              <a:rPr lang="en-US" smtClean="0"/>
-              <a:t>2</a:t>
-            </a:fld>
-            <a:endParaRPr lang="en-US"/>
-          </a:p>
-        </p:txBody>
-      </p:sp>
-    </p:spTree>
-    <p:extLst>
-      <p:ext uri="{BB962C8B-B14F-4D97-AF65-F5344CB8AC3E}">
-        <p14:creationId xmlns:p14="http://schemas.microsoft.com/office/powerpoint/2010/main" val="830919294"/>
       </p:ext>
     </p:extLst>
   </p:cSld>
@@ -6158,2812 +5726,6 @@
         </p:txBody>
       </p:sp>
     </p:spTree>
-  </p:cSld>
-  <p:clrMapOvr>
-    <a:masterClrMapping/>
-  </p:clrMapOvr>
-</p:sld>
-</file>
-
-<file path=ppt/slides/slide2.xml><?xml version="1.0" encoding="utf-8"?>
-<p:sld xmlns:a="http://schemas.openxmlformats.org/drawingml/2006/main" xmlns:r="http://schemas.openxmlformats.org/officeDocument/2006/relationships" xmlns:p="http://schemas.openxmlformats.org/presentationml/2006/main">
-  <p:cSld>
-    <p:spTree>
-      <p:nvGrpSpPr>
-        <p:cNvPr id="1" name=""/>
-        <p:cNvGrpSpPr/>
-        <p:nvPr/>
-      </p:nvGrpSpPr>
-      <p:grpSpPr>
-        <a:xfrm>
-          <a:off x="0" y="0"/>
-          <a:ext cx="0" cy="0"/>
-          <a:chOff x="0" y="0"/>
-          <a:chExt cx="0" cy="0"/>
-        </a:xfrm>
-      </p:grpSpPr>
-      <p:sp>
-        <p:nvSpPr>
-          <p:cNvPr id="19" name="Title 18"/>
-          <p:cNvSpPr>
-            <a:spLocks noGrp="1"/>
-          </p:cNvSpPr>
-          <p:nvPr>
-            <p:ph type="title"/>
-          </p:nvPr>
-        </p:nvSpPr>
-        <p:spPr>
-          <a:solidFill>
-            <a:srgbClr val="1A4BA9"/>
-          </a:solidFill>
-          <a:ln>
-            <a:solidFill>
-              <a:srgbClr val="09306B"/>
-            </a:solidFill>
-          </a:ln>
-        </p:spPr>
-        <p:txBody>
-          <a:bodyPr/>
-          <a:lstStyle/>
-          <a:p>
-            <a:br>
-              <a:rPr lang="en-US" sz="6400"/>
-            </a:br>
-            <a:r>
-              <a:rPr lang="en-US" sz="4800"/>
-              <a:t>Project 10: CovIdentify</a:t>
-            </a:r>
-            <a:br>
-              <a:rPr lang="en-US" sz="4800"/>
-            </a:br>
-            <a:r>
-              <a:rPr lang="en-US" sz="4800"/>
-              <a:t>Sean Fiscus, Alyssa Shi, Yamil Lopez-Ruiz, Emmanuel Mokel</a:t>
-            </a:r>
-            <a:br>
-              <a:rPr lang="en-US" sz="4800"/>
-            </a:br>
-            <a:r>
-              <a:rPr lang="en-US" sz="4800"/>
-              <a:t>Duke University BIG IDEAS LAB</a:t>
-            </a:r>
-            <a:br>
-              <a:rPr lang="en-US"/>
-            </a:br>
-            <a:endParaRPr lang="en-US"/>
-          </a:p>
-        </p:txBody>
-      </p:sp>
-      <p:sp>
-        <p:nvSpPr>
-          <p:cNvPr id="20" name="Text Placeholder 19"/>
-          <p:cNvSpPr>
-            <a:spLocks noGrp="1"/>
-          </p:cNvSpPr>
-          <p:nvPr>
-            <p:ph type="body" sz="quarter" idx="10"/>
-          </p:nvPr>
-        </p:nvSpPr>
-        <p:spPr>
-          <a:solidFill>
-            <a:srgbClr val="1A4BA9"/>
-          </a:solidFill>
-          <a:ln>
-            <a:solidFill>
-              <a:srgbClr val="09306B"/>
-            </a:solidFill>
-          </a:ln>
-        </p:spPr>
-        <p:txBody>
-          <a:bodyPr/>
-          <a:lstStyle/>
-          <a:p>
-            <a:r>
-              <a:rPr lang="en-US" sz="4800" dirty="0"/>
-              <a:t>Project Background</a:t>
-            </a:r>
-          </a:p>
-        </p:txBody>
-      </p:sp>
-      <p:sp>
-        <p:nvSpPr>
-          <p:cNvPr id="21" name="Text Placeholder 20"/>
-          <p:cNvSpPr>
-            <a:spLocks noGrp="1"/>
-          </p:cNvSpPr>
-          <p:nvPr>
-            <p:ph type="body" sz="quarter" idx="11"/>
-          </p:nvPr>
-        </p:nvSpPr>
-        <p:spPr/>
-        <p:txBody>
-          <a:bodyPr vert="horz" lIns="78373" tIns="39187" rIns="78373" bIns="39187" anchor="t"/>
-          <a:lstStyle/>
-          <a:p>
-            <a:r>
-              <a:rPr lang="en-US" sz="3700" err="1">
-                <a:latin typeface="Arial"/>
-                <a:cs typeface="Arial"/>
-              </a:rPr>
-              <a:t>CovIdentify</a:t>
-            </a:r>
-            <a:r>
-              <a:rPr lang="en-US" sz="3700">
-                <a:latin typeface="Arial"/>
-                <a:cs typeface="Arial"/>
-              </a:rPr>
-              <a:t> is an ongoing study at Duke University focusing on using data from wearables to predict and diagnose COVID-19 and the Flu. Studies have shown that biomarkers like heart rate and steps coming from wearable devices such as Fitbit, Garmin, and Apple watches can indicate signs of COVID-19 several days earlier than symptoms arise.</a:t>
-            </a:r>
-            <a:r>
-              <a:rPr lang="en-US" sz="3700" baseline="30000">
-                <a:latin typeface="Arial"/>
-                <a:cs typeface="Arial"/>
-              </a:rPr>
-              <a:t>1,2</a:t>
-            </a:r>
-            <a:r>
-              <a:rPr lang="en-US" sz="3700">
-                <a:latin typeface="Arial"/>
-                <a:cs typeface="Arial"/>
-              </a:rPr>
-              <a:t>  This project builds on work previously done by the students in the  Masters in Interdisciplinary Data Science (MIDS) program, and the BIG IDEAS LAB led by Dr. </a:t>
-            </a:r>
-            <a:r>
-              <a:rPr lang="en-US" sz="3700" err="1">
-                <a:latin typeface="Arial"/>
-                <a:cs typeface="Arial"/>
-              </a:rPr>
-              <a:t>Jessilyn</a:t>
-            </a:r>
-            <a:r>
-              <a:rPr lang="en-US" sz="3700">
-                <a:latin typeface="Arial"/>
-                <a:cs typeface="Arial"/>
-              </a:rPr>
-              <a:t> Dunn.</a:t>
-            </a:r>
-          </a:p>
-        </p:txBody>
-      </p:sp>
-      <p:sp>
-        <p:nvSpPr>
-          <p:cNvPr id="22" name="Text Placeholder 21"/>
-          <p:cNvSpPr>
-            <a:spLocks noGrp="1"/>
-          </p:cNvSpPr>
-          <p:nvPr>
-            <p:ph type="body" sz="quarter" idx="12"/>
-          </p:nvPr>
-        </p:nvSpPr>
-        <p:spPr>
-          <a:solidFill>
-            <a:srgbClr val="1A4BA9"/>
-          </a:solidFill>
-          <a:ln>
-            <a:solidFill>
-              <a:srgbClr val="09306B"/>
-            </a:solidFill>
-          </a:ln>
-        </p:spPr>
-        <p:txBody>
-          <a:bodyPr/>
-          <a:lstStyle/>
-          <a:p>
-            <a:r>
-              <a:rPr lang="en-US" sz="4800" dirty="0"/>
-              <a:t>Objectives</a:t>
-            </a:r>
-          </a:p>
-        </p:txBody>
-      </p:sp>
-      <p:sp>
-        <p:nvSpPr>
-          <p:cNvPr id="23" name="Text Placeholder 22"/>
-          <p:cNvSpPr>
-            <a:spLocks noGrp="1"/>
-          </p:cNvSpPr>
-          <p:nvPr>
-            <p:ph type="body" sz="quarter" idx="13"/>
-          </p:nvPr>
-        </p:nvSpPr>
-        <p:spPr/>
-        <p:txBody>
-          <a:bodyPr vert="horz" lIns="78373" tIns="39187" rIns="78373" bIns="39187" anchor="t"/>
-          <a:lstStyle/>
-          <a:p>
-            <a:r>
-              <a:rPr lang="en-US" sz="3700" b="1">
-                <a:latin typeface="Arial"/>
-                <a:cs typeface="Arial"/>
-              </a:rPr>
-              <a:t>1. Improving memory usage of existing pipeline</a:t>
-            </a:r>
-            <a:endParaRPr lang="en-US" sz="3700" b="1">
-              <a:latin typeface="Arial"/>
-              <a:cs typeface="Times New Roman"/>
-            </a:endParaRPr>
-          </a:p>
-          <a:p>
-            <a:r>
-              <a:rPr lang="en-US" sz="3700" b="1">
-                <a:latin typeface="Arial"/>
-                <a:cs typeface="Arial"/>
-              </a:rPr>
-              <a:t>2. Adapting pipeline to incorporate efficient methods for data storage, remove redundant steps. </a:t>
-            </a:r>
-            <a:endParaRPr lang="en-US" sz="3700" b="1">
-              <a:latin typeface="Arial"/>
-              <a:cs typeface="Times New Roman"/>
-            </a:endParaRPr>
-          </a:p>
-          <a:p>
-            <a:r>
-              <a:rPr lang="en-US" sz="3700" b="1">
-                <a:latin typeface="Arial"/>
-                <a:cs typeface="Times New Roman"/>
-              </a:rPr>
-              <a:t>3. Implementing all data sources for preprocessing</a:t>
-            </a:r>
-          </a:p>
-          <a:p>
-            <a:r>
-              <a:rPr lang="en-US" sz="3700" b="1">
-                <a:latin typeface="Arial"/>
-                <a:cs typeface="Times New Roman"/>
-              </a:rPr>
-              <a:t>4. Assessing smart watch user adherence to data collection in data</a:t>
-            </a:r>
-          </a:p>
-        </p:txBody>
-      </p:sp>
-      <p:sp>
-        <p:nvSpPr>
-          <p:cNvPr id="24" name="Text Placeholder 23"/>
-          <p:cNvSpPr>
-            <a:spLocks noGrp="1"/>
-          </p:cNvSpPr>
-          <p:nvPr>
-            <p:ph type="body" sz="quarter" idx="14"/>
-          </p:nvPr>
-        </p:nvSpPr>
-        <p:spPr>
-          <a:xfrm>
-            <a:off x="696687" y="23996681"/>
-            <a:ext cx="13585370" cy="1066800"/>
-          </a:xfrm>
-          <a:solidFill>
-            <a:srgbClr val="1A4BA9"/>
-          </a:solidFill>
-          <a:ln>
-            <a:solidFill>
-              <a:srgbClr val="09306B"/>
-            </a:solidFill>
-          </a:ln>
-        </p:spPr>
-        <p:txBody>
-          <a:bodyPr vert="horz" lIns="78373" tIns="39187" rIns="78373" bIns="39187" anchor="t"/>
-          <a:lstStyle/>
-          <a:p>
-            <a:r>
-              <a:rPr lang="en-US" sz="4800"/>
-              <a:t>Methods/Applications</a:t>
-            </a:r>
-          </a:p>
-        </p:txBody>
-      </p:sp>
-      <p:sp>
-        <p:nvSpPr>
-          <p:cNvPr id="25" name="Text Placeholder 24"/>
-          <p:cNvSpPr>
-            <a:spLocks noGrp="1"/>
-          </p:cNvSpPr>
-          <p:nvPr>
-            <p:ph type="body" sz="quarter" idx="15"/>
-          </p:nvPr>
-        </p:nvSpPr>
-        <p:spPr>
-          <a:xfrm>
-            <a:off x="696687" y="25368281"/>
-            <a:ext cx="8553940" cy="7315200"/>
-          </a:xfrm>
-        </p:spPr>
-        <p:txBody>
-          <a:bodyPr vert="horz" lIns="78373" tIns="39187" rIns="78373" bIns="39187" anchor="t"/>
-          <a:lstStyle/>
-          <a:p>
-            <a:r>
-              <a:rPr lang="en-US" sz="3700" b="1" dirty="0">
-                <a:latin typeface="Arial"/>
-                <a:cs typeface="Times New Roman"/>
-              </a:rPr>
-              <a:t>Azure Machine Learning</a:t>
-            </a:r>
-          </a:p>
-          <a:p>
-            <a:pPr marL="571500" indent="-571500">
-              <a:buChar char="•"/>
-            </a:pPr>
-            <a:r>
-              <a:rPr lang="en-US" sz="3700" dirty="0">
-                <a:latin typeface="Arial"/>
-                <a:cs typeface="Times New Roman"/>
-              </a:rPr>
-              <a:t>A cloud-based service with virtual computers </a:t>
-            </a:r>
-          </a:p>
-          <a:p>
-            <a:pPr marL="571500" indent="-571500">
-              <a:buChar char="•"/>
-            </a:pPr>
-            <a:r>
-              <a:rPr lang="en-US" sz="3700" dirty="0">
-                <a:latin typeface="Arial"/>
-                <a:cs typeface="Times New Roman"/>
-              </a:rPr>
-              <a:t>Where data was extracted, transformed, then loaded (ETL)  to storage</a:t>
-            </a:r>
-          </a:p>
-          <a:p>
-            <a:r>
-              <a:rPr lang="en-US" sz="3700" b="1" dirty="0">
-                <a:latin typeface="Arial"/>
-                <a:cs typeface="Times New Roman"/>
-              </a:rPr>
-              <a:t>Azure Data Studio</a:t>
-            </a:r>
-          </a:p>
-          <a:p>
-            <a:pPr marL="571500" indent="-571500">
-              <a:buFont typeface="Arial,Sans-Serif"/>
-              <a:buChar char="•"/>
-            </a:pPr>
-            <a:r>
-              <a:rPr lang="en-US" sz="3700" dirty="0">
-                <a:latin typeface="Arial"/>
-                <a:cs typeface="Times New Roman"/>
-              </a:rPr>
-              <a:t>Houses SQL databases where data is stored both before and after processing</a:t>
-            </a:r>
-          </a:p>
-          <a:p>
-            <a:pPr marL="571500" indent="-571500">
-              <a:buFont typeface="Arial,Sans-Serif"/>
-              <a:buChar char="•"/>
-            </a:pPr>
-            <a:endParaRPr lang="en-US" sz="4200" dirty="0">
-              <a:cs typeface="Times New Roman"/>
-            </a:endParaRPr>
-          </a:p>
-        </p:txBody>
-      </p:sp>
-      <p:sp>
-        <p:nvSpPr>
-          <p:cNvPr id="26" name="Text Placeholder 25"/>
-          <p:cNvSpPr>
-            <a:spLocks noGrp="1"/>
-          </p:cNvSpPr>
-          <p:nvPr>
-            <p:ph type="body" sz="quarter" idx="16"/>
-          </p:nvPr>
-        </p:nvSpPr>
-        <p:spPr>
-          <a:solidFill>
-            <a:srgbClr val="1A4BA9"/>
-          </a:solidFill>
-          <a:ln>
-            <a:solidFill>
-              <a:srgbClr val="09306B"/>
-            </a:solidFill>
-          </a:ln>
-        </p:spPr>
-        <p:txBody>
-          <a:bodyPr/>
-          <a:lstStyle/>
-          <a:p>
-            <a:r>
-              <a:rPr lang="en-US" sz="4800" dirty="0"/>
-              <a:t>Results</a:t>
-            </a:r>
-          </a:p>
-        </p:txBody>
-      </p:sp>
-      <p:sp>
-        <p:nvSpPr>
-          <p:cNvPr id="27" name="Text Placeholder 26"/>
-          <p:cNvSpPr>
-            <a:spLocks noGrp="1"/>
-          </p:cNvSpPr>
-          <p:nvPr>
-            <p:ph type="body" sz="quarter" idx="17"/>
-          </p:nvPr>
-        </p:nvSpPr>
-        <p:spPr>
-          <a:xfrm>
-            <a:off x="29609145" y="27081108"/>
-            <a:ext cx="13585370" cy="7315200"/>
-          </a:xfrm>
-        </p:spPr>
-        <p:txBody>
-          <a:bodyPr vert="horz" lIns="78373" tIns="39187" rIns="78373" bIns="39187" anchor="t"/>
-          <a:lstStyle/>
-          <a:p>
-            <a:pPr marL="742950" indent="-742950">
-              <a:buFont typeface="+mj-lt"/>
-              <a:buAutoNum type="arabicPeriod"/>
-            </a:pPr>
-            <a:r>
-              <a:rPr lang="en-US" sz="3400">
-                <a:effectLst/>
-                <a:latin typeface="Arial"/>
-                <a:cs typeface="Times New Roman"/>
-              </a:rPr>
-              <a:t>Mishra, </a:t>
-            </a:r>
-            <a:r>
-              <a:rPr lang="en-US" sz="3400" err="1">
-                <a:effectLst/>
-                <a:latin typeface="Arial"/>
-                <a:cs typeface="Times New Roman"/>
-              </a:rPr>
-              <a:t>Tejaswini</a:t>
-            </a:r>
-            <a:r>
-              <a:rPr lang="en-US" sz="3400">
-                <a:effectLst/>
-                <a:latin typeface="Arial"/>
-                <a:cs typeface="Times New Roman"/>
-              </a:rPr>
-              <a:t>, Meng Wang, Ahmed A. </a:t>
-            </a:r>
-            <a:r>
-              <a:rPr lang="en-US" sz="3400" err="1">
-                <a:effectLst/>
-                <a:latin typeface="Arial"/>
-                <a:cs typeface="Times New Roman"/>
-              </a:rPr>
-              <a:t>Metwally</a:t>
-            </a:r>
-            <a:r>
-              <a:rPr lang="en-US" sz="3400">
-                <a:effectLst/>
-                <a:latin typeface="Arial"/>
-                <a:cs typeface="Times New Roman"/>
-              </a:rPr>
-              <a:t>, </a:t>
-            </a:r>
-            <a:r>
-              <a:rPr lang="en-US" sz="3400" err="1">
-                <a:effectLst/>
-                <a:latin typeface="Arial"/>
-                <a:cs typeface="Times New Roman"/>
-              </a:rPr>
-              <a:t>Gireesh</a:t>
-            </a:r>
-            <a:r>
-              <a:rPr lang="en-US" sz="3400">
-                <a:effectLst/>
-                <a:latin typeface="Arial"/>
-                <a:cs typeface="Times New Roman"/>
-              </a:rPr>
-              <a:t> K. </a:t>
-            </a:r>
-            <a:r>
-              <a:rPr lang="en-US" sz="3400" err="1">
-                <a:effectLst/>
-                <a:latin typeface="Arial"/>
-                <a:cs typeface="Times New Roman"/>
-              </a:rPr>
-              <a:t>Bogu</a:t>
-            </a:r>
-            <a:r>
-              <a:rPr lang="en-US" sz="3400">
-                <a:effectLst/>
-                <a:latin typeface="Arial"/>
-                <a:cs typeface="Times New Roman"/>
-              </a:rPr>
-              <a:t>, Andrew W. Brooks, Amir Bahmani, </a:t>
-            </a:r>
-            <a:r>
-              <a:rPr lang="en-US" sz="3400" err="1">
-                <a:effectLst/>
-                <a:latin typeface="Arial"/>
-                <a:cs typeface="Times New Roman"/>
-              </a:rPr>
-              <a:t>Arash</a:t>
-            </a:r>
-            <a:r>
-              <a:rPr lang="en-US" sz="3400">
-                <a:effectLst/>
-                <a:latin typeface="Arial"/>
-                <a:cs typeface="Times New Roman"/>
-              </a:rPr>
-              <a:t> </a:t>
-            </a:r>
-            <a:r>
-              <a:rPr lang="en-US" sz="3400" err="1">
-                <a:effectLst/>
-                <a:latin typeface="Arial"/>
-                <a:cs typeface="Times New Roman"/>
-              </a:rPr>
-              <a:t>Alavi</a:t>
-            </a:r>
-            <a:r>
-              <a:rPr lang="en-US" sz="3400">
-                <a:effectLst/>
-                <a:latin typeface="Arial"/>
-                <a:cs typeface="Times New Roman"/>
-              </a:rPr>
-              <a:t>, et al. “Early Detection Of COVID-19 Using A Smartwatch.” </a:t>
-            </a:r>
-            <a:r>
-              <a:rPr lang="en-US" sz="3400" i="1" err="1">
-                <a:effectLst/>
-                <a:latin typeface="Arial"/>
-                <a:cs typeface="Times New Roman"/>
-              </a:rPr>
-              <a:t>MedRxiv</a:t>
-            </a:r>
-            <a:r>
-              <a:rPr lang="en-US" sz="3400">
-                <a:effectLst/>
-                <a:latin typeface="Arial"/>
-                <a:cs typeface="Times New Roman"/>
-              </a:rPr>
-              <a:t>, July 7, 2020, 2020.07.06.20147512. </a:t>
-            </a:r>
-            <a:r>
-              <a:rPr lang="en-US" sz="3400">
-                <a:effectLst/>
-                <a:latin typeface="Arial"/>
-                <a:cs typeface="Times New Roman"/>
-                <a:hlinkClick r:id="rId3"/>
-              </a:rPr>
-              <a:t>https://doi.org/10.1101/2020.07.06.20147512</a:t>
-            </a:r>
-            <a:r>
-              <a:rPr lang="en-US" sz="3400">
-                <a:effectLst/>
-                <a:latin typeface="Arial"/>
-                <a:cs typeface="Times New Roman"/>
-              </a:rPr>
-              <a:t>.</a:t>
-            </a:r>
-            <a:endParaRPr lang="en-US" sz="3400">
-              <a:latin typeface="Arial"/>
-              <a:cs typeface="Times New Roman"/>
-            </a:endParaRPr>
-          </a:p>
-          <a:p>
-            <a:pPr marL="742950" indent="-742950">
-              <a:buFont typeface="+mj-lt"/>
-              <a:buAutoNum type="arabicPeriod"/>
-            </a:pPr>
-            <a:r>
-              <a:rPr lang="en-US" sz="3400">
-                <a:effectLst/>
-                <a:latin typeface="Arial"/>
-                <a:cs typeface="Times New Roman"/>
-              </a:rPr>
-              <a:t>Natarajan, Aravind, Hao-Wei </a:t>
-            </a:r>
-            <a:r>
-              <a:rPr lang="en-US" sz="3400" err="1">
-                <a:effectLst/>
-                <a:latin typeface="Arial"/>
-                <a:cs typeface="Times New Roman"/>
-              </a:rPr>
-              <a:t>Su</a:t>
-            </a:r>
-            <a:r>
-              <a:rPr lang="en-US" sz="3400">
-                <a:effectLst/>
-                <a:latin typeface="Arial"/>
-                <a:cs typeface="Times New Roman"/>
-              </a:rPr>
-              <a:t>, and Conor Heneghan. “Assessment of Physiological Signs Associated with COVID-19 Measured Using Wearable Devices.” </a:t>
-            </a:r>
-            <a:r>
-              <a:rPr lang="en-US" sz="3400" i="1" err="1">
-                <a:effectLst/>
-                <a:latin typeface="Arial"/>
-                <a:cs typeface="Times New Roman"/>
-              </a:rPr>
-              <a:t>Npj</a:t>
-            </a:r>
-            <a:r>
-              <a:rPr lang="en-US" sz="3400" i="1">
-                <a:effectLst/>
-                <a:latin typeface="Arial"/>
-                <a:cs typeface="Times New Roman"/>
-              </a:rPr>
-              <a:t> Digital Medicine</a:t>
-            </a:r>
-            <a:r>
-              <a:rPr lang="en-US" sz="3400">
-                <a:effectLst/>
-                <a:latin typeface="Arial"/>
-                <a:cs typeface="Times New Roman"/>
-              </a:rPr>
-              <a:t> 3, no. 1 (November 30, 2020): 1–8. </a:t>
-            </a:r>
-            <a:r>
-              <a:rPr lang="en-US" sz="3400">
-                <a:effectLst/>
-                <a:latin typeface="Arial"/>
-                <a:cs typeface="Times New Roman"/>
-                <a:hlinkClick r:id="rId4"/>
-              </a:rPr>
-              <a:t>https://doi.org/10.1038/s41746-020-00363-7</a:t>
-            </a:r>
-            <a:r>
-              <a:rPr lang="en-US" sz="3400">
-                <a:effectLst/>
-                <a:latin typeface="Arial"/>
-                <a:cs typeface="Times New Roman"/>
-              </a:rPr>
-              <a:t>.</a:t>
-            </a:r>
-          </a:p>
-          <a:p>
-            <a:pPr marL="742950" indent="-742950">
-              <a:buFont typeface="+mj-lt"/>
-              <a:buAutoNum type="arabicPeriod"/>
-            </a:pPr>
-            <a:endParaRPr lang="en-US" sz="3200">
-              <a:effectLst/>
-              <a:latin typeface="Times New Roman"/>
-              <a:cs typeface="Times New Roman"/>
-            </a:endParaRPr>
-          </a:p>
-          <a:p>
-            <a:pPr marL="742950" indent="-742950">
-              <a:buFont typeface="+mj-lt"/>
-              <a:buAutoNum type="arabicPeriod"/>
-            </a:pPr>
-            <a:endParaRPr lang="en-US" sz="4200">
-              <a:latin typeface="Times New Roman"/>
-              <a:cs typeface="Times New Roman"/>
-            </a:endParaRPr>
-          </a:p>
-        </p:txBody>
-      </p:sp>
-      <p:sp>
-        <p:nvSpPr>
-          <p:cNvPr id="28" name="Text Placeholder 27"/>
-          <p:cNvSpPr>
-            <a:spLocks noGrp="1"/>
-          </p:cNvSpPr>
-          <p:nvPr>
-            <p:ph type="body" sz="quarter" idx="18"/>
-          </p:nvPr>
-        </p:nvSpPr>
-        <p:spPr>
-          <a:xfrm>
-            <a:off x="29609145" y="19013572"/>
-            <a:ext cx="13585370" cy="1066800"/>
-          </a:xfrm>
-          <a:solidFill>
-            <a:srgbClr val="1A4BA9"/>
-          </a:solidFill>
-          <a:ln>
-            <a:solidFill>
-              <a:srgbClr val="09306B"/>
-            </a:solidFill>
-          </a:ln>
-        </p:spPr>
-        <p:txBody>
-          <a:bodyPr vert="horz" lIns="78373" tIns="39187" rIns="78373" bIns="39187" anchor="t"/>
-          <a:lstStyle/>
-          <a:p>
-            <a:r>
-              <a:rPr lang="en-US" sz="4800"/>
-              <a:t>Accomplishments/Next Steps</a:t>
-            </a:r>
-          </a:p>
-        </p:txBody>
-      </p:sp>
-      <p:sp>
-        <p:nvSpPr>
-          <p:cNvPr id="29" name="Text Placeholder 28"/>
-          <p:cNvSpPr>
-            <a:spLocks noGrp="1"/>
-          </p:cNvSpPr>
-          <p:nvPr>
-            <p:ph type="body" sz="quarter" idx="19"/>
-          </p:nvPr>
-        </p:nvSpPr>
-        <p:spPr>
-          <a:xfrm>
-            <a:off x="29609145" y="20251357"/>
-            <a:ext cx="13585370" cy="6598549"/>
-          </a:xfrm>
-        </p:spPr>
-        <p:txBody>
-          <a:bodyPr vert="horz" lIns="78373" tIns="39187" rIns="78373" bIns="39187" anchor="t"/>
-          <a:lstStyle/>
-          <a:p>
-            <a:pPr marL="0" indent="0">
-              <a:buNone/>
-            </a:pPr>
-            <a:r>
-              <a:rPr lang="en-US" sz="3700" b="1">
-                <a:latin typeface="Arial"/>
-                <a:cs typeface="Times New Roman"/>
-              </a:rPr>
-              <a:t>Key Accomplishments</a:t>
-            </a:r>
-          </a:p>
-          <a:p>
-            <a:pPr marL="1309370" indent="-1309370"/>
-            <a:r>
-              <a:rPr lang="en-US" sz="3700">
-                <a:latin typeface="Arial"/>
-                <a:cs typeface="Times New Roman"/>
-              </a:rPr>
-              <a:t>Reduced memory usage of the ETL pipeline</a:t>
-            </a:r>
-          </a:p>
-          <a:p>
-            <a:pPr marL="1309370" indent="-1309370"/>
-            <a:r>
-              <a:rPr lang="en-US" sz="3700">
-                <a:latin typeface="Arial"/>
-                <a:cs typeface="Times New Roman"/>
-              </a:rPr>
-              <a:t>Expanded type and resolution of data in storage</a:t>
-            </a:r>
-          </a:p>
-          <a:p>
-            <a:pPr marL="1309370" indent="-1309370"/>
-            <a:r>
-              <a:rPr lang="en-US" sz="3700">
-                <a:latin typeface="Arial"/>
-                <a:cs typeface="Times New Roman"/>
-              </a:rPr>
-              <a:t>Created a foundation for future wearable data processing </a:t>
-            </a:r>
-          </a:p>
-          <a:p>
-            <a:pPr marL="0" indent="0">
-              <a:buNone/>
-            </a:pPr>
-            <a:r>
-              <a:rPr lang="en-US" sz="3700" b="1">
-                <a:latin typeface="Arial"/>
-                <a:cs typeface="Times New Roman"/>
-              </a:rPr>
-              <a:t>Next Steps</a:t>
-            </a:r>
-          </a:p>
-          <a:p>
-            <a:pPr marL="1309370" indent="-1309370"/>
-            <a:r>
-              <a:rPr lang="en-US" sz="3700">
-                <a:latin typeface="Arial"/>
-                <a:cs typeface="Times New Roman"/>
-              </a:rPr>
-              <a:t>Integrating iOS data</a:t>
-            </a:r>
-          </a:p>
-          <a:p>
-            <a:pPr marL="1309370" indent="-1309370"/>
-            <a:r>
-              <a:rPr lang="en-US" sz="3700">
-                <a:latin typeface="Arial"/>
-                <a:cs typeface="Times New Roman"/>
-              </a:rPr>
-              <a:t>Continue analyzing and applying machine learning algorithms to data</a:t>
-            </a:r>
-          </a:p>
-        </p:txBody>
-      </p:sp>
-      <p:sp>
-        <p:nvSpPr>
-          <p:cNvPr id="30" name="Text Placeholder 29"/>
-          <p:cNvSpPr>
-            <a:spLocks noGrp="1"/>
-          </p:cNvSpPr>
-          <p:nvPr>
-            <p:ph type="body" sz="quarter" idx="20"/>
-          </p:nvPr>
-        </p:nvSpPr>
-        <p:spPr>
-          <a:xfrm>
-            <a:off x="29609145" y="25870086"/>
-            <a:ext cx="13585370" cy="1066800"/>
-          </a:xfrm>
-          <a:solidFill>
-            <a:srgbClr val="1A4BA9"/>
-          </a:solidFill>
-          <a:ln>
-            <a:solidFill>
-              <a:srgbClr val="09306B"/>
-            </a:solidFill>
-          </a:ln>
-        </p:spPr>
-        <p:txBody>
-          <a:bodyPr vert="horz" lIns="78373" tIns="39187" rIns="78373" bIns="39187" anchor="t"/>
-          <a:lstStyle/>
-          <a:p>
-            <a:r>
-              <a:rPr lang="en-US" sz="4800"/>
-              <a:t>References</a:t>
-            </a:r>
-          </a:p>
-        </p:txBody>
-      </p:sp>
-      <p:sp>
-        <p:nvSpPr>
-          <p:cNvPr id="31" name="Text Placeholder 30"/>
-          <p:cNvSpPr>
-            <a:spLocks noGrp="1"/>
-          </p:cNvSpPr>
-          <p:nvPr>
-            <p:ph type="body" sz="quarter" idx="21"/>
-          </p:nvPr>
-        </p:nvSpPr>
-        <p:spPr>
-          <a:xfrm>
-            <a:off x="15152917" y="5478222"/>
-            <a:ext cx="13585370" cy="26670000"/>
-          </a:xfrm>
-        </p:spPr>
-        <p:txBody>
-          <a:bodyPr vert="horz" lIns="78373" tIns="39187" rIns="78373" bIns="39187" anchor="t"/>
-          <a:lstStyle/>
-          <a:p>
-            <a:r>
-              <a:rPr lang="en-US" sz="3700" b="1">
-                <a:latin typeface="Arial"/>
-                <a:ea typeface="+mn-lt"/>
-                <a:cs typeface="+mn-lt"/>
-              </a:rPr>
-              <a:t>1. Memory Efficiency Improvements</a:t>
-            </a:r>
-            <a:endParaRPr lang="en-US" sz="3700" b="1">
-              <a:latin typeface="Arial"/>
-              <a:cs typeface="Times New Roman"/>
-            </a:endParaRPr>
-          </a:p>
-          <a:p>
-            <a:r>
-              <a:rPr lang="en-US" sz="3700" b="1">
-                <a:latin typeface="Arial"/>
-                <a:ea typeface="+mn-lt"/>
-                <a:cs typeface="+mn-lt"/>
-              </a:rPr>
-              <a:t>Problem</a:t>
-            </a:r>
-            <a:r>
-              <a:rPr lang="en-US" sz="3700">
-                <a:latin typeface="Arial"/>
-                <a:ea typeface="+mn-lt"/>
-                <a:cs typeface="+mn-lt"/>
-              </a:rPr>
-              <a:t>: After data was read into python from the initial SQL database, it was appended to a quickly-growing Pandas </a:t>
-            </a:r>
-            <a:r>
-              <a:rPr lang="en-US" sz="3700" err="1">
-                <a:latin typeface="Arial"/>
-                <a:ea typeface="+mn-lt"/>
-                <a:cs typeface="+mn-lt"/>
-              </a:rPr>
-              <a:t>dataframe</a:t>
-            </a:r>
-            <a:r>
-              <a:rPr lang="en-US" sz="3700">
-                <a:latin typeface="Arial"/>
-                <a:ea typeface="+mn-lt"/>
-                <a:cs typeface="+mn-lt"/>
-              </a:rPr>
-              <a:t> at two different locations in the pipeline. Using Azure Cloud Services, the team needed to find a way to avoid this large RAM storage. </a:t>
-            </a:r>
-            <a:endParaRPr lang="en-US" sz="3700">
-              <a:latin typeface="Arial"/>
-              <a:cs typeface="Times New Roman"/>
-            </a:endParaRPr>
-          </a:p>
-          <a:p>
-            <a:r>
-              <a:rPr lang="en-US" sz="3700" b="1">
-                <a:latin typeface="Arial"/>
-                <a:ea typeface="+mn-lt"/>
-                <a:cs typeface="+mn-lt"/>
-              </a:rPr>
-              <a:t>Solution</a:t>
-            </a:r>
-            <a:r>
-              <a:rPr lang="en-US" sz="3700">
-                <a:latin typeface="Arial"/>
-                <a:ea typeface="+mn-lt"/>
-                <a:cs typeface="+mn-lt"/>
-              </a:rPr>
-              <a:t>: Implemented batch-pulling method to pull from the database; added a row-by-row normalization and exportation to csv process. </a:t>
-            </a:r>
-            <a:endParaRPr lang="en-US" sz="3700">
-              <a:latin typeface="Arial"/>
-              <a:cs typeface="Times New Roman"/>
-            </a:endParaRPr>
-          </a:p>
-          <a:p>
-            <a:endParaRPr lang="en-US" sz="3700" b="1">
-              <a:latin typeface="Arial"/>
-              <a:ea typeface="+mn-lt"/>
-              <a:cs typeface="+mn-lt"/>
-            </a:endParaRPr>
-          </a:p>
-          <a:p>
-            <a:r>
-              <a:rPr lang="en-US" sz="3700" b="1">
-                <a:latin typeface="Arial"/>
-                <a:ea typeface="+mn-lt"/>
-                <a:cs typeface="+mn-lt"/>
-              </a:rPr>
-              <a:t>2. Pipeline Speed and Simplification</a:t>
-            </a:r>
-            <a:endParaRPr lang="en-US" sz="3700" b="1">
-              <a:latin typeface="Arial"/>
-              <a:cs typeface="Times New Roman"/>
-            </a:endParaRPr>
-          </a:p>
-          <a:p>
-            <a:r>
-              <a:rPr lang="en-US" sz="3700" b="1">
-                <a:latin typeface="Arial"/>
-                <a:ea typeface="+mn-lt"/>
-                <a:cs typeface="+mn-lt"/>
-              </a:rPr>
-              <a:t>Problem</a:t>
-            </a:r>
-            <a:r>
-              <a:rPr lang="en-US" sz="3700">
-                <a:latin typeface="Arial"/>
-                <a:ea typeface="+mn-lt"/>
-                <a:cs typeface="+mn-lt"/>
-              </a:rPr>
-              <a:t>: Multi-step pipeline with redundant data transfers and stores; data upload speeds now slower with new implementation for improving memory efficiency</a:t>
-            </a:r>
-            <a:endParaRPr lang="en-US" sz="3700">
-              <a:latin typeface="Arial"/>
-              <a:cs typeface="Times New Roman"/>
-            </a:endParaRPr>
-          </a:p>
-          <a:p>
-            <a:r>
-              <a:rPr lang="en-US" sz="3700" b="1">
-                <a:latin typeface="Arial"/>
-                <a:ea typeface="+mn-lt"/>
-                <a:cs typeface="+mn-lt"/>
-              </a:rPr>
-              <a:t>Solution</a:t>
-            </a:r>
-            <a:r>
-              <a:rPr lang="en-US" sz="3700">
-                <a:latin typeface="Arial"/>
-                <a:ea typeface="+mn-lt"/>
-                <a:cs typeface="+mn-lt"/>
-              </a:rPr>
-              <a:t>: Tested use of pickle files as potentially faster data storage method; created Python scripts to write directly to new SQL database after normalization, cutting out need for csv/pickle.</a:t>
-            </a:r>
-            <a:endParaRPr lang="en-US" sz="3700">
-              <a:latin typeface="Arial"/>
-              <a:cs typeface="Times New Roman"/>
-            </a:endParaRPr>
-          </a:p>
-          <a:p>
-            <a:endParaRPr lang="en-US" sz="4000">
-              <a:latin typeface="Arial"/>
-              <a:cs typeface="Times New Roman"/>
-            </a:endParaRPr>
-          </a:p>
-          <a:p>
-            <a:endParaRPr lang="en-US" sz="4000">
-              <a:latin typeface="Arial"/>
-              <a:cs typeface="Times New Roman"/>
-            </a:endParaRPr>
-          </a:p>
-          <a:p>
-            <a:endParaRPr lang="en-US" sz="4000">
-              <a:latin typeface="Arial"/>
-              <a:cs typeface="Times New Roman"/>
-            </a:endParaRPr>
-          </a:p>
-          <a:p>
-            <a:endParaRPr lang="en-US" sz="4000">
-              <a:latin typeface="Arial"/>
-              <a:cs typeface="Times New Roman"/>
-            </a:endParaRPr>
-          </a:p>
-          <a:p>
-            <a:endParaRPr lang="en-US" sz="4000">
-              <a:latin typeface="Arial"/>
-              <a:cs typeface="Times New Roman"/>
-            </a:endParaRPr>
-          </a:p>
-          <a:p>
-            <a:endParaRPr lang="en-US" sz="4000">
-              <a:latin typeface="Arial"/>
-              <a:cs typeface="Times New Roman"/>
-            </a:endParaRPr>
-          </a:p>
-          <a:p>
-            <a:endParaRPr lang="en-US" sz="4000">
-              <a:latin typeface="Arial"/>
-              <a:cs typeface="Times New Roman"/>
-            </a:endParaRPr>
-          </a:p>
-          <a:p>
-            <a:br>
-              <a:rPr lang="en-US" sz="4200"/>
-            </a:br>
-            <a:endParaRPr lang="en-US" sz="4100">
-              <a:latin typeface="Arial"/>
-              <a:cs typeface="Times New Roman"/>
-            </a:endParaRPr>
-          </a:p>
-          <a:p>
-            <a:endParaRPr lang="en-US" sz="4100" b="1">
-              <a:latin typeface="Arial"/>
-              <a:ea typeface="+mn-lt"/>
-              <a:cs typeface="+mn-lt"/>
-            </a:endParaRPr>
-          </a:p>
-          <a:p>
-            <a:endParaRPr lang="en-US" sz="4100" b="1">
-              <a:latin typeface="Arial"/>
-              <a:ea typeface="+mn-lt"/>
-              <a:cs typeface="+mn-lt"/>
-            </a:endParaRPr>
-          </a:p>
-          <a:p>
-            <a:endParaRPr lang="en-US" sz="3700" b="1">
-              <a:latin typeface="Arial"/>
-              <a:ea typeface="+mn-lt"/>
-              <a:cs typeface="+mn-lt"/>
-            </a:endParaRPr>
-          </a:p>
-          <a:p>
-            <a:endParaRPr lang="en-US" sz="3700" b="1">
-              <a:latin typeface="Arial"/>
-              <a:ea typeface="+mn-lt"/>
-              <a:cs typeface="+mn-lt"/>
-            </a:endParaRPr>
-          </a:p>
-          <a:p>
-            <a:endParaRPr lang="en-US" sz="3700" b="1">
-              <a:latin typeface="Arial"/>
-              <a:ea typeface="+mn-lt"/>
-              <a:cs typeface="+mn-lt"/>
-            </a:endParaRPr>
-          </a:p>
-          <a:p>
-            <a:endParaRPr lang="en-US" sz="3700" b="1">
-              <a:latin typeface="Arial"/>
-              <a:ea typeface="+mn-lt"/>
-              <a:cs typeface="+mn-lt"/>
-            </a:endParaRPr>
-          </a:p>
-          <a:p>
-            <a:endParaRPr lang="en-US" sz="3700" b="1">
-              <a:latin typeface="Arial"/>
-              <a:ea typeface="+mn-lt"/>
-              <a:cs typeface="+mn-lt"/>
-            </a:endParaRPr>
-          </a:p>
-          <a:p>
-            <a:endParaRPr lang="en-US" sz="3700" b="1">
-              <a:latin typeface="Arial"/>
-              <a:ea typeface="+mn-lt"/>
-              <a:cs typeface="+mn-lt"/>
-            </a:endParaRPr>
-          </a:p>
-          <a:p>
-            <a:endParaRPr lang="en-US" sz="3700" b="1">
-              <a:latin typeface="Arial"/>
-              <a:ea typeface="+mn-lt"/>
-              <a:cs typeface="+mn-lt"/>
-            </a:endParaRPr>
-          </a:p>
-          <a:p>
-            <a:r>
-              <a:rPr lang="en-US" sz="3700" b="1">
-                <a:latin typeface="Arial"/>
-                <a:ea typeface="+mn-lt"/>
-                <a:cs typeface="+mn-lt"/>
-              </a:rPr>
-              <a:t>3. Data Type Expansion</a:t>
-            </a:r>
-            <a:endParaRPr lang="en-US" sz="3700">
-              <a:latin typeface="Arial"/>
-              <a:cs typeface="Times New Roman"/>
-            </a:endParaRPr>
-          </a:p>
-          <a:p>
-            <a:r>
-              <a:rPr lang="en-US" sz="3700" b="1">
-                <a:latin typeface="Arial"/>
-                <a:ea typeface="+mn-lt"/>
-                <a:cs typeface="+mn-lt"/>
-              </a:rPr>
-              <a:t>Problem</a:t>
-            </a:r>
-            <a:r>
-              <a:rPr lang="en-US" sz="3700">
-                <a:latin typeface="Arial"/>
-                <a:ea typeface="+mn-lt"/>
-                <a:cs typeface="+mn-lt"/>
-              </a:rPr>
-              <a:t>: Data types from users absent from final database</a:t>
-            </a:r>
-          </a:p>
-          <a:p>
-            <a:r>
-              <a:rPr lang="en-US" sz="3700" b="1">
-                <a:latin typeface="Arial"/>
-                <a:ea typeface="+mn-lt"/>
-                <a:cs typeface="+mn-lt"/>
-              </a:rPr>
-              <a:t>Solution</a:t>
-            </a:r>
-            <a:r>
-              <a:rPr lang="en-US" sz="3700">
-                <a:latin typeface="Arial"/>
-                <a:ea typeface="+mn-lt"/>
-                <a:cs typeface="+mn-lt"/>
-              </a:rPr>
-              <a:t>:</a:t>
-            </a:r>
-            <a:r>
-              <a:rPr lang="en-US" sz="3700">
-                <a:latin typeface="Arial"/>
-                <a:ea typeface="+mn-lt"/>
-                <a:cs typeface="Times New Roman"/>
-              </a:rPr>
-              <a:t> </a:t>
-            </a:r>
-            <a:r>
-              <a:rPr lang="en-US" sz="3700">
-                <a:latin typeface="Arial"/>
-                <a:ea typeface="+mn-lt"/>
-                <a:cs typeface="Arial"/>
-              </a:rPr>
-              <a:t>Added pipeline capability to normalize minute-by-minute Fitbit resting heart rate, steps, and sleep data recorded after user sign-up</a:t>
-            </a:r>
-            <a:endParaRPr lang="en-US" sz="3700">
-              <a:ea typeface="+mn-lt"/>
-              <a:cs typeface="+mn-lt"/>
-            </a:endParaRPr>
-          </a:p>
-          <a:p>
-            <a:endParaRPr lang="en-US" sz="3700">
-              <a:latin typeface="Arial"/>
-              <a:ea typeface="+mn-lt"/>
-              <a:cs typeface="+mn-lt"/>
-            </a:endParaRPr>
-          </a:p>
-          <a:p>
-            <a:endParaRPr lang="en-US" sz="3700" b="1">
-              <a:latin typeface="Arial"/>
-              <a:ea typeface="+mn-lt"/>
-              <a:cs typeface="+mn-lt"/>
-            </a:endParaRPr>
-          </a:p>
-          <a:p>
-            <a:endParaRPr lang="en-US" sz="3700" b="1">
-              <a:latin typeface="Arial"/>
-              <a:cs typeface="Times New Roman"/>
-            </a:endParaRPr>
-          </a:p>
-          <a:p>
-            <a:endParaRPr lang="en-US" sz="4100">
-              <a:latin typeface="Arial"/>
-              <a:cs typeface="Times New Roman"/>
-            </a:endParaRPr>
-          </a:p>
-          <a:p>
-            <a:br>
-              <a:rPr lang="en-US"/>
-            </a:br>
-            <a:endParaRPr lang="en-US" sz="4100">
-              <a:latin typeface="Arial"/>
-              <a:cs typeface="Times New Roman"/>
-            </a:endParaRPr>
-          </a:p>
-          <a:p>
-            <a:br>
-              <a:rPr lang="en-US"/>
-            </a:br>
-            <a:endParaRPr lang="en-US" sz="4100">
-              <a:latin typeface="Arial"/>
-              <a:cs typeface="Times New Roman"/>
-            </a:endParaRPr>
-          </a:p>
-          <a:p>
-            <a:br>
-              <a:rPr lang="en-US"/>
-            </a:br>
-            <a:endParaRPr lang="en-US" sz="4100">
-              <a:latin typeface="Arial"/>
-              <a:cs typeface="Times New Roman"/>
-            </a:endParaRPr>
-          </a:p>
-        </p:txBody>
-      </p:sp>
-      <p:pic>
-        <p:nvPicPr>
-          <p:cNvPr id="1030" name="Picture 6">
-            <a:extLst>
-              <a:ext uri="{FF2B5EF4-FFF2-40B4-BE49-F238E27FC236}">
-                <a16:creationId xmlns:a16="http://schemas.microsoft.com/office/drawing/2014/main" id="{5235F62B-B2A3-4F2E-B304-54F50B911236}"/>
-              </a:ext>
-            </a:extLst>
-          </p:cNvPr>
-          <p:cNvPicPr>
-            <a:picLocks noChangeAspect="1" noChangeArrowheads="1"/>
-          </p:cNvPicPr>
-          <p:nvPr/>
-        </p:nvPicPr>
-        <p:blipFill>
-          <a:blip r:embed="rId5">
-            <a:clrChange>
-              <a:clrFrom>
-                <a:srgbClr val="FFFFFF"/>
-              </a:clrFrom>
-              <a:clrTo>
-                <a:srgbClr val="FFFFFF">
-                  <a:alpha val="0"/>
-                </a:srgbClr>
-              </a:clrTo>
-            </a:clrChange>
-            <a:duotone>
-              <a:prstClr val="black"/>
-              <a:schemeClr val="bg1">
-                <a:tint val="45000"/>
-                <a:satMod val="400000"/>
-              </a:schemeClr>
-            </a:duotone>
-            <a:extLst>
-              <a:ext uri="{BEBA8EAE-BF5A-486C-A8C5-ECC9F3942E4B}">
-                <a14:imgProps xmlns:a14="http://schemas.microsoft.com/office/drawing/2010/main">
-                  <a14:imgLayer r:embed="rId6">
-                    <a14:imgEffect>
-                      <a14:sharpenSoften amount="-50000"/>
-                    </a14:imgEffect>
-                    <a14:imgEffect>
-                      <a14:colorTemperature colorTemp="4700"/>
-                    </a14:imgEffect>
-                    <a14:imgEffect>
-                      <a14:brightnessContrast bright="95000"/>
-                    </a14:imgEffect>
-                  </a14:imgLayer>
-                </a14:imgProps>
-              </a:ext>
-              <a:ext uri="{28A0092B-C50C-407E-A947-70E740481C1C}">
-                <a14:useLocalDpi xmlns:a14="http://schemas.microsoft.com/office/drawing/2010/main"/>
-              </a:ext>
-            </a:extLst>
-          </a:blip>
-          <a:srcRect/>
-          <a:stretch>
-            <a:fillRect/>
-          </a:stretch>
-        </p:blipFill>
-        <p:spPr bwMode="auto">
-          <a:xfrm>
-            <a:off x="35650127" y="609600"/>
-            <a:ext cx="7133618" cy="3352800"/>
-          </a:xfrm>
-          <a:prstGeom prst="rect">
-            <a:avLst/>
-          </a:prstGeom>
-          <a:noFill/>
-          <a:extLst>
-            <a:ext uri="{909E8E84-426E-40DD-AFC4-6F175D3DCCD1}">
-              <a14:hiddenFill xmlns:a14="http://schemas.microsoft.com/office/drawing/2010/main">
-                <a:solidFill>
-                  <a:srgbClr val="FFFFFF"/>
-                </a:solidFill>
-              </a14:hiddenFill>
-            </a:ext>
-          </a:extLst>
-        </p:spPr>
-      </p:pic>
-      <p:pic>
-        <p:nvPicPr>
-          <p:cNvPr id="1032" name="Picture 8" descr="Data Science Interdisciplinary Master&amp;#39;s Program | Duke University">
-            <a:extLst>
-              <a:ext uri="{FF2B5EF4-FFF2-40B4-BE49-F238E27FC236}">
-                <a16:creationId xmlns:a16="http://schemas.microsoft.com/office/drawing/2014/main" id="{DC5CB995-FA15-4DA6-BD3C-06BE6668E1B8}"/>
-              </a:ext>
-            </a:extLst>
-          </p:cNvPr>
-          <p:cNvPicPr>
-            <a:picLocks noChangeAspect="1" noChangeArrowheads="1"/>
-          </p:cNvPicPr>
-          <p:nvPr/>
-        </p:nvPicPr>
-        <p:blipFill rotWithShape="1">
-          <a:blip r:embed="rId7">
-            <a:extLst>
-              <a:ext uri="{28A0092B-C50C-407E-A947-70E740481C1C}">
-                <a14:useLocalDpi xmlns:a14="http://schemas.microsoft.com/office/drawing/2010/main"/>
-              </a:ext>
-            </a:extLst>
-          </a:blip>
-          <a:srcRect r="-326"/>
-          <a:stretch/>
-        </p:blipFill>
-        <p:spPr bwMode="auto">
-          <a:xfrm>
-            <a:off x="921546" y="11767279"/>
-            <a:ext cx="6581137" cy="1741723"/>
-          </a:xfrm>
-          <a:prstGeom prst="rect">
-            <a:avLst/>
-          </a:prstGeom>
-          <a:noFill/>
-          <a:extLst>
-            <a:ext uri="{909E8E84-426E-40DD-AFC4-6F175D3DCCD1}">
-              <a14:hiddenFill xmlns:a14="http://schemas.microsoft.com/office/drawing/2010/main">
-                <a:solidFill>
-                  <a:srgbClr val="FFFFFF"/>
-                </a:solidFill>
-              </a14:hiddenFill>
-            </a:ext>
-          </a:extLst>
-        </p:spPr>
-      </p:pic>
-      <p:pic>
-        <p:nvPicPr>
-          <p:cNvPr id="1034" name="Picture 10" descr="Azure Machine Learning Service: Part 1 — An Introduction | by Pankaj  Jainani | Towards Data Science">
-            <a:extLst>
-              <a:ext uri="{FF2B5EF4-FFF2-40B4-BE49-F238E27FC236}">
-                <a16:creationId xmlns:a16="http://schemas.microsoft.com/office/drawing/2014/main" id="{6A303BFA-E7A6-41E9-92D1-41BCCF0001E4}"/>
-              </a:ext>
-            </a:extLst>
-          </p:cNvPr>
-          <p:cNvPicPr>
-            <a:picLocks noChangeAspect="1" noChangeArrowheads="1"/>
-          </p:cNvPicPr>
-          <p:nvPr/>
-        </p:nvPicPr>
-        <p:blipFill rotWithShape="1">
-          <a:blip r:embed="rId8">
-            <a:extLst>
-              <a:ext uri="{28A0092B-C50C-407E-A947-70E740481C1C}">
-                <a14:useLocalDpi xmlns:a14="http://schemas.microsoft.com/office/drawing/2010/main"/>
-              </a:ext>
-            </a:extLst>
-          </a:blip>
-          <a:srcRect/>
-          <a:stretch/>
-        </p:blipFill>
-        <p:spPr bwMode="auto">
-          <a:xfrm>
-            <a:off x="9425012" y="25585689"/>
-            <a:ext cx="4911056" cy="3056742"/>
-          </a:xfrm>
-          <a:prstGeom prst="rect">
-            <a:avLst/>
-          </a:prstGeom>
-          <a:noFill/>
-          <a:extLst>
-            <a:ext uri="{909E8E84-426E-40DD-AFC4-6F175D3DCCD1}">
-              <a14:hiddenFill xmlns:a14="http://schemas.microsoft.com/office/drawing/2010/main">
-                <a:solidFill>
-                  <a:srgbClr val="FFFFFF"/>
-                </a:solidFill>
-              </a14:hiddenFill>
-            </a:ext>
-          </a:extLst>
-        </p:spPr>
-      </p:pic>
-      <p:pic>
-        <p:nvPicPr>
-          <p:cNvPr id="1040" name="Picture 16">
-            <a:extLst>
-              <a:ext uri="{FF2B5EF4-FFF2-40B4-BE49-F238E27FC236}">
-                <a16:creationId xmlns:a16="http://schemas.microsoft.com/office/drawing/2014/main" id="{E6C3B12D-5C23-437A-B9B9-05FEE7D7549D}"/>
-              </a:ext>
-            </a:extLst>
-          </p:cNvPr>
-          <p:cNvPicPr>
-            <a:picLocks noChangeAspect="1" noChangeArrowheads="1"/>
-          </p:cNvPicPr>
-          <p:nvPr/>
-        </p:nvPicPr>
-        <p:blipFill>
-          <a:blip r:embed="rId9">
-            <a:extLst>
-              <a:ext uri="{28A0092B-C50C-407E-A947-70E740481C1C}">
-                <a14:useLocalDpi xmlns:a14="http://schemas.microsoft.com/office/drawing/2010/main"/>
-              </a:ext>
-            </a:extLst>
-          </a:blip>
-          <a:srcRect/>
-          <a:stretch>
-            <a:fillRect/>
-          </a:stretch>
-        </p:blipFill>
-        <p:spPr bwMode="auto">
-          <a:xfrm>
-            <a:off x="1354432" y="1024311"/>
-            <a:ext cx="7862328" cy="2426291"/>
-          </a:xfrm>
-          <a:prstGeom prst="rect">
-            <a:avLst/>
-          </a:prstGeom>
-          <a:noFill/>
-          <a:extLst>
-            <a:ext uri="{909E8E84-426E-40DD-AFC4-6F175D3DCCD1}">
-              <a14:hiddenFill xmlns:a14="http://schemas.microsoft.com/office/drawing/2010/main">
-                <a:solidFill>
-                  <a:srgbClr val="FFFFFF"/>
-                </a:solidFill>
-              </a14:hiddenFill>
-            </a:ext>
-          </a:extLst>
-        </p:spPr>
-      </p:pic>
-      <p:pic>
-        <p:nvPicPr>
-          <p:cNvPr id="1042" name="Picture 18">
-            <a:extLst>
-              <a:ext uri="{FF2B5EF4-FFF2-40B4-BE49-F238E27FC236}">
-                <a16:creationId xmlns:a16="http://schemas.microsoft.com/office/drawing/2014/main" id="{1E7F867F-6CDA-40F4-8484-3D6426762ED3}"/>
-              </a:ext>
-            </a:extLst>
-          </p:cNvPr>
-          <p:cNvPicPr>
-            <a:picLocks noChangeAspect="1" noChangeArrowheads="1"/>
-          </p:cNvPicPr>
-          <p:nvPr/>
-        </p:nvPicPr>
-        <p:blipFill>
-          <a:blip r:embed="rId10">
-            <a:extLst>
-              <a:ext uri="{28A0092B-C50C-407E-A947-70E740481C1C}">
-                <a14:useLocalDpi xmlns:a14="http://schemas.microsoft.com/office/drawing/2010/main"/>
-              </a:ext>
-            </a:extLst>
-          </a:blip>
-          <a:srcRect/>
-          <a:stretch>
-            <a:fillRect/>
-          </a:stretch>
-        </p:blipFill>
-        <p:spPr bwMode="auto">
-          <a:xfrm>
-            <a:off x="2359396" y="19707516"/>
-            <a:ext cx="10232561" cy="4367212"/>
-          </a:xfrm>
-          <a:prstGeom prst="rect">
-            <a:avLst/>
-          </a:prstGeom>
-          <a:noFill/>
-          <a:extLst>
-            <a:ext uri="{909E8E84-426E-40DD-AFC4-6F175D3DCCD1}">
-              <a14:hiddenFill xmlns:a14="http://schemas.microsoft.com/office/drawing/2010/main">
-                <a:solidFill>
-                  <a:srgbClr val="FFFFFF"/>
-                </a:solidFill>
-              </a14:hiddenFill>
-            </a:ext>
-          </a:extLst>
-        </p:spPr>
-      </p:pic>
-      <p:pic>
-        <p:nvPicPr>
-          <p:cNvPr id="1044" name="Picture 20" descr="CovIdentify – A DUKE UNIVERSITY STUDY">
-            <a:extLst>
-              <a:ext uri="{FF2B5EF4-FFF2-40B4-BE49-F238E27FC236}">
-                <a16:creationId xmlns:a16="http://schemas.microsoft.com/office/drawing/2014/main" id="{B1BA1C4D-D60D-4C7E-906A-60ED9CD2DBC3}"/>
-              </a:ext>
-            </a:extLst>
-          </p:cNvPr>
-          <p:cNvPicPr>
-            <a:picLocks noChangeAspect="1" noChangeArrowheads="1"/>
-          </p:cNvPicPr>
-          <p:nvPr/>
-        </p:nvPicPr>
-        <p:blipFill rotWithShape="1">
-          <a:blip r:embed="rId11">
-            <a:extLst>
-              <a:ext uri="{28A0092B-C50C-407E-A947-70E740481C1C}">
-                <a14:useLocalDpi xmlns:a14="http://schemas.microsoft.com/office/drawing/2010/main"/>
-              </a:ext>
-            </a:extLst>
-          </a:blip>
-          <a:srcRect/>
-          <a:stretch/>
-        </p:blipFill>
-        <p:spPr bwMode="auto">
-          <a:xfrm>
-            <a:off x="7288337" y="11248088"/>
-            <a:ext cx="6606924" cy="2783377"/>
-          </a:xfrm>
-          <a:prstGeom prst="rect">
-            <a:avLst/>
-          </a:prstGeom>
-          <a:noFill/>
-          <a:extLst>
-            <a:ext uri="{909E8E84-426E-40DD-AFC4-6F175D3DCCD1}">
-              <a14:hiddenFill xmlns:a14="http://schemas.microsoft.com/office/drawing/2010/main">
-                <a:solidFill>
-                  <a:srgbClr val="FFFFFF"/>
-                </a:solidFill>
-              </a14:hiddenFill>
-            </a:ext>
-          </a:extLst>
-        </p:spPr>
-      </p:pic>
-      <p:pic>
-        <p:nvPicPr>
-          <p:cNvPr id="3" name="Picture 3" descr="Logo, icon&#10;&#10;Description automatically generated">
-            <a:extLst>
-              <a:ext uri="{FF2B5EF4-FFF2-40B4-BE49-F238E27FC236}">
-                <a16:creationId xmlns:a16="http://schemas.microsoft.com/office/drawing/2014/main" id="{B50FE4CF-BEDC-415D-9474-E3A2E332BBBF}"/>
-              </a:ext>
-            </a:extLst>
-          </p:cNvPr>
-          <p:cNvPicPr>
-            <a:picLocks noChangeAspect="1"/>
-          </p:cNvPicPr>
-          <p:nvPr/>
-        </p:nvPicPr>
-        <p:blipFill>
-          <a:blip r:embed="rId12"/>
-          <a:stretch>
-            <a:fillRect/>
-          </a:stretch>
-        </p:blipFill>
-        <p:spPr>
-          <a:xfrm>
-            <a:off x="9763642" y="28708815"/>
-            <a:ext cx="3810000" cy="3810000"/>
-          </a:xfrm>
-          <a:prstGeom prst="rect">
-            <a:avLst/>
-          </a:prstGeom>
-        </p:spPr>
-      </p:pic>
-      <p:sp>
-        <p:nvSpPr>
-          <p:cNvPr id="5" name="Text Placeholder 20">
-            <a:extLst>
-              <a:ext uri="{FF2B5EF4-FFF2-40B4-BE49-F238E27FC236}">
-                <a16:creationId xmlns:a16="http://schemas.microsoft.com/office/drawing/2014/main" id="{F3F244D1-F95E-49FC-AB2F-C025039FFCC5}"/>
-              </a:ext>
-            </a:extLst>
-          </p:cNvPr>
-          <p:cNvSpPr txBox="1">
-            <a:spLocks/>
-          </p:cNvSpPr>
-          <p:nvPr/>
-        </p:nvSpPr>
-        <p:spPr>
-          <a:xfrm>
-            <a:off x="29619233" y="4453054"/>
-            <a:ext cx="13585370" cy="8686800"/>
-          </a:xfrm>
-          <a:prstGeom prst="rect">
-            <a:avLst/>
-          </a:prstGeom>
-        </p:spPr>
-        <p:txBody>
-          <a:bodyPr vert="horz" lIns="78373" tIns="39187" rIns="78373" bIns="39187" anchor="t"/>
-          <a:lstStyle>
-            <a:lvl1pPr marL="0" indent="0" algn="l" defTabSz="3493094" rtl="0" eaLnBrk="1" latinLnBrk="0" hangingPunct="1">
-              <a:spcBef>
-                <a:spcPct val="20000"/>
-              </a:spcBef>
-              <a:buFont typeface="Arial" pitchFamily="34" charset="0"/>
-              <a:buNone/>
-              <a:defRPr sz="2800" kern="1200" baseline="0">
-                <a:solidFill>
-                  <a:schemeClr val="tx1"/>
-                </a:solidFill>
-                <a:latin typeface="+mn-lt"/>
-                <a:ea typeface="+mn-ea"/>
-                <a:cs typeface="+mn-cs"/>
-              </a:defRPr>
-            </a:lvl1pPr>
-            <a:lvl2pPr marL="397308" indent="0" algn="l" defTabSz="3493094" rtl="0" eaLnBrk="1" latinLnBrk="0" hangingPunct="1">
-              <a:spcBef>
-                <a:spcPct val="20000"/>
-              </a:spcBef>
-              <a:buFont typeface="Arial" pitchFamily="34" charset="0"/>
-              <a:buNone/>
-              <a:defRPr sz="2800" kern="1200" baseline="0">
-                <a:solidFill>
-                  <a:schemeClr val="tx1"/>
-                </a:solidFill>
-                <a:latin typeface="+mn-lt"/>
-                <a:ea typeface="+mn-ea"/>
-                <a:cs typeface="+mn-cs"/>
-              </a:defRPr>
-            </a:lvl2pPr>
-            <a:lvl3pPr marL="772848" indent="0" algn="l" defTabSz="3493094" rtl="0" eaLnBrk="1" latinLnBrk="0" hangingPunct="1">
-              <a:spcBef>
-                <a:spcPct val="20000"/>
-              </a:spcBef>
-              <a:buFont typeface="Arial" pitchFamily="34" charset="0"/>
-              <a:buNone/>
-              <a:defRPr sz="2800" kern="1200" baseline="0">
-                <a:solidFill>
-                  <a:schemeClr val="tx1"/>
-                </a:solidFill>
-                <a:latin typeface="+mn-lt"/>
-                <a:ea typeface="+mn-ea"/>
-                <a:cs typeface="+mn-cs"/>
-              </a:defRPr>
-            </a:lvl3pPr>
-            <a:lvl4pPr marL="6112916" indent="-873274" algn="l" defTabSz="3493094" rtl="0" eaLnBrk="1" latinLnBrk="0" hangingPunct="1">
-              <a:spcBef>
-                <a:spcPct val="20000"/>
-              </a:spcBef>
-              <a:buFont typeface="Arial" pitchFamily="34" charset="0"/>
-              <a:buChar char="–"/>
-              <a:defRPr sz="2800" kern="1200">
-                <a:solidFill>
-                  <a:schemeClr val="tx1"/>
-                </a:solidFill>
-                <a:latin typeface="+mn-lt"/>
-                <a:ea typeface="+mn-ea"/>
-                <a:cs typeface="+mn-cs"/>
-              </a:defRPr>
-            </a:lvl4pPr>
-            <a:lvl5pPr marL="7859464" indent="-873274" algn="l" defTabSz="3493094" rtl="0" eaLnBrk="1" latinLnBrk="0" hangingPunct="1">
-              <a:spcBef>
-                <a:spcPct val="20000"/>
-              </a:spcBef>
-              <a:buFont typeface="Arial" pitchFamily="34" charset="0"/>
-              <a:buChar char="»"/>
-              <a:defRPr sz="2800" kern="1200">
-                <a:solidFill>
-                  <a:schemeClr val="tx1"/>
-                </a:solidFill>
-                <a:latin typeface="+mn-lt"/>
-                <a:ea typeface="+mn-ea"/>
-                <a:cs typeface="+mn-cs"/>
-              </a:defRPr>
-            </a:lvl5pPr>
-            <a:lvl6pPr marL="9606010" indent="-873274" algn="l" defTabSz="3493094" rtl="0" eaLnBrk="1" latinLnBrk="0" hangingPunct="1">
-              <a:spcBef>
-                <a:spcPct val="20000"/>
-              </a:spcBef>
-              <a:buFont typeface="Arial" pitchFamily="34" charset="0"/>
-              <a:buChar char="•"/>
-              <a:defRPr sz="7800" kern="1200">
-                <a:solidFill>
-                  <a:schemeClr val="tx1"/>
-                </a:solidFill>
-                <a:latin typeface="+mn-lt"/>
-                <a:ea typeface="+mn-ea"/>
-                <a:cs typeface="+mn-cs"/>
-              </a:defRPr>
-            </a:lvl6pPr>
-            <a:lvl7pPr marL="11352556" indent="-873274" algn="l" defTabSz="3493094" rtl="0" eaLnBrk="1" latinLnBrk="0" hangingPunct="1">
-              <a:spcBef>
-                <a:spcPct val="20000"/>
-              </a:spcBef>
-              <a:buFont typeface="Arial" pitchFamily="34" charset="0"/>
-              <a:buChar char="•"/>
-              <a:defRPr sz="7800" kern="1200">
-                <a:solidFill>
-                  <a:schemeClr val="tx1"/>
-                </a:solidFill>
-                <a:latin typeface="+mn-lt"/>
-                <a:ea typeface="+mn-ea"/>
-                <a:cs typeface="+mn-cs"/>
-              </a:defRPr>
-            </a:lvl7pPr>
-            <a:lvl8pPr marL="13099106" indent="-873274" algn="l" defTabSz="3493094" rtl="0" eaLnBrk="1" latinLnBrk="0" hangingPunct="1">
-              <a:spcBef>
-                <a:spcPct val="20000"/>
-              </a:spcBef>
-              <a:buFont typeface="Arial" pitchFamily="34" charset="0"/>
-              <a:buChar char="•"/>
-              <a:defRPr sz="7800" kern="1200">
-                <a:solidFill>
-                  <a:schemeClr val="tx1"/>
-                </a:solidFill>
-                <a:latin typeface="+mn-lt"/>
-                <a:ea typeface="+mn-ea"/>
-                <a:cs typeface="+mn-cs"/>
-              </a:defRPr>
-            </a:lvl8pPr>
-            <a:lvl9pPr marL="14845652" indent="-873274" algn="l" defTabSz="3493094" rtl="0" eaLnBrk="1" latinLnBrk="0" hangingPunct="1">
-              <a:spcBef>
-                <a:spcPct val="20000"/>
-              </a:spcBef>
-              <a:buFont typeface="Arial" pitchFamily="34" charset="0"/>
-              <a:buChar char="•"/>
-              <a:defRPr sz="7800" kern="1200">
-                <a:solidFill>
-                  <a:schemeClr val="tx1"/>
-                </a:solidFill>
-                <a:latin typeface="+mn-lt"/>
-                <a:ea typeface="+mn-ea"/>
-                <a:cs typeface="+mn-cs"/>
-              </a:defRPr>
-            </a:lvl9pPr>
-          </a:lstStyle>
-          <a:p>
-            <a:endParaRPr lang="en-US" sz="4200">
-              <a:cs typeface="Times New Roman"/>
-            </a:endParaRPr>
-          </a:p>
-        </p:txBody>
-      </p:sp>
-      <p:sp>
-        <p:nvSpPr>
-          <p:cNvPr id="6" name="Text Placeholder 20">
-            <a:extLst>
-              <a:ext uri="{FF2B5EF4-FFF2-40B4-BE49-F238E27FC236}">
-                <a16:creationId xmlns:a16="http://schemas.microsoft.com/office/drawing/2014/main" id="{818D63E3-4384-4A20-BBF8-75A2C3E5132E}"/>
-              </a:ext>
-            </a:extLst>
-          </p:cNvPr>
-          <p:cNvSpPr txBox="1">
-            <a:spLocks/>
-          </p:cNvSpPr>
-          <p:nvPr/>
-        </p:nvSpPr>
-        <p:spPr>
-          <a:xfrm>
-            <a:off x="29378367" y="4453054"/>
-            <a:ext cx="13585370" cy="8686800"/>
-          </a:xfrm>
-          <a:prstGeom prst="rect">
-            <a:avLst/>
-          </a:prstGeom>
-        </p:spPr>
-        <p:txBody>
-          <a:bodyPr vert="horz" lIns="78373" tIns="39187" rIns="78373" bIns="39187" anchor="t"/>
-          <a:lstStyle>
-            <a:lvl1pPr marL="0" indent="0" algn="l" defTabSz="3493094" rtl="0" eaLnBrk="1" latinLnBrk="0" hangingPunct="1">
-              <a:spcBef>
-                <a:spcPct val="20000"/>
-              </a:spcBef>
-              <a:buFont typeface="Arial" pitchFamily="34" charset="0"/>
-              <a:buNone/>
-              <a:defRPr sz="2800" kern="1200" baseline="0">
-                <a:solidFill>
-                  <a:schemeClr val="tx1"/>
-                </a:solidFill>
-                <a:latin typeface="+mn-lt"/>
-                <a:ea typeface="+mn-ea"/>
-                <a:cs typeface="+mn-cs"/>
-              </a:defRPr>
-            </a:lvl1pPr>
-            <a:lvl2pPr marL="397308" indent="0" algn="l" defTabSz="3493094" rtl="0" eaLnBrk="1" latinLnBrk="0" hangingPunct="1">
-              <a:spcBef>
-                <a:spcPct val="20000"/>
-              </a:spcBef>
-              <a:buFont typeface="Arial" pitchFamily="34" charset="0"/>
-              <a:buNone/>
-              <a:defRPr sz="2800" kern="1200" baseline="0">
-                <a:solidFill>
-                  <a:schemeClr val="tx1"/>
-                </a:solidFill>
-                <a:latin typeface="+mn-lt"/>
-                <a:ea typeface="+mn-ea"/>
-                <a:cs typeface="+mn-cs"/>
-              </a:defRPr>
-            </a:lvl2pPr>
-            <a:lvl3pPr marL="772848" indent="0" algn="l" defTabSz="3493094" rtl="0" eaLnBrk="1" latinLnBrk="0" hangingPunct="1">
-              <a:spcBef>
-                <a:spcPct val="20000"/>
-              </a:spcBef>
-              <a:buFont typeface="Arial" pitchFamily="34" charset="0"/>
-              <a:buNone/>
-              <a:defRPr sz="2800" kern="1200" baseline="0">
-                <a:solidFill>
-                  <a:schemeClr val="tx1"/>
-                </a:solidFill>
-                <a:latin typeface="+mn-lt"/>
-                <a:ea typeface="+mn-ea"/>
-                <a:cs typeface="+mn-cs"/>
-              </a:defRPr>
-            </a:lvl3pPr>
-            <a:lvl4pPr marL="6112916" indent="-873274" algn="l" defTabSz="3493094" rtl="0" eaLnBrk="1" latinLnBrk="0" hangingPunct="1">
-              <a:spcBef>
-                <a:spcPct val="20000"/>
-              </a:spcBef>
-              <a:buFont typeface="Arial" pitchFamily="34" charset="0"/>
-              <a:buChar char="–"/>
-              <a:defRPr sz="2800" kern="1200">
-                <a:solidFill>
-                  <a:schemeClr val="tx1"/>
-                </a:solidFill>
-                <a:latin typeface="+mn-lt"/>
-                <a:ea typeface="+mn-ea"/>
-                <a:cs typeface="+mn-cs"/>
-              </a:defRPr>
-            </a:lvl4pPr>
-            <a:lvl5pPr marL="7859464" indent="-873274" algn="l" defTabSz="3493094" rtl="0" eaLnBrk="1" latinLnBrk="0" hangingPunct="1">
-              <a:spcBef>
-                <a:spcPct val="20000"/>
-              </a:spcBef>
-              <a:buFont typeface="Arial" pitchFamily="34" charset="0"/>
-              <a:buChar char="»"/>
-              <a:defRPr sz="2800" kern="1200">
-                <a:solidFill>
-                  <a:schemeClr val="tx1"/>
-                </a:solidFill>
-                <a:latin typeface="+mn-lt"/>
-                <a:ea typeface="+mn-ea"/>
-                <a:cs typeface="+mn-cs"/>
-              </a:defRPr>
-            </a:lvl5pPr>
-            <a:lvl6pPr marL="9606010" indent="-873274" algn="l" defTabSz="3493094" rtl="0" eaLnBrk="1" latinLnBrk="0" hangingPunct="1">
-              <a:spcBef>
-                <a:spcPct val="20000"/>
-              </a:spcBef>
-              <a:buFont typeface="Arial" pitchFamily="34" charset="0"/>
-              <a:buChar char="•"/>
-              <a:defRPr sz="7800" kern="1200">
-                <a:solidFill>
-                  <a:schemeClr val="tx1"/>
-                </a:solidFill>
-                <a:latin typeface="+mn-lt"/>
-                <a:ea typeface="+mn-ea"/>
-                <a:cs typeface="+mn-cs"/>
-              </a:defRPr>
-            </a:lvl6pPr>
-            <a:lvl7pPr marL="11352556" indent="-873274" algn="l" defTabSz="3493094" rtl="0" eaLnBrk="1" latinLnBrk="0" hangingPunct="1">
-              <a:spcBef>
-                <a:spcPct val="20000"/>
-              </a:spcBef>
-              <a:buFont typeface="Arial" pitchFamily="34" charset="0"/>
-              <a:buChar char="•"/>
-              <a:defRPr sz="7800" kern="1200">
-                <a:solidFill>
-                  <a:schemeClr val="tx1"/>
-                </a:solidFill>
-                <a:latin typeface="+mn-lt"/>
-                <a:ea typeface="+mn-ea"/>
-                <a:cs typeface="+mn-cs"/>
-              </a:defRPr>
-            </a:lvl7pPr>
-            <a:lvl8pPr marL="13099106" indent="-873274" algn="l" defTabSz="3493094" rtl="0" eaLnBrk="1" latinLnBrk="0" hangingPunct="1">
-              <a:spcBef>
-                <a:spcPct val="20000"/>
-              </a:spcBef>
-              <a:buFont typeface="Arial" pitchFamily="34" charset="0"/>
-              <a:buChar char="•"/>
-              <a:defRPr sz="7800" kern="1200">
-                <a:solidFill>
-                  <a:schemeClr val="tx1"/>
-                </a:solidFill>
-                <a:latin typeface="+mn-lt"/>
-                <a:ea typeface="+mn-ea"/>
-                <a:cs typeface="+mn-cs"/>
-              </a:defRPr>
-            </a:lvl8pPr>
-            <a:lvl9pPr marL="14845652" indent="-873274" algn="l" defTabSz="3493094" rtl="0" eaLnBrk="1" latinLnBrk="0" hangingPunct="1">
-              <a:spcBef>
-                <a:spcPct val="20000"/>
-              </a:spcBef>
-              <a:buFont typeface="Arial" pitchFamily="34" charset="0"/>
-              <a:buChar char="•"/>
-              <a:defRPr sz="7800" kern="1200">
-                <a:solidFill>
-                  <a:schemeClr val="tx1"/>
-                </a:solidFill>
-                <a:latin typeface="+mn-lt"/>
-                <a:ea typeface="+mn-ea"/>
-                <a:cs typeface="+mn-cs"/>
-              </a:defRPr>
-            </a:lvl9pPr>
-          </a:lstStyle>
-          <a:p>
-            <a:endParaRPr lang="en-US" sz="4200">
-              <a:cs typeface="Times New Roman"/>
-            </a:endParaRPr>
-          </a:p>
-        </p:txBody>
-      </p:sp>
-      <p:pic>
-        <p:nvPicPr>
-          <p:cNvPr id="8" name="Graphic 8">
-            <a:extLst>
-              <a:ext uri="{FF2B5EF4-FFF2-40B4-BE49-F238E27FC236}">
-                <a16:creationId xmlns:a16="http://schemas.microsoft.com/office/drawing/2014/main" id="{21412202-8FD3-4BE4-8327-E7932B8463A5}"/>
-              </a:ext>
-            </a:extLst>
-          </p:cNvPr>
-          <p:cNvPicPr>
-            <a:picLocks noChangeAspect="1"/>
-          </p:cNvPicPr>
-          <p:nvPr/>
-        </p:nvPicPr>
-        <p:blipFill>
-          <a:blip r:embed="rId13">
-            <a:extLst>
-              <a:ext uri="{96DAC541-7B7A-43D3-8B79-37D633B846F1}">
-                <asvg:svgBlip xmlns:asvg="http://schemas.microsoft.com/office/drawing/2016/SVG/main" r:embed="rId14"/>
-              </a:ext>
-            </a:extLst>
-          </a:blip>
-          <a:stretch>
-            <a:fillRect/>
-          </a:stretch>
-        </p:blipFill>
-        <p:spPr>
-          <a:xfrm>
-            <a:off x="30958015" y="9206448"/>
-            <a:ext cx="10397397" cy="8296507"/>
-          </a:xfrm>
-          <a:prstGeom prst="rect">
-            <a:avLst/>
-          </a:prstGeom>
-        </p:spPr>
-      </p:pic>
-      <p:pic>
-        <p:nvPicPr>
-          <p:cNvPr id="36" name="Graphic 36">
-            <a:extLst>
-              <a:ext uri="{FF2B5EF4-FFF2-40B4-BE49-F238E27FC236}">
-                <a16:creationId xmlns:a16="http://schemas.microsoft.com/office/drawing/2014/main" id="{F74563FF-E53C-4807-B527-1107B6508879}"/>
-              </a:ext>
-            </a:extLst>
-          </p:cNvPr>
-          <p:cNvPicPr>
-            <a:picLocks noChangeAspect="1"/>
-          </p:cNvPicPr>
-          <p:nvPr/>
-        </p:nvPicPr>
-        <p:blipFill>
-          <a:blip r:embed="rId15">
-            <a:extLst>
-              <a:ext uri="{96DAC541-7B7A-43D3-8B79-37D633B846F1}">
-                <asvg:svgBlip xmlns:asvg="http://schemas.microsoft.com/office/drawing/2016/SVG/main" r:embed="rId16"/>
-              </a:ext>
-            </a:extLst>
-          </a:blip>
-          <a:stretch>
-            <a:fillRect/>
-          </a:stretch>
-        </p:blipFill>
-        <p:spPr>
-          <a:xfrm>
-            <a:off x="15165318" y="20491971"/>
-            <a:ext cx="10248577" cy="6677338"/>
-          </a:xfrm>
-          <a:prstGeom prst="rect">
-            <a:avLst/>
-          </a:prstGeom>
-        </p:spPr>
-      </p:pic>
-      <p:sp>
-        <p:nvSpPr>
-          <p:cNvPr id="7" name="Text Placeholder 20">
-            <a:extLst>
-              <a:ext uri="{FF2B5EF4-FFF2-40B4-BE49-F238E27FC236}">
-                <a16:creationId xmlns:a16="http://schemas.microsoft.com/office/drawing/2014/main" id="{699B39CF-910E-4A91-B9D4-92EB42DAA45D}"/>
-              </a:ext>
-            </a:extLst>
-          </p:cNvPr>
-          <p:cNvSpPr txBox="1">
-            <a:spLocks/>
-          </p:cNvSpPr>
-          <p:nvPr/>
-        </p:nvSpPr>
-        <p:spPr>
-          <a:xfrm>
-            <a:off x="29619233" y="4185427"/>
-            <a:ext cx="13585370" cy="8820611"/>
-          </a:xfrm>
-          <a:prstGeom prst="rect">
-            <a:avLst/>
-          </a:prstGeom>
-        </p:spPr>
-        <p:txBody>
-          <a:bodyPr vert="horz" lIns="78373" tIns="39187" rIns="78373" bIns="39187" anchor="t"/>
-          <a:lstStyle>
-            <a:lvl1pPr marL="0" indent="0" algn="l" defTabSz="3493094" rtl="0" eaLnBrk="1" latinLnBrk="0" hangingPunct="1">
-              <a:spcBef>
-                <a:spcPct val="20000"/>
-              </a:spcBef>
-              <a:buFont typeface="Arial" pitchFamily="34" charset="0"/>
-              <a:buNone/>
-              <a:defRPr sz="2800" kern="1200" baseline="0">
-                <a:solidFill>
-                  <a:schemeClr val="tx1"/>
-                </a:solidFill>
-                <a:latin typeface="+mn-lt"/>
-                <a:ea typeface="+mn-ea"/>
-                <a:cs typeface="+mn-cs"/>
-              </a:defRPr>
-            </a:lvl1pPr>
-            <a:lvl2pPr marL="397308" indent="0" algn="l" defTabSz="3493094" rtl="0" eaLnBrk="1" latinLnBrk="0" hangingPunct="1">
-              <a:spcBef>
-                <a:spcPct val="20000"/>
-              </a:spcBef>
-              <a:buFont typeface="Arial" pitchFamily="34" charset="0"/>
-              <a:buNone/>
-              <a:defRPr sz="2800" kern="1200" baseline="0">
-                <a:solidFill>
-                  <a:schemeClr val="tx1"/>
-                </a:solidFill>
-                <a:latin typeface="+mn-lt"/>
-                <a:ea typeface="+mn-ea"/>
-                <a:cs typeface="+mn-cs"/>
-              </a:defRPr>
-            </a:lvl2pPr>
-            <a:lvl3pPr marL="772848" indent="0" algn="l" defTabSz="3493094" rtl="0" eaLnBrk="1" latinLnBrk="0" hangingPunct="1">
-              <a:spcBef>
-                <a:spcPct val="20000"/>
-              </a:spcBef>
-              <a:buFont typeface="Arial" pitchFamily="34" charset="0"/>
-              <a:buNone/>
-              <a:defRPr sz="2800" kern="1200" baseline="0">
-                <a:solidFill>
-                  <a:schemeClr val="tx1"/>
-                </a:solidFill>
-                <a:latin typeface="+mn-lt"/>
-                <a:ea typeface="+mn-ea"/>
-                <a:cs typeface="+mn-cs"/>
-              </a:defRPr>
-            </a:lvl3pPr>
-            <a:lvl4pPr marL="6112916" indent="-873274" algn="l" defTabSz="3493094" rtl="0" eaLnBrk="1" latinLnBrk="0" hangingPunct="1">
-              <a:spcBef>
-                <a:spcPct val="20000"/>
-              </a:spcBef>
-              <a:buFont typeface="Arial" pitchFamily="34" charset="0"/>
-              <a:buChar char="–"/>
-              <a:defRPr sz="2800" kern="1200">
-                <a:solidFill>
-                  <a:schemeClr val="tx1"/>
-                </a:solidFill>
-                <a:latin typeface="+mn-lt"/>
-                <a:ea typeface="+mn-ea"/>
-                <a:cs typeface="+mn-cs"/>
-              </a:defRPr>
-            </a:lvl4pPr>
-            <a:lvl5pPr marL="7859464" indent="-873274" algn="l" defTabSz="3493094" rtl="0" eaLnBrk="1" latinLnBrk="0" hangingPunct="1">
-              <a:spcBef>
-                <a:spcPct val="20000"/>
-              </a:spcBef>
-              <a:buFont typeface="Arial" pitchFamily="34" charset="0"/>
-              <a:buChar char="»"/>
-              <a:defRPr sz="2800" kern="1200">
-                <a:solidFill>
-                  <a:schemeClr val="tx1"/>
-                </a:solidFill>
-                <a:latin typeface="+mn-lt"/>
-                <a:ea typeface="+mn-ea"/>
-                <a:cs typeface="+mn-cs"/>
-              </a:defRPr>
-            </a:lvl5pPr>
-            <a:lvl6pPr marL="9606010" indent="-873274" algn="l" defTabSz="3493094" rtl="0" eaLnBrk="1" latinLnBrk="0" hangingPunct="1">
-              <a:spcBef>
-                <a:spcPct val="20000"/>
-              </a:spcBef>
-              <a:buFont typeface="Arial" pitchFamily="34" charset="0"/>
-              <a:buChar char="•"/>
-              <a:defRPr sz="7800" kern="1200">
-                <a:solidFill>
-                  <a:schemeClr val="tx1"/>
-                </a:solidFill>
-                <a:latin typeface="+mn-lt"/>
-                <a:ea typeface="+mn-ea"/>
-                <a:cs typeface="+mn-cs"/>
-              </a:defRPr>
-            </a:lvl6pPr>
-            <a:lvl7pPr marL="11352556" indent="-873274" algn="l" defTabSz="3493094" rtl="0" eaLnBrk="1" latinLnBrk="0" hangingPunct="1">
-              <a:spcBef>
-                <a:spcPct val="20000"/>
-              </a:spcBef>
-              <a:buFont typeface="Arial" pitchFamily="34" charset="0"/>
-              <a:buChar char="•"/>
-              <a:defRPr sz="7800" kern="1200">
-                <a:solidFill>
-                  <a:schemeClr val="tx1"/>
-                </a:solidFill>
-                <a:latin typeface="+mn-lt"/>
-                <a:ea typeface="+mn-ea"/>
-                <a:cs typeface="+mn-cs"/>
-              </a:defRPr>
-            </a:lvl7pPr>
-            <a:lvl8pPr marL="13099106" indent="-873274" algn="l" defTabSz="3493094" rtl="0" eaLnBrk="1" latinLnBrk="0" hangingPunct="1">
-              <a:spcBef>
-                <a:spcPct val="20000"/>
-              </a:spcBef>
-              <a:buFont typeface="Arial" pitchFamily="34" charset="0"/>
-              <a:buChar char="•"/>
-              <a:defRPr sz="7800" kern="1200">
-                <a:solidFill>
-                  <a:schemeClr val="tx1"/>
-                </a:solidFill>
-                <a:latin typeface="+mn-lt"/>
-                <a:ea typeface="+mn-ea"/>
-                <a:cs typeface="+mn-cs"/>
-              </a:defRPr>
-            </a:lvl8pPr>
-            <a:lvl9pPr marL="14845652" indent="-873274" algn="l" defTabSz="3493094" rtl="0" eaLnBrk="1" latinLnBrk="0" hangingPunct="1">
-              <a:spcBef>
-                <a:spcPct val="20000"/>
-              </a:spcBef>
-              <a:buFont typeface="Arial" pitchFamily="34" charset="0"/>
-              <a:buChar char="•"/>
-              <a:defRPr sz="7800" kern="1200">
-                <a:solidFill>
-                  <a:schemeClr val="tx1"/>
-                </a:solidFill>
-                <a:latin typeface="+mn-lt"/>
-                <a:ea typeface="+mn-ea"/>
-                <a:cs typeface="+mn-cs"/>
-              </a:defRPr>
-            </a:lvl9pPr>
-          </a:lstStyle>
-          <a:p>
-            <a:r>
-              <a:rPr lang="en-US" sz="3700" b="1" dirty="0">
-                <a:latin typeface="Arial"/>
-                <a:cs typeface="Arial"/>
-              </a:rPr>
-              <a:t>4. User Adherence Analysis</a:t>
-            </a:r>
-            <a:endParaRPr lang="en-US" sz="3700" dirty="0">
-              <a:latin typeface="Arial"/>
-              <a:ea typeface="+mn-lt"/>
-              <a:cs typeface="+mn-lt"/>
-            </a:endParaRPr>
-          </a:p>
-          <a:p>
-            <a:r>
-              <a:rPr lang="en-US" sz="3700" b="1" dirty="0">
-                <a:latin typeface="Arial"/>
-                <a:cs typeface="Arial"/>
-              </a:rPr>
-              <a:t>Problem</a:t>
-            </a:r>
-            <a:r>
-              <a:rPr lang="en-US" sz="3700" dirty="0">
-                <a:latin typeface="Arial"/>
-                <a:cs typeface="Arial"/>
-              </a:rPr>
-              <a:t>: </a:t>
-            </a:r>
-            <a:r>
-              <a:rPr lang="en-US" sz="3700" dirty="0" err="1">
-                <a:latin typeface="Arial"/>
-                <a:cs typeface="Arial"/>
-              </a:rPr>
-              <a:t>CovIdentify's</a:t>
-            </a:r>
-            <a:r>
-              <a:rPr lang="en-US" sz="3700" dirty="0">
-                <a:latin typeface="Arial"/>
-                <a:cs typeface="Arial"/>
-              </a:rPr>
-              <a:t> smartwatch data currently unassessed in terms of users’ daily and inter-day adherence to recording data and is thus incomparable to other studies. </a:t>
-            </a:r>
-          </a:p>
-          <a:p>
-            <a:r>
-              <a:rPr lang="en-US" sz="3700" b="1" dirty="0">
-                <a:latin typeface="Arial"/>
-                <a:cs typeface="Arial"/>
-              </a:rPr>
-              <a:t>Solution</a:t>
-            </a:r>
-            <a:r>
-              <a:rPr lang="en-US" sz="3700" dirty="0">
-                <a:latin typeface="Arial"/>
-                <a:cs typeface="Arial"/>
-              </a:rPr>
-              <a:t>: Created SQL scripts to subset data by users’ adherence to devices. Can now set and monitor thresholds for minimum recording adherence for daily and inter-day timespans. </a:t>
-            </a:r>
-            <a:r>
-              <a:rPr lang="en-US" sz="3700" dirty="0">
-                <a:latin typeface="Arial"/>
-                <a:ea typeface="Times New Roman"/>
-                <a:cs typeface="Times New Roman"/>
-              </a:rPr>
-              <a:t>​</a:t>
-            </a:r>
-            <a:endParaRPr lang="en-US" sz="3700" dirty="0">
-              <a:latin typeface="Arial"/>
-              <a:cs typeface="Times New Roman"/>
-            </a:endParaRPr>
-          </a:p>
-        </p:txBody>
-      </p:sp>
-      <p:pic>
-        <p:nvPicPr>
-          <p:cNvPr id="2" name="Picture 3">
-            <a:extLst>
-              <a:ext uri="{FF2B5EF4-FFF2-40B4-BE49-F238E27FC236}">
-                <a16:creationId xmlns:a16="http://schemas.microsoft.com/office/drawing/2014/main" id="{6A4A28D5-6C38-4103-803A-295C73328BFA}"/>
-              </a:ext>
-            </a:extLst>
-          </p:cNvPr>
-          <p:cNvPicPr>
-            <a:picLocks noChangeAspect="1"/>
-          </p:cNvPicPr>
-          <p:nvPr/>
-        </p:nvPicPr>
-        <p:blipFill>
-          <a:blip r:embed="rId17"/>
-          <a:stretch>
-            <a:fillRect/>
-          </a:stretch>
-        </p:blipFill>
-        <p:spPr>
-          <a:xfrm>
-            <a:off x="18113042" y="16270396"/>
-            <a:ext cx="7263672" cy="2557299"/>
-          </a:xfrm>
-          <a:prstGeom prst="rect">
-            <a:avLst/>
-          </a:prstGeom>
-        </p:spPr>
-      </p:pic>
-      <p:sp>
-        <p:nvSpPr>
-          <p:cNvPr id="4" name="TextBox 3">
-            <a:extLst>
-              <a:ext uri="{FF2B5EF4-FFF2-40B4-BE49-F238E27FC236}">
-                <a16:creationId xmlns:a16="http://schemas.microsoft.com/office/drawing/2014/main" id="{48EB1000-E755-42C6-8A83-2B94B7455149}"/>
-              </a:ext>
-            </a:extLst>
-          </p:cNvPr>
-          <p:cNvSpPr txBox="1"/>
-          <p:nvPr/>
-        </p:nvSpPr>
-        <p:spPr>
-          <a:xfrm>
-            <a:off x="29619869" y="17461692"/>
-            <a:ext cx="13127216" cy="1384995"/>
-          </a:xfrm>
-          <a:prstGeom prst="rect">
-            <a:avLst/>
-          </a:prstGeom>
-          <a:noFill/>
-        </p:spPr>
-        <p:txBody>
-          <a:bodyPr rot="0" spcFirstLastPara="0" vertOverflow="overflow" horzOverflow="overflow" vert="horz" wrap="square" lIns="91440" tIns="45720" rIns="91440" bIns="45720" numCol="1" spcCol="0" rtlCol="0" fromWordArt="0" anchor="t" anchorCtr="0" forceAA="0" compatLnSpc="1">
-            <a:prstTxWarp prst="textNoShape">
-              <a:avLst/>
-            </a:prstTxWarp>
-            <a:spAutoFit/>
-          </a:bodyPr>
-          <a:lstStyle/>
-          <a:p>
-            <a:r>
-              <a:rPr lang="en-US" sz="2800" b="1" dirty="0">
-                <a:latin typeface="Arial"/>
-                <a:ea typeface="+mn-lt"/>
-                <a:cs typeface="+mn-lt"/>
-              </a:rPr>
-              <a:t>For four thresholds (2, 4, 6, and 8 hours), the number of days with data collected for longer than threshold is calculated for five selected participants.  </a:t>
-            </a:r>
-            <a:endParaRPr lang="en-US" sz="2800" dirty="0">
-              <a:latin typeface="Arial"/>
-            </a:endParaRPr>
-          </a:p>
-        </p:txBody>
-      </p:sp>
-      <p:sp>
-        <p:nvSpPr>
-          <p:cNvPr id="9" name="TextBox 8">
-            <a:extLst>
-              <a:ext uri="{FF2B5EF4-FFF2-40B4-BE49-F238E27FC236}">
-                <a16:creationId xmlns:a16="http://schemas.microsoft.com/office/drawing/2014/main" id="{3DC4FE7A-D63F-4D23-8807-C2C49C13BA20}"/>
-              </a:ext>
-            </a:extLst>
-          </p:cNvPr>
-          <p:cNvSpPr txBox="1"/>
-          <p:nvPr/>
-        </p:nvSpPr>
-        <p:spPr>
-          <a:xfrm>
-            <a:off x="15152917" y="27276659"/>
-            <a:ext cx="13180743" cy="1815882"/>
-          </a:xfrm>
-          <a:prstGeom prst="rect">
-            <a:avLst/>
-          </a:prstGeom>
-          <a:noFill/>
-        </p:spPr>
-        <p:txBody>
-          <a:bodyPr rot="0" spcFirstLastPara="0" vertOverflow="overflow" horzOverflow="overflow" vert="horz" wrap="square" lIns="91440" tIns="45720" rIns="91440" bIns="45720" numCol="1" spcCol="0" rtlCol="0" fromWordArt="0" anchor="t" anchorCtr="0" forceAA="0" compatLnSpc="1">
-            <a:prstTxWarp prst="textNoShape">
-              <a:avLst/>
-            </a:prstTxWarp>
-            <a:spAutoFit/>
-          </a:bodyPr>
-          <a:lstStyle/>
-          <a:p>
-            <a:r>
-              <a:rPr lang="en-US" sz="2800" b="1">
-                <a:latin typeface="Arial"/>
-                <a:ea typeface="+mn-lt"/>
-                <a:cs typeface="+mn-lt"/>
-              </a:rPr>
-              <a:t>Comparison of time taken for query, normalization, and writing to data storage type in original pipeline, modified csv upload and pickle upload with time taken for query, normalization, and writing to database in simplified pipeline.  </a:t>
-            </a:r>
-            <a:endParaRPr lang="en-US" sz="2800" b="1">
-              <a:latin typeface="Arial"/>
-            </a:endParaRPr>
-          </a:p>
-        </p:txBody>
-      </p:sp>
-      <p:sp>
-        <p:nvSpPr>
-          <p:cNvPr id="10" name="TextBox 9">
-            <a:extLst>
-              <a:ext uri="{FF2B5EF4-FFF2-40B4-BE49-F238E27FC236}">
-                <a16:creationId xmlns:a16="http://schemas.microsoft.com/office/drawing/2014/main" id="{06648141-2BFA-4F93-AB75-8D49DDD65F02}"/>
-              </a:ext>
-            </a:extLst>
-          </p:cNvPr>
-          <p:cNvSpPr txBox="1"/>
-          <p:nvPr/>
-        </p:nvSpPr>
-        <p:spPr>
-          <a:xfrm>
-            <a:off x="15132483" y="18960450"/>
-            <a:ext cx="11574965" cy="3046988"/>
-          </a:xfrm>
-          <a:prstGeom prst="rect">
-            <a:avLst/>
-          </a:prstGeom>
-          <a:noFill/>
-        </p:spPr>
-        <p:txBody>
-          <a:bodyPr rot="0" spcFirstLastPara="0" vertOverflow="overflow" horzOverflow="overflow" vert="horz" wrap="square" lIns="91440" tIns="45720" rIns="91440" bIns="45720" numCol="1" spcCol="0" rtlCol="0" fromWordArt="0" anchor="t" anchorCtr="0" forceAA="0" compatLnSpc="1">
-            <a:prstTxWarp prst="textNoShape">
-              <a:avLst/>
-            </a:prstTxWarp>
-            <a:spAutoFit/>
-          </a:bodyPr>
-          <a:lstStyle/>
-          <a:p>
-            <a:r>
-              <a:rPr lang="en-US" sz="2800" b="1">
-                <a:latin typeface="Arial"/>
-                <a:ea typeface="+mn-lt"/>
-                <a:cs typeface="+mn-lt"/>
-              </a:rPr>
-              <a:t>Simplified pipeline: initial database to python script to final database (removes intermediate Blob Storage step)</a:t>
-            </a:r>
-            <a:endParaRPr lang="en-US" b="1">
-              <a:latin typeface="Arial"/>
-              <a:cs typeface="Times New Roman"/>
-            </a:endParaRPr>
-          </a:p>
-          <a:p>
-            <a:br>
-              <a:rPr lang="en-US"/>
-            </a:br>
-            <a:endParaRPr lang="en-US" b="1">
-              <a:cs typeface="Times New Roman"/>
-            </a:endParaRPr>
-          </a:p>
-        </p:txBody>
-      </p:sp>
-      <p:pic>
-        <p:nvPicPr>
-          <p:cNvPr id="1060" name="Graphic 1059">
-            <a:extLst>
-              <a:ext uri="{FF2B5EF4-FFF2-40B4-BE49-F238E27FC236}">
-                <a16:creationId xmlns:a16="http://schemas.microsoft.com/office/drawing/2014/main" id="{F7DDF417-FE30-B540-8E63-23E823AF2F1A}"/>
-              </a:ext>
-            </a:extLst>
-          </p:cNvPr>
-          <p:cNvPicPr>
-            <a:picLocks noChangeAspect="1"/>
-          </p:cNvPicPr>
-          <p:nvPr/>
-        </p:nvPicPr>
-        <p:blipFill rotWithShape="1">
-          <a:blip r:embed="rId18">
-            <a:extLst>
-              <a:ext uri="{28A0092B-C50C-407E-A947-70E740481C1C}">
-                <a14:useLocalDpi xmlns:a14="http://schemas.microsoft.com/office/drawing/2010/main" val="0"/>
-              </a:ext>
-              <a:ext uri="{96DAC541-7B7A-43D3-8B79-37D633B846F1}">
-                <asvg:svgBlip xmlns:asvg="http://schemas.microsoft.com/office/drawing/2016/SVG/main" r:embed="rId19"/>
-              </a:ext>
-            </a:extLst>
-          </a:blip>
-          <a:srcRect l="58772" t="33333" b="29824"/>
-          <a:stretch/>
-        </p:blipFill>
-        <p:spPr>
-          <a:xfrm>
-            <a:off x="25413895" y="22736296"/>
-            <a:ext cx="4001653" cy="2860758"/>
-          </a:xfrm>
-          <a:prstGeom prst="rect">
-            <a:avLst/>
-          </a:prstGeom>
-        </p:spPr>
-      </p:pic>
-    </p:spTree>
-    <p:extLst>
-      <p:ext uri="{BB962C8B-B14F-4D97-AF65-F5344CB8AC3E}">
-        <p14:creationId xmlns:p14="http://schemas.microsoft.com/office/powerpoint/2010/main" val="669443846"/>
-      </p:ext>
-    </p:extLst>
-  </p:cSld>
-  <p:clrMapOvr>
-    <a:masterClrMapping/>
-  </p:clrMapOvr>
-</p:sld>
-</file>
-
-<file path=ppt/slides/slide3.xml><?xml version="1.0" encoding="utf-8"?>
-<p:sld xmlns:a="http://schemas.openxmlformats.org/drawingml/2006/main" xmlns:r="http://schemas.openxmlformats.org/officeDocument/2006/relationships" xmlns:p="http://schemas.openxmlformats.org/presentationml/2006/main">
-  <p:cSld>
-    <p:spTree>
-      <p:nvGrpSpPr>
-        <p:cNvPr id="1" name=""/>
-        <p:cNvGrpSpPr/>
-        <p:nvPr/>
-      </p:nvGrpSpPr>
-      <p:grpSpPr>
-        <a:xfrm>
-          <a:off x="0" y="0"/>
-          <a:ext cx="0" cy="0"/>
-          <a:chOff x="0" y="0"/>
-          <a:chExt cx="0" cy="0"/>
-        </a:xfrm>
-      </p:grpSpPr>
-      <p:pic>
-        <p:nvPicPr>
-          <p:cNvPr id="19" name="Graphic 36">
-            <a:extLst>
-              <a:ext uri="{FF2B5EF4-FFF2-40B4-BE49-F238E27FC236}">
-                <a16:creationId xmlns:a16="http://schemas.microsoft.com/office/drawing/2014/main" id="{8C1C601B-2584-D74A-AF1D-51AE6F6DA810}"/>
-              </a:ext>
-            </a:extLst>
-          </p:cNvPr>
-          <p:cNvPicPr>
-            <a:picLocks noChangeAspect="1"/>
-          </p:cNvPicPr>
-          <p:nvPr/>
-        </p:nvPicPr>
-        <p:blipFill>
-          <a:blip r:embed="rId2">
-            <a:extLst>
-              <a:ext uri="{96DAC541-7B7A-43D3-8B79-37D633B846F1}">
-                <asvg:svgBlip xmlns:asvg="http://schemas.microsoft.com/office/drawing/2016/SVG/main" r:embed="rId3"/>
-              </a:ext>
-            </a:extLst>
-          </a:blip>
-          <a:stretch>
-            <a:fillRect/>
-          </a:stretch>
-        </p:blipFill>
-        <p:spPr>
-          <a:xfrm>
-            <a:off x="4300360" y="8143399"/>
-            <a:ext cx="28188935" cy="18366164"/>
-          </a:xfrm>
-          <a:prstGeom prst="rect">
-            <a:avLst/>
-          </a:prstGeom>
-        </p:spPr>
-      </p:pic>
-      <p:pic>
-        <p:nvPicPr>
-          <p:cNvPr id="20" name="Graphic 19">
-            <a:extLst>
-              <a:ext uri="{FF2B5EF4-FFF2-40B4-BE49-F238E27FC236}">
-                <a16:creationId xmlns:a16="http://schemas.microsoft.com/office/drawing/2014/main" id="{DFF8EE7E-8F8B-704C-A75A-83E507654804}"/>
-              </a:ext>
-            </a:extLst>
-          </p:cNvPr>
-          <p:cNvPicPr>
-            <a:picLocks noChangeAspect="1"/>
-          </p:cNvPicPr>
-          <p:nvPr/>
-        </p:nvPicPr>
-        <p:blipFill rotWithShape="1">
-          <a:blip r:embed="rId4">
-            <a:extLst>
-              <a:ext uri="{28A0092B-C50C-407E-A947-70E740481C1C}">
-                <a14:useLocalDpi xmlns:a14="http://schemas.microsoft.com/office/drawing/2010/main" val="0"/>
-              </a:ext>
-              <a:ext uri="{96DAC541-7B7A-43D3-8B79-37D633B846F1}">
-                <asvg:svgBlip xmlns:asvg="http://schemas.microsoft.com/office/drawing/2016/SVG/main" r:embed="rId5"/>
-              </a:ext>
-            </a:extLst>
-          </a:blip>
-          <a:srcRect l="58772" t="33333" b="29824"/>
-          <a:stretch/>
-        </p:blipFill>
-        <p:spPr>
-          <a:xfrm>
-            <a:off x="33713413" y="14278709"/>
-            <a:ext cx="8526501" cy="6095544"/>
-          </a:xfrm>
-          <a:prstGeom prst="rect">
-            <a:avLst/>
-          </a:prstGeom>
-        </p:spPr>
-      </p:pic>
-    </p:spTree>
-    <p:extLst>
-      <p:ext uri="{BB962C8B-B14F-4D97-AF65-F5344CB8AC3E}">
-        <p14:creationId xmlns:p14="http://schemas.microsoft.com/office/powerpoint/2010/main" val="490840963"/>
-      </p:ext>
-    </p:extLst>
-  </p:cSld>
-  <p:clrMapOvr>
-    <a:masterClrMapping/>
-  </p:clrMapOvr>
-</p:sld>
-</file>
-
-<file path=ppt/slides/slide4.xml><?xml version="1.0" encoding="utf-8"?>
-<p:sld xmlns:a="http://schemas.openxmlformats.org/drawingml/2006/main" xmlns:r="http://schemas.openxmlformats.org/officeDocument/2006/relationships" xmlns:p="http://schemas.openxmlformats.org/presentationml/2006/main">
-  <p:cSld>
-    <p:spTree>
-      <p:nvGrpSpPr>
-        <p:cNvPr id="1" name=""/>
-        <p:cNvGrpSpPr/>
-        <p:nvPr/>
-      </p:nvGrpSpPr>
-      <p:grpSpPr>
-        <a:xfrm>
-          <a:off x="0" y="0"/>
-          <a:ext cx="0" cy="0"/>
-          <a:chOff x="0" y="0"/>
-          <a:chExt cx="0" cy="0"/>
-        </a:xfrm>
-      </p:grpSpPr>
-      <p:pic>
-        <p:nvPicPr>
-          <p:cNvPr id="4" name="Graphic 8">
-            <a:extLst>
-              <a:ext uri="{FF2B5EF4-FFF2-40B4-BE49-F238E27FC236}">
-                <a16:creationId xmlns:a16="http://schemas.microsoft.com/office/drawing/2014/main" id="{544A1260-5802-8042-BCFF-49D3BCB54FE3}"/>
-              </a:ext>
-            </a:extLst>
-          </p:cNvPr>
-          <p:cNvPicPr>
-            <a:picLocks noChangeAspect="1"/>
-          </p:cNvPicPr>
-          <p:nvPr/>
-        </p:nvPicPr>
-        <p:blipFill>
-          <a:blip r:embed="rId2">
-            <a:extLst>
-              <a:ext uri="{96DAC541-7B7A-43D3-8B79-37D633B846F1}">
-                <asvg:svgBlip xmlns:asvg="http://schemas.microsoft.com/office/drawing/2016/SVG/main" r:embed="rId3"/>
-              </a:ext>
-            </a:extLst>
-          </a:blip>
-          <a:stretch>
-            <a:fillRect/>
-          </a:stretch>
-        </p:blipFill>
-        <p:spPr>
-          <a:xfrm>
-            <a:off x="6677164" y="4275892"/>
-            <a:ext cx="30536872" cy="24366615"/>
-          </a:xfrm>
-          <a:prstGeom prst="rect">
-            <a:avLst/>
-          </a:prstGeom>
-        </p:spPr>
-      </p:pic>
-    </p:spTree>
-    <p:extLst>
-      <p:ext uri="{BB962C8B-B14F-4D97-AF65-F5344CB8AC3E}">
-        <p14:creationId xmlns:p14="http://schemas.microsoft.com/office/powerpoint/2010/main" val="1413014941"/>
-      </p:ext>
-    </p:extLst>
-  </p:cSld>
-  <p:clrMapOvr>
-    <a:masterClrMapping/>
-  </p:clrMapOvr>
-</p:sld>
-</file>
-
-<file path=ppt/slides/slide5.xml><?xml version="1.0" encoding="utf-8"?>
-<p:sld xmlns:a="http://schemas.openxmlformats.org/drawingml/2006/main" xmlns:r="http://schemas.openxmlformats.org/officeDocument/2006/relationships" xmlns:p="http://schemas.openxmlformats.org/presentationml/2006/main">
-  <p:cSld>
-    <p:spTree>
-      <p:nvGrpSpPr>
-        <p:cNvPr id="1" name=""/>
-        <p:cNvGrpSpPr/>
-        <p:nvPr/>
-      </p:nvGrpSpPr>
-      <p:grpSpPr>
-        <a:xfrm>
-          <a:off x="0" y="0"/>
-          <a:ext cx="0" cy="0"/>
-          <a:chOff x="0" y="0"/>
-          <a:chExt cx="0" cy="0"/>
-        </a:xfrm>
-      </p:grpSpPr>
-      <p:pic>
-        <p:nvPicPr>
-          <p:cNvPr id="6" name="Picture 18">
-            <a:extLst>
-              <a:ext uri="{FF2B5EF4-FFF2-40B4-BE49-F238E27FC236}">
-                <a16:creationId xmlns:a16="http://schemas.microsoft.com/office/drawing/2014/main" id="{2C44B846-B526-8A47-93B6-7A570147F723}"/>
-              </a:ext>
-            </a:extLst>
-          </p:cNvPr>
-          <p:cNvPicPr>
-            <a:picLocks noChangeAspect="1" noChangeArrowheads="1"/>
-          </p:cNvPicPr>
-          <p:nvPr/>
-        </p:nvPicPr>
-        <p:blipFill>
-          <a:blip r:embed="rId2">
-            <a:extLst>
-              <a:ext uri="{28A0092B-C50C-407E-A947-70E740481C1C}">
-                <a14:useLocalDpi xmlns:a14="http://schemas.microsoft.com/office/drawing/2010/main"/>
-              </a:ext>
-            </a:extLst>
-          </a:blip>
-          <a:srcRect/>
-          <a:stretch>
-            <a:fillRect/>
-          </a:stretch>
-        </p:blipFill>
-        <p:spPr bwMode="auto">
-          <a:xfrm>
-            <a:off x="5831245" y="4738137"/>
-            <a:ext cx="32228709" cy="13755071"/>
-          </a:xfrm>
-          <a:prstGeom prst="rect">
-            <a:avLst/>
-          </a:prstGeom>
-          <a:noFill/>
-          <a:extLst>
-            <a:ext uri="{909E8E84-426E-40DD-AFC4-6F175D3DCCD1}">
-              <a14:hiddenFill xmlns:a14="http://schemas.microsoft.com/office/drawing/2010/main">
-                <a:solidFill>
-                  <a:srgbClr val="FFFFFF"/>
-                </a:solidFill>
-              </a14:hiddenFill>
-            </a:ext>
-          </a:extLst>
-        </p:spPr>
-      </p:pic>
-      <p:pic>
-        <p:nvPicPr>
-          <p:cNvPr id="7" name="Picture 3">
-            <a:extLst>
-              <a:ext uri="{FF2B5EF4-FFF2-40B4-BE49-F238E27FC236}">
-                <a16:creationId xmlns:a16="http://schemas.microsoft.com/office/drawing/2014/main" id="{E5C1E515-8E96-6A47-87CF-4A6447826459}"/>
-              </a:ext>
-            </a:extLst>
-          </p:cNvPr>
-          <p:cNvPicPr>
-            <a:picLocks noChangeAspect="1"/>
-          </p:cNvPicPr>
-          <p:nvPr/>
-        </p:nvPicPr>
-        <p:blipFill>
-          <a:blip r:embed="rId3"/>
-          <a:stretch>
-            <a:fillRect/>
-          </a:stretch>
-        </p:blipFill>
-        <p:spPr>
-          <a:xfrm>
-            <a:off x="9187149" y="19196605"/>
-            <a:ext cx="25516901" cy="8983658"/>
-          </a:xfrm>
-          <a:prstGeom prst="rect">
-            <a:avLst/>
-          </a:prstGeom>
-        </p:spPr>
-      </p:pic>
-      <p:sp>
-        <p:nvSpPr>
-          <p:cNvPr id="8" name="Rounded Rectangle 7">
-            <a:extLst>
-              <a:ext uri="{FF2B5EF4-FFF2-40B4-BE49-F238E27FC236}">
-                <a16:creationId xmlns:a16="http://schemas.microsoft.com/office/drawing/2014/main" id="{8F7465FC-1F0D-F54D-A615-D34DBB909C77}"/>
-              </a:ext>
-            </a:extLst>
-          </p:cNvPr>
-          <p:cNvSpPr/>
-          <p:nvPr/>
-        </p:nvSpPr>
-        <p:spPr>
-          <a:xfrm>
-            <a:off x="15316200" y="4738137"/>
-            <a:ext cx="17145000" cy="12978363"/>
-          </a:xfrm>
-          <a:prstGeom prst="roundRect">
-            <a:avLst/>
-          </a:prstGeom>
-          <a:noFill/>
-          <a:ln w="406400"/>
-        </p:spPr>
-        <p:style>
-          <a:lnRef idx="2">
-            <a:schemeClr val="accent1">
-              <a:shade val="50000"/>
-            </a:schemeClr>
-          </a:lnRef>
-          <a:fillRef idx="1">
-            <a:schemeClr val="accent1"/>
-          </a:fillRef>
-          <a:effectRef idx="0">
-            <a:schemeClr val="accent1"/>
-          </a:effectRef>
-          <a:fontRef idx="minor">
-            <a:schemeClr val="lt1"/>
-          </a:fontRef>
-        </p:style>
-        <p:txBody>
-          <a:bodyPr rtlCol="0" anchor="ctr"/>
-          <a:lstStyle/>
-          <a:p>
-            <a:pPr algn="ctr"/>
-            <a:endParaRPr lang="en-US"/>
-          </a:p>
-        </p:txBody>
-      </p:sp>
-      <p:sp>
-        <p:nvSpPr>
-          <p:cNvPr id="11" name="Rounded Rectangle 10">
-            <a:extLst>
-              <a:ext uri="{FF2B5EF4-FFF2-40B4-BE49-F238E27FC236}">
-                <a16:creationId xmlns:a16="http://schemas.microsoft.com/office/drawing/2014/main" id="{4F394940-42D8-5445-B135-D5D1DB7F9AE4}"/>
-              </a:ext>
-            </a:extLst>
-          </p:cNvPr>
-          <p:cNvSpPr/>
-          <p:nvPr/>
-        </p:nvSpPr>
-        <p:spPr>
-          <a:xfrm>
-            <a:off x="21145499" y="18474880"/>
-            <a:ext cx="7200901" cy="10334033"/>
-          </a:xfrm>
-          <a:prstGeom prst="roundRect">
-            <a:avLst/>
-          </a:prstGeom>
-          <a:noFill/>
-          <a:ln w="406400"/>
-        </p:spPr>
-        <p:style>
-          <a:lnRef idx="2">
-            <a:schemeClr val="accent1">
-              <a:shade val="50000"/>
-            </a:schemeClr>
-          </a:lnRef>
-          <a:fillRef idx="1">
-            <a:schemeClr val="accent1"/>
-          </a:fillRef>
-          <a:effectRef idx="0">
-            <a:schemeClr val="accent1"/>
-          </a:effectRef>
-          <a:fontRef idx="minor">
-            <a:schemeClr val="lt1"/>
-          </a:fontRef>
-        </p:style>
-        <p:txBody>
-          <a:bodyPr rtlCol="0" anchor="ctr"/>
-          <a:lstStyle/>
-          <a:p>
-            <a:pPr algn="ctr"/>
-            <a:endParaRPr lang="en-US"/>
-          </a:p>
-        </p:txBody>
-      </p:sp>
-    </p:spTree>
-    <p:extLst>
-      <p:ext uri="{BB962C8B-B14F-4D97-AF65-F5344CB8AC3E}">
-        <p14:creationId xmlns:p14="http://schemas.microsoft.com/office/powerpoint/2010/main" val="2528365863"/>
-      </p:ext>
-    </p:extLst>
   </p:cSld>
   <p:clrMapOvr>
     <a:masterClrMapping/>
